--- a/ClassMaterials/Encapsulation/Slides/Part2-SETechniques-Principle3.pptx
+++ b/ClassMaterials/Encapsulation/Slides/Part2-SETechniques-Principle3.pptx
@@ -224,7 +224,7 @@
           <a:p>
             <a:fld id="{4F942F4A-6994-3A49-9461-EE810FAF072D}" type="datetimeFigureOut">
               <a:rPr lang="en-US" smtClean="0"/>
-              <a:t>3/23/2023</a:t>
+              <a:t>8/11/2023</a:t>
             </a:fld>
             <a:endParaRPr lang="en-US"/>
           </a:p>
@@ -389,7 +389,7 @@
           <a:p>
             <a:fld id="{11374350-B736-4AC1-A1E7-19777DF1B0E1}" type="datetimeFigureOut">
               <a:rPr lang="en-US" smtClean="0"/>
-              <a:t>3/23/2023</a:t>
+              <a:t>8/11/2023</a:t>
             </a:fld>
             <a:endParaRPr lang="en-US"/>
           </a:p>
@@ -825,14 +825,14 @@
               <a:buNone/>
             </a:pPr>
             <a:r>
-              <a:rPr lang="en-US"/>
+              <a:rPr lang="en-US" dirty="0"/>
               <a:t>Animation</a:t>
             </a:r>
             <a:r>
-              <a:rPr lang="en-US" baseline="0"/>
+              <a:rPr lang="en-US" baseline="0" dirty="0"/>
               <a:t> for the two major goals</a:t>
             </a:r>
-            <a:endParaRPr lang="en-US"/>
+            <a:endParaRPr lang="en-US" dirty="0"/>
           </a:p>
         </p:txBody>
       </p:sp>
@@ -1380,7 +1380,7 @@
           <a:p>
             <a:fld id="{50A519B0-864F-436F-AD10-563B5AD2C023}" type="datetimeFigureOut">
               <a:rPr lang="en-US" smtClean="0"/>
-              <a:t>3/23/2023</a:t>
+              <a:t>8/11/2023</a:t>
             </a:fld>
             <a:endParaRPr lang="en-US"/>
           </a:p>
@@ -1548,7 +1548,7 @@
           <a:p>
             <a:fld id="{50A519B0-864F-436F-AD10-563B5AD2C023}" type="datetimeFigureOut">
               <a:rPr lang="en-US" smtClean="0"/>
-              <a:t>3/23/2023</a:t>
+              <a:t>8/11/2023</a:t>
             </a:fld>
             <a:endParaRPr lang="en-US"/>
           </a:p>
@@ -1726,7 +1726,7 @@
           <a:p>
             <a:fld id="{50A519B0-864F-436F-AD10-563B5AD2C023}" type="datetimeFigureOut">
               <a:rPr lang="en-US" smtClean="0"/>
-              <a:t>3/23/2023</a:t>
+              <a:t>8/11/2023</a:t>
             </a:fld>
             <a:endParaRPr lang="en-US"/>
           </a:p>
@@ -1894,7 +1894,7 @@
           <a:p>
             <a:fld id="{50A519B0-864F-436F-AD10-563B5AD2C023}" type="datetimeFigureOut">
               <a:rPr lang="en-US" smtClean="0"/>
-              <a:t>3/23/2023</a:t>
+              <a:t>8/11/2023</a:t>
             </a:fld>
             <a:endParaRPr lang="en-US"/>
           </a:p>
@@ -2139,7 +2139,7 @@
           <a:p>
             <a:fld id="{50A519B0-864F-436F-AD10-563B5AD2C023}" type="datetimeFigureOut">
               <a:rPr lang="en-US" smtClean="0"/>
-              <a:t>3/23/2023</a:t>
+              <a:t>8/11/2023</a:t>
             </a:fld>
             <a:endParaRPr lang="en-US"/>
           </a:p>
@@ -2424,7 +2424,7 @@
           <a:p>
             <a:fld id="{50A519B0-864F-436F-AD10-563B5AD2C023}" type="datetimeFigureOut">
               <a:rPr lang="en-US" smtClean="0"/>
-              <a:t>3/23/2023</a:t>
+              <a:t>8/11/2023</a:t>
             </a:fld>
             <a:endParaRPr lang="en-US"/>
           </a:p>
@@ -2843,7 +2843,7 @@
           <a:p>
             <a:fld id="{50A519B0-864F-436F-AD10-563B5AD2C023}" type="datetimeFigureOut">
               <a:rPr lang="en-US" smtClean="0"/>
-              <a:t>3/23/2023</a:t>
+              <a:t>8/11/2023</a:t>
             </a:fld>
             <a:endParaRPr lang="en-US"/>
           </a:p>
@@ -2960,7 +2960,7 @@
           <a:p>
             <a:fld id="{50A519B0-864F-436F-AD10-563B5AD2C023}" type="datetimeFigureOut">
               <a:rPr lang="en-US" smtClean="0"/>
-              <a:t>3/23/2023</a:t>
+              <a:t>8/11/2023</a:t>
             </a:fld>
             <a:endParaRPr lang="en-US"/>
           </a:p>
@@ -3055,7 +3055,7 @@
           <a:p>
             <a:fld id="{50A519B0-864F-436F-AD10-563B5AD2C023}" type="datetimeFigureOut">
               <a:rPr lang="en-US" smtClean="0"/>
-              <a:t>3/23/2023</a:t>
+              <a:t>8/11/2023</a:t>
             </a:fld>
             <a:endParaRPr lang="en-US"/>
           </a:p>
@@ -3330,7 +3330,7 @@
           <a:p>
             <a:fld id="{50A519B0-864F-436F-AD10-563B5AD2C023}" type="datetimeFigureOut">
               <a:rPr lang="en-US" smtClean="0"/>
-              <a:t>3/23/2023</a:t>
+              <a:t>8/11/2023</a:t>
             </a:fld>
             <a:endParaRPr lang="en-US"/>
           </a:p>
@@ -3582,7 +3582,7 @@
           <a:p>
             <a:fld id="{50A519B0-864F-436F-AD10-563B5AD2C023}" type="datetimeFigureOut">
               <a:rPr lang="en-US" smtClean="0"/>
-              <a:t>3/23/2023</a:t>
+              <a:t>8/11/2023</a:t>
             </a:fld>
             <a:endParaRPr lang="en-US"/>
           </a:p>
@@ -3793,7 +3793,7 @@
           <a:p>
             <a:fld id="{50A519B0-864F-436F-AD10-563B5AD2C023}" type="datetimeFigureOut">
               <a:rPr lang="en-US" smtClean="0"/>
-              <a:t>3/23/2023</a:t>
+              <a:t>8/11/2023</a:t>
             </a:fld>
             <a:endParaRPr lang="en-US"/>
           </a:p>
@@ -4351,21 +4351,23 @@
             </a:r>
           </a:p>
           <a:p>
-            <a:pPr marL="228600" indent="-228600">
+            <a:pPr marL="457200" indent="-457200">
+              <a:buFont typeface="+mj-lt"/>
               <a:buAutoNum type="arabicPeriod"/>
             </a:pPr>
             <a:r>
               <a:rPr lang="en-US" sz="2400" b="1" dirty="0"/>
-              <a:t> It would be good if were easy to understand</a:t>
-            </a:r>
-          </a:p>
-          <a:p>
-            <a:pPr marL="228600" indent="-228600">
+              <a:t>Easy to understand</a:t>
+            </a:r>
+          </a:p>
+          <a:p>
+            <a:pPr marL="457200" indent="-457200">
+              <a:buFont typeface="+mj-lt"/>
               <a:buAutoNum type="arabicPeriod"/>
             </a:pPr>
             <a:r>
               <a:rPr lang="en-US" sz="2400" b="1" dirty="0"/>
-              <a:t> It would be good if it were easy to modify</a:t>
+              <a:t>Easy to modify</a:t>
             </a:r>
           </a:p>
           <a:p>
@@ -4480,15 +4482,33 @@
                                   </p:childTnLst>
                                 </p:cTn>
                               </p:par>
+                            </p:childTnLst>
+                          </p:cTn>
+                        </p:par>
+                      </p:childTnLst>
+                    </p:cTn>
+                  </p:par>
+                  <p:par>
+                    <p:cTn id="7" fill="hold">
+                      <p:stCondLst>
+                        <p:cond delay="indefinite"/>
+                      </p:stCondLst>
+                      <p:childTnLst>
+                        <p:par>
+                          <p:cTn id="8" fill="hold">
+                            <p:stCondLst>
+                              <p:cond delay="0"/>
+                            </p:stCondLst>
+                            <p:childTnLst>
                               <p:par>
-                                <p:cTn id="7" presetID="1" presetClass="entr" presetSubtype="0" fill="hold" nodeType="withEffect">
+                                <p:cTn id="9" presetID="1" presetClass="entr" presetSubtype="0" fill="hold" nodeType="clickEffect">
                                   <p:stCondLst>
                                     <p:cond delay="0"/>
                                   </p:stCondLst>
                                   <p:childTnLst>
                                     <p:set>
                                       <p:cBhvr>
-                                        <p:cTn id="8" dur="1" fill="hold">
+                                        <p:cTn id="10" dur="1" fill="hold">
                                           <p:stCondLst>
                                             <p:cond delay="0"/>
                                           </p:stCondLst>
@@ -6869,9 +6889,12 @@
 </file>
 
 <file path=customXml/item1.xml><?xml version="1.0" encoding="utf-8"?>
-<p:properties xmlns:p="http://schemas.microsoft.com/office/2006/metadata/properties" xmlns:xsi="http://www.w3.org/2001/XMLSchema-instance" xmlns:pc="http://schemas.microsoft.com/office/infopath/2007/PartnerControls">
-  <documentManagement/>
-</p:properties>
+<?mso-contentType ?>
+<FormTemplates xmlns="http://schemas.microsoft.com/sharepoint/v3/contenttype/forms">
+  <Display>DocumentLibraryForm</Display>
+  <Edit>DocumentLibraryForm</Edit>
+  <New>DocumentLibraryForm</New>
+</FormTemplates>
 </file>
 
 <file path=customXml/item2.xml><?xml version="1.0" encoding="utf-8"?>
@@ -7045,19 +7068,15 @@
 </file>
 
 <file path=customXml/item3.xml><?xml version="1.0" encoding="utf-8"?>
-<?mso-contentType ?>
-<FormTemplates xmlns="http://schemas.microsoft.com/sharepoint/v3/contenttype/forms">
-  <Display>DocumentLibraryForm</Display>
-  <Edit>DocumentLibraryForm</Edit>
-  <New>DocumentLibraryForm</New>
-</FormTemplates>
+<p:properties xmlns:p="http://schemas.microsoft.com/office/2006/metadata/properties" xmlns:xsi="http://www.w3.org/2001/XMLSchema-instance" xmlns:pc="http://schemas.microsoft.com/office/infopath/2007/PartnerControls">
+  <documentManagement/>
+</p:properties>
 </file>
 
 <file path=customXml/itemProps1.xml><?xml version="1.0" encoding="utf-8"?>
-<ds:datastoreItem xmlns:ds="http://schemas.openxmlformats.org/officeDocument/2006/customXml" ds:itemID="{A396EFD4-1250-457A-AB4B-16A5266B50A5}">
+<ds:datastoreItem xmlns:ds="http://schemas.openxmlformats.org/officeDocument/2006/customXml" ds:itemID="{B83796DB-86E9-4D44-9BCB-A762264A5AFE}">
   <ds:schemaRefs>
-    <ds:schemaRef ds:uri="http://schemas.microsoft.com/office/2006/metadata/properties"/>
-    <ds:schemaRef ds:uri="http://schemas.microsoft.com/office/infopath/2007/PartnerControls"/>
+    <ds:schemaRef ds:uri="http://schemas.microsoft.com/sharepoint/v3/contenttype/forms"/>
   </ds:schemaRefs>
 </ds:datastoreItem>
 </file>
@@ -7081,9 +7100,10 @@
 </file>
 
 <file path=customXml/itemProps3.xml><?xml version="1.0" encoding="utf-8"?>
-<ds:datastoreItem xmlns:ds="http://schemas.openxmlformats.org/officeDocument/2006/customXml" ds:itemID="{B83796DB-86E9-4D44-9BCB-A762264A5AFE}">
+<ds:datastoreItem xmlns:ds="http://schemas.openxmlformats.org/officeDocument/2006/customXml" ds:itemID="{A396EFD4-1250-457A-AB4B-16A5266B50A5}">
   <ds:schemaRefs>
-    <ds:schemaRef ds:uri="http://schemas.microsoft.com/sharepoint/v3/contenttype/forms"/>
+    <ds:schemaRef ds:uri="http://schemas.microsoft.com/office/2006/metadata/properties"/>
+    <ds:schemaRef ds:uri="http://schemas.microsoft.com/office/infopath/2007/PartnerControls"/>
   </ds:schemaRefs>
 </ds:datastoreItem>
 </file>
--- a/ClassMaterials/Encapsulation/Slides/Part2-SETechniques-Principle3.pptx
+++ b/ClassMaterials/Encapsulation/Slides/Part2-SETechniques-Principle3.pptx
@@ -224,7 +224,7 @@
           <a:p>
             <a:fld id="{4F942F4A-6994-3A49-9461-EE810FAF072D}" type="datetimeFigureOut">
               <a:rPr lang="en-US" smtClean="0"/>
-              <a:t>8/11/2023</a:t>
+              <a:t>9/12/2023</a:t>
             </a:fld>
             <a:endParaRPr lang="en-US"/>
           </a:p>
@@ -305,6 +305,93 @@
   </p:cSld>
   <p:clrMap bg1="lt1" tx1="dk1" bg2="lt2" tx2="dk2" accent1="accent1" accent2="accent2" accent3="accent3" accent4="accent4" accent5="accent5" accent6="accent6" hlink="hlink" folHlink="folHlink"/>
 </p:handoutMaster>
+</file>
+
+<file path=ppt/ink/ink1.xml><?xml version="1.0" encoding="utf-8"?>
+<inkml:ink xmlns:inkml="http://www.w3.org/2003/InkML">
+  <inkml:definitions>
+    <inkml:context xml:id="ctx0">
+      <inkml:inkSource xml:id="inkSrc0">
+        <inkml:traceFormat>
+          <inkml:channel name="X" type="integer" min="-2.14748E9" max="2.14748E9" units="cm"/>
+          <inkml:channel name="Y" type="integer" min="-2.14748E9" max="2.14748E9" units="cm"/>
+        </inkml:traceFormat>
+        <inkml:channelProperties>
+          <inkml:channelProperty channel="X" name="resolution" value="1000" units="1/cm"/>
+          <inkml:channelProperty channel="Y" name="resolution" value="1000" units="1/cm"/>
+        </inkml:channelProperties>
+      </inkml:inkSource>
+      <inkml:timestamp xml:id="ts0" timeString="2023-09-12T17:41:16.483"/>
+    </inkml:context>
+    <inkml:brush xml:id="br0">
+      <inkml:brushProperty name="width" value="0.3" units="cm"/>
+      <inkml:brushProperty name="height" value="0.6" units="cm"/>
+      <inkml:brushProperty name="color" value="#FFFC00"/>
+      <inkml:brushProperty name="tip" value="rectangle"/>
+      <inkml:brushProperty name="rasterOp" value="maskPen"/>
+      <inkml:brushProperty name="ignorePressure" value="1"/>
+    </inkml:brush>
+  </inkml:definitions>
+  <inkml:trace contextRef="#ctx0" brushRef="#br0">7344 2,'-172'-2,"-182"5,226 11,-34 0,59-15,33 0,1 2,-100 14,35 11,-2-6,-194 3,142-11,3 2,-3483-16,3379-11,28-1,197 14,22 1,0-2,-68-10,41 2,-124-2,-25-2,56 2,136 11</inkml:trace>
+</inkml:ink>
+</file>
+
+<file path=ppt/ink/ink2.xml><?xml version="1.0" encoding="utf-8"?>
+<inkml:ink xmlns:inkml="http://www.w3.org/2003/InkML">
+  <inkml:definitions>
+    <inkml:context xml:id="ctx0">
+      <inkml:inkSource xml:id="inkSrc0">
+        <inkml:traceFormat>
+          <inkml:channel name="X" type="integer" min="-2.14748E9" max="2.14748E9" units="cm"/>
+          <inkml:channel name="Y" type="integer" min="-2.14748E9" max="2.14748E9" units="cm"/>
+        </inkml:traceFormat>
+        <inkml:channelProperties>
+          <inkml:channelProperty channel="X" name="resolution" value="1000" units="1/cm"/>
+          <inkml:channelProperty channel="Y" name="resolution" value="1000" units="1/cm"/>
+        </inkml:channelProperties>
+      </inkml:inkSource>
+      <inkml:timestamp xml:id="ts0" timeString="2023-09-12T17:41:18.710"/>
+    </inkml:context>
+    <inkml:brush xml:id="br0">
+      <inkml:brushProperty name="width" value="0.3" units="cm"/>
+      <inkml:brushProperty name="height" value="0.6" units="cm"/>
+      <inkml:brushProperty name="color" value="#FFFC00"/>
+      <inkml:brushProperty name="tip" value="rectangle"/>
+      <inkml:brushProperty name="rasterOp" value="maskPen"/>
+      <inkml:brushProperty name="ignorePressure" value="1"/>
+    </inkml:brush>
+  </inkml:definitions>
+  <inkml:trace contextRef="#ctx0" brushRef="#br0">1964 136,'-769'0,"740"-3,0 0,1-2,0-1,-46-16,-26-5,28 16,1 4,-1 3,-102 7,38 0,94-3,1-2,-72-13,-49-18,138 30</inkml:trace>
+</inkml:ink>
+</file>
+
+<file path=ppt/ink/ink3.xml><?xml version="1.0" encoding="utf-8"?>
+<inkml:ink xmlns:inkml="http://www.w3.org/2003/InkML">
+  <inkml:definitions>
+    <inkml:context xml:id="ctx0">
+      <inkml:inkSource xml:id="inkSrc0">
+        <inkml:traceFormat>
+          <inkml:channel name="X" type="integer" min="-2.14748E9" max="2.14748E9" units="cm"/>
+          <inkml:channel name="Y" type="integer" min="-2.14748E9" max="2.14748E9" units="cm"/>
+        </inkml:traceFormat>
+        <inkml:channelProperties>
+          <inkml:channelProperty channel="X" name="resolution" value="1000" units="1/cm"/>
+          <inkml:channelProperty channel="Y" name="resolution" value="1000" units="1/cm"/>
+        </inkml:channelProperties>
+      </inkml:inkSource>
+      <inkml:timestamp xml:id="ts0" timeString="2023-09-12T17:41:26.364"/>
+    </inkml:context>
+    <inkml:brush xml:id="br0">
+      <inkml:brushProperty name="width" value="0.3" units="cm"/>
+      <inkml:brushProperty name="height" value="0.6" units="cm"/>
+      <inkml:brushProperty name="color" value="#FFFC00"/>
+      <inkml:brushProperty name="tip" value="rectangle"/>
+      <inkml:brushProperty name="rasterOp" value="maskPen"/>
+      <inkml:brushProperty name="ignorePressure" value="1"/>
+    </inkml:brush>
+  </inkml:definitions>
+  <inkml:trace contextRef="#ctx0" brushRef="#br0">1 358,'38'-11,"1"2,0 1,57-4,-10 2,1657-217,-1216 153,-135 67,-222 10,-95-3,28-1,157 18,-47 27,-163-33,1-3,72 2,59 10,-92-6,147 4,96-20,-121-1,1439 3,-1649 2,-11 3,-28 11,-56 15,-65 6,-1-7,-325 18,63-24,308-15,-224 9,-1044-19,1113 15,-14 0,61-17,-316 6,370 10,-54 2,-52-17,-198 4,323 11,-40 1,158-14</inkml:trace>
+</inkml:ink>
 </file>
 
 <file path=ppt/notesMasters/notesMaster1.xml><?xml version="1.0" encoding="utf-8"?>
@@ -389,7 +476,7 @@
           <a:p>
             <a:fld id="{11374350-B736-4AC1-A1E7-19777DF1B0E1}" type="datetimeFigureOut">
               <a:rPr lang="en-US" smtClean="0"/>
-              <a:t>8/11/2023</a:t>
+              <a:t>9/12/2023</a:t>
             </a:fld>
             <a:endParaRPr lang="en-US"/>
           </a:p>
@@ -1138,30 +1225,30 @@
           <a:lstStyle/>
           <a:p>
             <a:r>
-              <a:rPr lang="en-US"/>
+              <a:rPr lang="en-US" dirty="0"/>
               <a:t>Makes it harder to know what is</a:t>
             </a:r>
             <a:r>
-              <a:rPr lang="en-US" baseline="0"/>
+              <a:rPr lang="en-US" baseline="0" dirty="0"/>
               <a:t> meant when you have a function say “add”  or length</a:t>
             </a:r>
           </a:p>
           <a:p>
             <a:r>
-              <a:rPr lang="en-US" baseline="0"/>
-              <a:t>Means you are loading more things that you might actually need</a:t>
-            </a:r>
-          </a:p>
-          <a:p>
-            <a:r>
-              <a:rPr lang="en-US"/>
+              <a:rPr lang="en-US" baseline="0" dirty="0"/>
+              <a:t>Means you are loading more things than you might actually need</a:t>
+            </a:r>
+          </a:p>
+          <a:p>
+            <a:r>
+              <a:rPr lang="en-US" dirty="0"/>
               <a:t>Try to keep conceptual</a:t>
             </a:r>
             <a:r>
-              <a:rPr lang="en-US" baseline="0"/>
+              <a:rPr lang="en-US" baseline="0" dirty="0"/>
               <a:t> separation!</a:t>
             </a:r>
-            <a:endParaRPr lang="en-US"/>
+            <a:endParaRPr lang="en-US" dirty="0"/>
           </a:p>
         </p:txBody>
       </p:sp>
@@ -1380,7 +1467,7 @@
           <a:p>
             <a:fld id="{50A519B0-864F-436F-AD10-563B5AD2C023}" type="datetimeFigureOut">
               <a:rPr lang="en-US" smtClean="0"/>
-              <a:t>8/11/2023</a:t>
+              <a:t>9/12/2023</a:t>
             </a:fld>
             <a:endParaRPr lang="en-US"/>
           </a:p>
@@ -1548,7 +1635,7 @@
           <a:p>
             <a:fld id="{50A519B0-864F-436F-AD10-563B5AD2C023}" type="datetimeFigureOut">
               <a:rPr lang="en-US" smtClean="0"/>
-              <a:t>8/11/2023</a:t>
+              <a:t>9/12/2023</a:t>
             </a:fld>
             <a:endParaRPr lang="en-US"/>
           </a:p>
@@ -1726,7 +1813,7 @@
           <a:p>
             <a:fld id="{50A519B0-864F-436F-AD10-563B5AD2C023}" type="datetimeFigureOut">
               <a:rPr lang="en-US" smtClean="0"/>
-              <a:t>8/11/2023</a:t>
+              <a:t>9/12/2023</a:t>
             </a:fld>
             <a:endParaRPr lang="en-US"/>
           </a:p>
@@ -1894,7 +1981,7 @@
           <a:p>
             <a:fld id="{50A519B0-864F-436F-AD10-563B5AD2C023}" type="datetimeFigureOut">
               <a:rPr lang="en-US" smtClean="0"/>
-              <a:t>8/11/2023</a:t>
+              <a:t>9/12/2023</a:t>
             </a:fld>
             <a:endParaRPr lang="en-US"/>
           </a:p>
@@ -2139,7 +2226,7 @@
           <a:p>
             <a:fld id="{50A519B0-864F-436F-AD10-563B5AD2C023}" type="datetimeFigureOut">
               <a:rPr lang="en-US" smtClean="0"/>
-              <a:t>8/11/2023</a:t>
+              <a:t>9/12/2023</a:t>
             </a:fld>
             <a:endParaRPr lang="en-US"/>
           </a:p>
@@ -2424,7 +2511,7 @@
           <a:p>
             <a:fld id="{50A519B0-864F-436F-AD10-563B5AD2C023}" type="datetimeFigureOut">
               <a:rPr lang="en-US" smtClean="0"/>
-              <a:t>8/11/2023</a:t>
+              <a:t>9/12/2023</a:t>
             </a:fld>
             <a:endParaRPr lang="en-US"/>
           </a:p>
@@ -2843,7 +2930,7 @@
           <a:p>
             <a:fld id="{50A519B0-864F-436F-AD10-563B5AD2C023}" type="datetimeFigureOut">
               <a:rPr lang="en-US" smtClean="0"/>
-              <a:t>8/11/2023</a:t>
+              <a:t>9/12/2023</a:t>
             </a:fld>
             <a:endParaRPr lang="en-US"/>
           </a:p>
@@ -2960,7 +3047,7 @@
           <a:p>
             <a:fld id="{50A519B0-864F-436F-AD10-563B5AD2C023}" type="datetimeFigureOut">
               <a:rPr lang="en-US" smtClean="0"/>
-              <a:t>8/11/2023</a:t>
+              <a:t>9/12/2023</a:t>
             </a:fld>
             <a:endParaRPr lang="en-US"/>
           </a:p>
@@ -3055,7 +3142,7 @@
           <a:p>
             <a:fld id="{50A519B0-864F-436F-AD10-563B5AD2C023}" type="datetimeFigureOut">
               <a:rPr lang="en-US" smtClean="0"/>
-              <a:t>8/11/2023</a:t>
+              <a:t>9/12/2023</a:t>
             </a:fld>
             <a:endParaRPr lang="en-US"/>
           </a:p>
@@ -3330,7 +3417,7 @@
           <a:p>
             <a:fld id="{50A519B0-864F-436F-AD10-563B5AD2C023}" type="datetimeFigureOut">
               <a:rPr lang="en-US" smtClean="0"/>
-              <a:t>8/11/2023</a:t>
+              <a:t>9/12/2023</a:t>
             </a:fld>
             <a:endParaRPr lang="en-US"/>
           </a:p>
@@ -3582,7 +3669,7 @@
           <a:p>
             <a:fld id="{50A519B0-864F-436F-AD10-563B5AD2C023}" type="datetimeFigureOut">
               <a:rPr lang="en-US" smtClean="0"/>
-              <a:t>8/11/2023</a:t>
+              <a:t>9/12/2023</a:t>
             </a:fld>
             <a:endParaRPr lang="en-US"/>
           </a:p>
@@ -3793,7 +3880,7 @@
           <a:p>
             <a:fld id="{50A519B0-864F-436F-AD10-563B5AD2C023}" type="datetimeFigureOut">
               <a:rPr lang="en-US" smtClean="0"/>
-              <a:t>8/11/2023</a:t>
+              <a:t>9/12/2023</a:t>
             </a:fld>
             <a:endParaRPr lang="en-US"/>
           </a:p>
@@ -5150,19 +5237,19 @@
               </a:tabLst>
             </a:pPr>
             <a:r>
-              <a:rPr lang="en-US">
+              <a:rPr lang="en-US" dirty="0">
                 <a:latin typeface="Consolas" panose="020B0609020204030204" pitchFamily="49" charset="0"/>
               </a:rPr>
-              <a:t>String stringName1 = "</a:t>
-            </a:r>
-            <a:r>
-              <a:rPr lang="en-US" err="1">
+              <a:t>String stringName1 = “</a:t>
+            </a:r>
+            <a:r>
+              <a:rPr lang="en-US" dirty="0" err="1">
                 <a:latin typeface="Consolas" panose="020B0609020204030204" pitchFamily="49" charset="0"/>
               </a:rPr>
-              <a:t>jason</a:t>
-            </a:r>
-            <a:r>
-              <a:rPr lang="en-US">
+              <a:t>ian</a:t>
+            </a:r>
+            <a:r>
+              <a:rPr lang="en-US" dirty="0">
                 <a:latin typeface="Consolas" panose="020B0609020204030204" pitchFamily="49" charset="0"/>
               </a:rPr>
               <a:t>";</a:t>
@@ -5178,19 +5265,19 @@
               </a:tabLst>
             </a:pPr>
             <a:r>
-              <a:rPr lang="en-US">
+              <a:rPr lang="en-US" dirty="0">
                 <a:latin typeface="Consolas" panose="020B0609020204030204" pitchFamily="49" charset="0"/>
               </a:rPr>
-              <a:t>String stringName2 = "</a:t>
-            </a:r>
-            <a:r>
-              <a:rPr lang="en-US" err="1">
+              <a:t>String stringName2 = “</a:t>
+            </a:r>
+            <a:r>
+              <a:rPr lang="en-US" dirty="0" err="1">
                 <a:latin typeface="Consolas" panose="020B0609020204030204" pitchFamily="49" charset="0"/>
               </a:rPr>
-              <a:t>yoder</a:t>
-            </a:r>
-            <a:r>
-              <a:rPr lang="en-US">
+              <a:t>ludden</a:t>
+            </a:r>
+            <a:r>
+              <a:rPr lang="en-US" dirty="0">
                 <a:latin typeface="Consolas" panose="020B0609020204030204" pitchFamily="49" charset="0"/>
               </a:rPr>
               <a:t>";</a:t>
@@ -5206,19 +5293,19 @@
               </a:tabLst>
             </a:pPr>
             <a:r>
-              <a:rPr lang="en-US">
+              <a:rPr lang="en-US" dirty="0">
                 <a:latin typeface="Consolas" panose="020B0609020204030204" pitchFamily="49" charset="0"/>
               </a:rPr>
               <a:t>String </a:t>
             </a:r>
             <a:r>
-              <a:rPr lang="en-US" err="1">
+              <a:rPr lang="en-US" dirty="0" err="1">
                 <a:latin typeface="Consolas" panose="020B0609020204030204" pitchFamily="49" charset="0"/>
               </a:rPr>
               <a:t>stringConcat</a:t>
             </a:r>
             <a:r>
-              <a:rPr lang="en-US">
+              <a:rPr lang="en-US" dirty="0">
                 <a:latin typeface="Consolas" panose="020B0609020204030204" pitchFamily="49" charset="0"/>
               </a:rPr>
               <a:t> = stringName1.concat( stringName2 );</a:t>
@@ -5234,25 +5321,25 @@
               </a:tabLst>
             </a:pPr>
             <a:r>
-              <a:rPr lang="en-US" err="1">
+              <a:rPr lang="en-US" dirty="0" err="1">
                 <a:latin typeface="Consolas" panose="020B0609020204030204" pitchFamily="49" charset="0"/>
               </a:rPr>
               <a:t>System.out.println</a:t>
             </a:r>
             <a:r>
-              <a:rPr lang="en-US">
+              <a:rPr lang="en-US" dirty="0">
                 <a:latin typeface="Consolas" panose="020B0609020204030204" pitchFamily="49" charset="0"/>
               </a:rPr>
               <a:t>(  </a:t>
             </a:r>
             <a:r>
-              <a:rPr lang="en-US" err="1">
+              <a:rPr lang="en-US" dirty="0" err="1">
                 <a:latin typeface="Consolas" panose="020B0609020204030204" pitchFamily="49" charset="0"/>
               </a:rPr>
               <a:t>stringConcat</a:t>
             </a:r>
             <a:r>
-              <a:rPr lang="en-US">
+              <a:rPr lang="en-US" dirty="0">
                 <a:latin typeface="Consolas" panose="020B0609020204030204" pitchFamily="49" charset="0"/>
               </a:rPr>
               <a:t> );</a:t>
@@ -5268,7 +5355,7 @@
               </a:tabLst>
             </a:pPr>
             <a:r>
-              <a:rPr lang="en-US">
+              <a:rPr lang="en-US" dirty="0">
                 <a:latin typeface="Consolas" panose="020B0609020204030204" pitchFamily="49" charset="0"/>
               </a:rPr>
               <a:t>----------------------------------------------------------</a:t>
@@ -5284,10 +5371,10 @@
               </a:tabLst>
             </a:pPr>
             <a:r>
-              <a:rPr lang="pt-BR">
+              <a:rPr lang="pt-BR" dirty="0">
                 <a:latin typeface="Consolas" panose="020B0609020204030204" pitchFamily="49" charset="0"/>
               </a:rPr>
-              <a:t>char[] charName1 = {'j','a','s','o','n'};</a:t>
+              <a:t>char[] charName1 = {'i','a','n'};</a:t>
             </a:r>
           </a:p>
           <a:p>
@@ -5300,19 +5387,19 @@
               </a:tabLst>
             </a:pPr>
             <a:r>
-              <a:rPr lang="en-US">
+              <a:rPr lang="en-US" dirty="0">
                 <a:latin typeface="Consolas" panose="020B0609020204030204" pitchFamily="49" charset="0"/>
               </a:rPr>
               <a:t>char[] charName2 = {'</a:t>
             </a:r>
             <a:r>
-              <a:rPr lang="en-US" err="1">
+              <a:rPr lang="en-US" dirty="0" err="1">
                 <a:latin typeface="Consolas" panose="020B0609020204030204" pitchFamily="49" charset="0"/>
               </a:rPr>
-              <a:t>y','o','d','e','r</a:t>
-            </a:r>
-            <a:r>
-              <a:rPr lang="en-US">
+              <a:t>l','u','d','d','e','n</a:t>
+            </a:r>
+            <a:r>
+              <a:rPr lang="en-US" dirty="0">
                 <a:latin typeface="Consolas" panose="020B0609020204030204" pitchFamily="49" charset="0"/>
               </a:rPr>
               <a:t>'};</a:t>
@@ -5328,19 +5415,19 @@
               </a:tabLst>
             </a:pPr>
             <a:r>
-              <a:rPr lang="en-US">
+              <a:rPr lang="en-US" dirty="0">
                 <a:latin typeface="Consolas" panose="020B0609020204030204" pitchFamily="49" charset="0"/>
               </a:rPr>
               <a:t>char[] </a:t>
             </a:r>
             <a:r>
-              <a:rPr lang="en-US" err="1">
+              <a:rPr lang="en-US" dirty="0" err="1">
                 <a:latin typeface="Consolas" panose="020B0609020204030204" pitchFamily="49" charset="0"/>
               </a:rPr>
               <a:t>charConcat</a:t>
             </a:r>
             <a:r>
-              <a:rPr lang="en-US">
+              <a:rPr lang="en-US" dirty="0">
                 <a:latin typeface="Consolas" panose="020B0609020204030204" pitchFamily="49" charset="0"/>
               </a:rPr>
               <a:t> = </a:t>
@@ -5356,19 +5443,19 @@
               </a:tabLst>
             </a:pPr>
             <a:r>
-              <a:rPr lang="en-US">
+              <a:rPr lang="en-US" dirty="0">
                 <a:latin typeface="Consolas" panose="020B0609020204030204" pitchFamily="49" charset="0"/>
               </a:rPr>
               <a:t>	</a:t>
             </a:r>
             <a:r>
-              <a:rPr lang="en-US" b="1">
+              <a:rPr lang="en-US" b="1" dirty="0">
                 <a:latin typeface="Consolas" panose="020B0609020204030204" pitchFamily="49" charset="0"/>
               </a:rPr>
               <a:t>new</a:t>
             </a:r>
             <a:r>
-              <a:rPr lang="en-US">
+              <a:rPr lang="en-US" dirty="0">
                 <a:latin typeface="Consolas" panose="020B0609020204030204" pitchFamily="49" charset="0"/>
               </a:rPr>
               <a:t> char[charName1.length + charName2.length];</a:t>
@@ -5383,7 +5470,7 @@
                 <a:tab pos="1020763" algn="l"/>
               </a:tabLst>
             </a:pPr>
-            <a:endParaRPr lang="en-US">
+            <a:endParaRPr lang="en-US" dirty="0">
               <a:latin typeface="Consolas" panose="020B0609020204030204" pitchFamily="49" charset="0"/>
             </a:endParaRPr>
           </a:p>
@@ -5397,28 +5484,16 @@
               </a:tabLst>
             </a:pPr>
             <a:r>
-              <a:rPr lang="nn-NO" b="1">
+              <a:rPr lang="nn-NO" b="1" dirty="0">
                 <a:latin typeface="Consolas" panose="020B0609020204030204" pitchFamily="49" charset="0"/>
               </a:rPr>
               <a:t>for</a:t>
             </a:r>
             <a:r>
-              <a:rPr lang="nn-NO">
+              <a:rPr lang="nn-NO" dirty="0">
                 <a:latin typeface="Consolas" panose="020B0609020204030204" pitchFamily="49" charset="0"/>
               </a:rPr>
-              <a:t> (</a:t>
-            </a:r>
-            <a:r>
-              <a:rPr lang="nn-NO" err="1">
-                <a:latin typeface="Consolas" panose="020B0609020204030204" pitchFamily="49" charset="0"/>
-              </a:rPr>
-              <a:t>int</a:t>
-            </a:r>
-            <a:r>
-              <a:rPr lang="nn-NO">
-                <a:latin typeface="Consolas" panose="020B0609020204030204" pitchFamily="49" charset="0"/>
-              </a:rPr>
-              <a:t> i = 0; i &lt; charName1.length; i++) {</a:t>
+              <a:t> (int i = 0; i &lt; charName1.length; i++) {</a:t>
             </a:r>
           </a:p>
           <a:p>
@@ -5431,43 +5506,43 @@
               </a:tabLst>
             </a:pPr>
             <a:r>
-              <a:rPr lang="en-US">
+              <a:rPr lang="en-US" dirty="0">
                 <a:latin typeface="Consolas" panose="020B0609020204030204" pitchFamily="49" charset="0"/>
               </a:rPr>
               <a:t>	</a:t>
             </a:r>
             <a:r>
-              <a:rPr lang="en-US" err="1">
+              <a:rPr lang="en-US" dirty="0" err="1">
                 <a:latin typeface="Consolas" panose="020B0609020204030204" pitchFamily="49" charset="0"/>
               </a:rPr>
               <a:t>charConcat</a:t>
             </a:r>
             <a:r>
-              <a:rPr lang="en-US">
+              <a:rPr lang="en-US" dirty="0">
                 <a:latin typeface="Consolas" panose="020B0609020204030204" pitchFamily="49" charset="0"/>
               </a:rPr>
               <a:t>[</a:t>
             </a:r>
             <a:r>
-              <a:rPr lang="en-US" err="1">
+              <a:rPr lang="en-US" dirty="0" err="1">
                 <a:latin typeface="Consolas" panose="020B0609020204030204" pitchFamily="49" charset="0"/>
               </a:rPr>
               <a:t>i</a:t>
             </a:r>
             <a:r>
-              <a:rPr lang="en-US">
+              <a:rPr lang="en-US" dirty="0">
                 <a:latin typeface="Consolas" panose="020B0609020204030204" pitchFamily="49" charset="0"/>
               </a:rPr>
               <a:t>] = charName1[</a:t>
             </a:r>
             <a:r>
-              <a:rPr lang="en-US" err="1">
+              <a:rPr lang="en-US" dirty="0" err="1">
                 <a:latin typeface="Consolas" panose="020B0609020204030204" pitchFamily="49" charset="0"/>
               </a:rPr>
               <a:t>i</a:t>
             </a:r>
             <a:r>
-              <a:rPr lang="en-US">
+              <a:rPr lang="en-US" dirty="0">
                 <a:latin typeface="Consolas" panose="020B0609020204030204" pitchFamily="49" charset="0"/>
               </a:rPr>
               <a:t>];</a:t>
@@ -5483,7 +5558,7 @@
               </a:tabLst>
             </a:pPr>
             <a:r>
-              <a:rPr lang="en-US">
+              <a:rPr lang="en-US" dirty="0">
                 <a:latin typeface="Consolas" panose="020B0609020204030204" pitchFamily="49" charset="0"/>
               </a:rPr>
               <a:t>}</a:t>
@@ -5499,28 +5574,16 @@
               </a:tabLst>
             </a:pPr>
             <a:r>
-              <a:rPr lang="nn-NO" b="1">
+              <a:rPr lang="nn-NO" b="1" dirty="0">
                 <a:latin typeface="Consolas" panose="020B0609020204030204" pitchFamily="49" charset="0"/>
               </a:rPr>
               <a:t>for</a:t>
             </a:r>
             <a:r>
-              <a:rPr lang="nn-NO">
+              <a:rPr lang="nn-NO" dirty="0">
                 <a:latin typeface="Consolas" panose="020B0609020204030204" pitchFamily="49" charset="0"/>
               </a:rPr>
-              <a:t> (</a:t>
-            </a:r>
-            <a:r>
-              <a:rPr lang="nn-NO" err="1">
-                <a:latin typeface="Consolas" panose="020B0609020204030204" pitchFamily="49" charset="0"/>
-              </a:rPr>
-              <a:t>int</a:t>
-            </a:r>
-            <a:r>
-              <a:rPr lang="nn-NO">
-                <a:latin typeface="Consolas" panose="020B0609020204030204" pitchFamily="49" charset="0"/>
-              </a:rPr>
-              <a:t> i = 0; i &lt; charName2.length; i++) {</a:t>
+              <a:t> (int i = 0; i &lt; charName2.length; i++) {</a:t>
             </a:r>
           </a:p>
           <a:p>
@@ -5533,43 +5596,43 @@
               </a:tabLst>
             </a:pPr>
             <a:r>
-              <a:rPr lang="en-US">
+              <a:rPr lang="en-US" dirty="0">
                 <a:latin typeface="Consolas" panose="020B0609020204030204" pitchFamily="49" charset="0"/>
               </a:rPr>
               <a:t>	</a:t>
             </a:r>
             <a:r>
-              <a:rPr lang="en-US" err="1">
+              <a:rPr lang="en-US" dirty="0" err="1">
                 <a:latin typeface="Consolas" panose="020B0609020204030204" pitchFamily="49" charset="0"/>
               </a:rPr>
               <a:t>charConcat</a:t>
             </a:r>
             <a:r>
-              <a:rPr lang="en-US">
+              <a:rPr lang="en-US" dirty="0">
                 <a:latin typeface="Consolas" panose="020B0609020204030204" pitchFamily="49" charset="0"/>
               </a:rPr>
               <a:t>[charName1.length + </a:t>
             </a:r>
             <a:r>
-              <a:rPr lang="en-US" err="1">
+              <a:rPr lang="en-US" dirty="0" err="1">
                 <a:latin typeface="Consolas" panose="020B0609020204030204" pitchFamily="49" charset="0"/>
               </a:rPr>
               <a:t>i</a:t>
             </a:r>
             <a:r>
-              <a:rPr lang="en-US">
+              <a:rPr lang="en-US" dirty="0">
                 <a:latin typeface="Consolas" panose="020B0609020204030204" pitchFamily="49" charset="0"/>
               </a:rPr>
               <a:t>] = charName2[</a:t>
             </a:r>
             <a:r>
-              <a:rPr lang="en-US" err="1">
+              <a:rPr lang="en-US" dirty="0" err="1">
                 <a:latin typeface="Consolas" panose="020B0609020204030204" pitchFamily="49" charset="0"/>
               </a:rPr>
               <a:t>i</a:t>
             </a:r>
             <a:r>
-              <a:rPr lang="en-US">
+              <a:rPr lang="en-US" dirty="0">
                 <a:latin typeface="Consolas" panose="020B0609020204030204" pitchFamily="49" charset="0"/>
               </a:rPr>
               <a:t>];</a:t>
@@ -5585,7 +5648,7 @@
               </a:tabLst>
             </a:pPr>
             <a:r>
-              <a:rPr lang="en-US">
+              <a:rPr lang="en-US" dirty="0">
                 <a:latin typeface="Consolas" panose="020B0609020204030204" pitchFamily="49" charset="0"/>
               </a:rPr>
               <a:t>}</a:t>
@@ -5601,37 +5664,37 @@
               </a:tabLst>
             </a:pPr>
             <a:r>
-              <a:rPr lang="en-US" err="1">
+              <a:rPr lang="en-US" dirty="0" err="1">
                 <a:latin typeface="Consolas" panose="020B0609020204030204" pitchFamily="49" charset="0"/>
               </a:rPr>
               <a:t>System.out.println</a:t>
             </a:r>
             <a:r>
-              <a:rPr lang="en-US">
+              <a:rPr lang="en-US" dirty="0">
                 <a:latin typeface="Consolas" panose="020B0609020204030204" pitchFamily="49" charset="0"/>
               </a:rPr>
               <a:t>( </a:t>
             </a:r>
             <a:r>
-              <a:rPr lang="en-US" err="1">
+              <a:rPr lang="en-US" dirty="0" err="1">
                 <a:latin typeface="Consolas" panose="020B0609020204030204" pitchFamily="49" charset="0"/>
               </a:rPr>
               <a:t>Arrays.toString</a:t>
             </a:r>
             <a:r>
-              <a:rPr lang="en-US">
+              <a:rPr lang="en-US" dirty="0">
                 <a:latin typeface="Consolas" panose="020B0609020204030204" pitchFamily="49" charset="0"/>
               </a:rPr>
               <a:t>(</a:t>
             </a:r>
             <a:r>
-              <a:rPr lang="en-US" err="1">
+              <a:rPr lang="en-US" dirty="0" err="1">
                 <a:latin typeface="Consolas" panose="020B0609020204030204" pitchFamily="49" charset="0"/>
               </a:rPr>
               <a:t>charConcat</a:t>
             </a:r>
             <a:r>
-              <a:rPr lang="en-US">
+              <a:rPr lang="en-US" dirty="0">
                 <a:latin typeface="Consolas" panose="020B0609020204030204" pitchFamily="49" charset="0"/>
               </a:rPr>
               <a:t>)  );</a:t>
@@ -6017,10 +6080,10 @@
       </p:sp>
       <p:pic>
         <p:nvPicPr>
-          <p:cNvPr id="5" name="Picture 4">
+          <p:cNvPr id="8" name="Picture 7">
             <a:extLst>
               <a:ext uri="{FF2B5EF4-FFF2-40B4-BE49-F238E27FC236}">
-                <a16:creationId xmlns:a16="http://schemas.microsoft.com/office/drawing/2014/main" id="{16BACA23-C1B5-056B-407D-8E2DC5682418}"/>
+                <a16:creationId xmlns:a16="http://schemas.microsoft.com/office/drawing/2014/main" id="{33162D26-D0F3-D7C8-AD82-A833E681DCFF}"/>
               </a:ext>
             </a:extLst>
           </p:cNvPr>
@@ -6029,21 +6092,175 @@
           </p:cNvPicPr>
           <p:nvPr/>
         </p:nvPicPr>
-        <p:blipFill rotWithShape="1">
+        <p:blipFill>
           <a:blip r:embed="rId2"/>
-          <a:srcRect b="6404"/>
-          <a:stretch/>
+          <a:stretch>
+            <a:fillRect/>
+          </a:stretch>
         </p:blipFill>
         <p:spPr>
           <a:xfrm>
-            <a:off x="419100" y="4425615"/>
-            <a:ext cx="8229600" cy="2432385"/>
+            <a:off x="54549" y="4570880"/>
+            <a:ext cx="9034902" cy="1983439"/>
           </a:xfrm>
           <a:prstGeom prst="rect">
             <a:avLst/>
           </a:prstGeom>
         </p:spPr>
       </p:pic>
+      <mc:AlternateContent xmlns:mc="http://schemas.openxmlformats.org/markup-compatibility/2006">
+        <mc:Choice xmlns:p14="http://schemas.microsoft.com/office/powerpoint/2010/main" Requires="p14">
+          <p:contentPart p14:bwMode="auto" r:id="rId3">
+            <p14:nvContentPartPr>
+              <p14:cNvPr id="9" name="Ink 8">
+                <a:extLst>
+                  <a:ext uri="{FF2B5EF4-FFF2-40B4-BE49-F238E27FC236}">
+                    <a16:creationId xmlns:a16="http://schemas.microsoft.com/office/drawing/2014/main" id="{A62A13ED-0676-5670-79E4-906EEB25F66E}"/>
+                  </a:ext>
+                </a:extLst>
+              </p14:cNvPr>
+              <p14:cNvContentPartPr/>
+              <p14:nvPr/>
+            </p14:nvContentPartPr>
+            <p14:xfrm>
+              <a:off x="6146199" y="6124661"/>
+              <a:ext cx="2643840" cy="50400"/>
+            </p14:xfrm>
+          </p:contentPart>
+        </mc:Choice>
+        <mc:Fallback>
+          <p:pic>
+            <p:nvPicPr>
+              <p:cNvPr id="9" name="Ink 8">
+                <a:extLst>
+                  <a:ext uri="{FF2B5EF4-FFF2-40B4-BE49-F238E27FC236}">
+                    <a16:creationId xmlns:a16="http://schemas.microsoft.com/office/drawing/2014/main" id="{A62A13ED-0676-5670-79E4-906EEB25F66E}"/>
+                  </a:ext>
+                </a:extLst>
+              </p:cNvPr>
+              <p:cNvPicPr/>
+              <p:nvPr/>
+            </p:nvPicPr>
+            <p:blipFill>
+              <a:blip r:embed="rId4"/>
+              <a:stretch>
+                <a:fillRect/>
+              </a:stretch>
+            </p:blipFill>
+            <p:spPr>
+              <a:xfrm>
+                <a:off x="6092199" y="6016661"/>
+                <a:ext cx="2751480" cy="266040"/>
+              </a:xfrm>
+              <a:prstGeom prst="rect">
+                <a:avLst/>
+              </a:prstGeom>
+            </p:spPr>
+          </p:pic>
+        </mc:Fallback>
+      </mc:AlternateContent>
+      <mc:AlternateContent xmlns:mc="http://schemas.openxmlformats.org/markup-compatibility/2006">
+        <mc:Choice xmlns:p14="http://schemas.microsoft.com/office/powerpoint/2010/main" Requires="p14">
+          <p:contentPart p14:bwMode="auto" r:id="rId5">
+            <p14:nvContentPartPr>
+              <p14:cNvPr id="10" name="Ink 9">
+                <a:extLst>
+                  <a:ext uri="{FF2B5EF4-FFF2-40B4-BE49-F238E27FC236}">
+                    <a16:creationId xmlns:a16="http://schemas.microsoft.com/office/drawing/2014/main" id="{6F848A8F-779B-73D6-91AC-50A5E3EF4208}"/>
+                  </a:ext>
+                </a:extLst>
+              </p14:cNvPr>
+              <p14:cNvContentPartPr/>
+              <p14:nvPr/>
+            </p14:nvContentPartPr>
+            <p14:xfrm>
+              <a:off x="1918359" y="6056981"/>
+              <a:ext cx="707040" cy="48960"/>
+            </p14:xfrm>
+          </p:contentPart>
+        </mc:Choice>
+        <mc:Fallback>
+          <p:pic>
+            <p:nvPicPr>
+              <p:cNvPr id="10" name="Ink 9">
+                <a:extLst>
+                  <a:ext uri="{FF2B5EF4-FFF2-40B4-BE49-F238E27FC236}">
+                    <a16:creationId xmlns:a16="http://schemas.microsoft.com/office/drawing/2014/main" id="{6F848A8F-779B-73D6-91AC-50A5E3EF4208}"/>
+                  </a:ext>
+                </a:extLst>
+              </p:cNvPr>
+              <p:cNvPicPr/>
+              <p:nvPr/>
+            </p:nvPicPr>
+            <p:blipFill>
+              <a:blip r:embed="rId6"/>
+              <a:stretch>
+                <a:fillRect/>
+              </a:stretch>
+            </p:blipFill>
+            <p:spPr>
+              <a:xfrm>
+                <a:off x="1864359" y="5949341"/>
+                <a:ext cx="814680" cy="264600"/>
+              </a:xfrm>
+              <a:prstGeom prst="rect">
+                <a:avLst/>
+              </a:prstGeom>
+            </p:spPr>
+          </p:pic>
+        </mc:Fallback>
+      </mc:AlternateContent>
+      <mc:AlternateContent xmlns:mc="http://schemas.openxmlformats.org/markup-compatibility/2006">
+        <mc:Choice xmlns:p14="http://schemas.microsoft.com/office/powerpoint/2010/main" Requires="p14">
+          <p:contentPart p14:bwMode="auto" r:id="rId7">
+            <p14:nvContentPartPr>
+              <p14:cNvPr id="11" name="Ink 10">
+                <a:extLst>
+                  <a:ext uri="{FF2B5EF4-FFF2-40B4-BE49-F238E27FC236}">
+                    <a16:creationId xmlns:a16="http://schemas.microsoft.com/office/drawing/2014/main" id="{0D2440E6-9604-7D49-31DC-A5D01DFD5180}"/>
+                  </a:ext>
+                </a:extLst>
+              </p14:cNvPr>
+              <p14:cNvContentPartPr/>
+              <p14:nvPr/>
+            </p14:nvContentPartPr>
+            <p14:xfrm>
+              <a:off x="599679" y="6203141"/>
+              <a:ext cx="2416680" cy="159120"/>
+            </p14:xfrm>
+          </p:contentPart>
+        </mc:Choice>
+        <mc:Fallback>
+          <p:pic>
+            <p:nvPicPr>
+              <p:cNvPr id="11" name="Ink 10">
+                <a:extLst>
+                  <a:ext uri="{FF2B5EF4-FFF2-40B4-BE49-F238E27FC236}">
+                    <a16:creationId xmlns:a16="http://schemas.microsoft.com/office/drawing/2014/main" id="{0D2440E6-9604-7D49-31DC-A5D01DFD5180}"/>
+                  </a:ext>
+                </a:extLst>
+              </p:cNvPr>
+              <p:cNvPicPr/>
+              <p:nvPr/>
+            </p:nvPicPr>
+            <p:blipFill>
+              <a:blip r:embed="rId8"/>
+              <a:stretch>
+                <a:fillRect/>
+              </a:stretch>
+            </p:blipFill>
+            <p:spPr>
+              <a:xfrm>
+                <a:off x="546039" y="6095141"/>
+                <a:ext cx="2524320" cy="374760"/>
+              </a:xfrm>
+              <a:prstGeom prst="rect">
+                <a:avLst/>
+              </a:prstGeom>
+            </p:spPr>
+          </p:pic>
+        </mc:Fallback>
+      </mc:AlternateContent>
     </p:spTree>
     <p:extLst>
       <p:ext uri="{BB962C8B-B14F-4D97-AF65-F5344CB8AC3E}">
@@ -6889,15 +7106,6 @@
 </file>
 
 <file path=customXml/item1.xml><?xml version="1.0" encoding="utf-8"?>
-<?mso-contentType ?>
-<FormTemplates xmlns="http://schemas.microsoft.com/sharepoint/v3/contenttype/forms">
-  <Display>DocumentLibraryForm</Display>
-  <Edit>DocumentLibraryForm</Edit>
-  <New>DocumentLibraryForm</New>
-</FormTemplates>
-</file>
-
-<file path=customXml/item2.xml><?xml version="1.0" encoding="utf-8"?>
 <ct:contentTypeSchema xmlns:ct="http://schemas.microsoft.com/office/2006/metadata/contentType" xmlns:ma="http://schemas.microsoft.com/office/2006/metadata/properties/metaAttributes" ct:_="" ma:_="" ma:contentTypeName="Document" ma:contentTypeID="0x0101001570BCAAD2E4294F9443DCB038A55380" ma:contentTypeVersion="8" ma:contentTypeDescription="Create a new document." ma:contentTypeScope="" ma:versionID="9523c79d6bab9e2ad858b5223ec5ed94">
   <xsd:schema xmlns:xsd="http://www.w3.org/2001/XMLSchema" xmlns:xs="http://www.w3.org/2001/XMLSchema" xmlns:p="http://schemas.microsoft.com/office/2006/metadata/properties" xmlns:ns2="201674f6-2bdd-4f13-ba1e-424e4aa70473" targetNamespace="http://schemas.microsoft.com/office/2006/metadata/properties" ma:root="true" ma:fieldsID="587afc94f70b507ec5be5f4d78229b0b" ns2:_="">
     <xsd:import namespace="201674f6-2bdd-4f13-ba1e-424e4aa70473"/>
@@ -7067,6 +7275,15 @@
 </ct:contentTypeSchema>
 </file>
 
+<file path=customXml/item2.xml><?xml version="1.0" encoding="utf-8"?>
+<?mso-contentType ?>
+<FormTemplates xmlns="http://schemas.microsoft.com/sharepoint/v3/contenttype/forms">
+  <Display>DocumentLibraryForm</Display>
+  <Edit>DocumentLibraryForm</Edit>
+  <New>DocumentLibraryForm</New>
+</FormTemplates>
+</file>
+
 <file path=customXml/item3.xml><?xml version="1.0" encoding="utf-8"?>
 <p:properties xmlns:p="http://schemas.microsoft.com/office/2006/metadata/properties" xmlns:xsi="http://www.w3.org/2001/XMLSchema-instance" xmlns:pc="http://schemas.microsoft.com/office/infopath/2007/PartnerControls">
   <documentManagement/>
@@ -7074,14 +7291,6 @@
 </file>
 
 <file path=customXml/itemProps1.xml><?xml version="1.0" encoding="utf-8"?>
-<ds:datastoreItem xmlns:ds="http://schemas.openxmlformats.org/officeDocument/2006/customXml" ds:itemID="{B83796DB-86E9-4D44-9BCB-A762264A5AFE}">
-  <ds:schemaRefs>
-    <ds:schemaRef ds:uri="http://schemas.microsoft.com/sharepoint/v3/contenttype/forms"/>
-  </ds:schemaRefs>
-</ds:datastoreItem>
-</file>
-
-<file path=customXml/itemProps2.xml><?xml version="1.0" encoding="utf-8"?>
 <ds:datastoreItem xmlns:ds="http://schemas.openxmlformats.org/officeDocument/2006/customXml" ds:itemID="{4055B637-E92D-4086-B83D-87288CBA5498}">
   <ds:schemaRefs>
     <ds:schemaRef ds:uri="http://schemas.microsoft.com/office/2006/metadata/contentType"/>
@@ -7099,6 +7308,14 @@
 </ds:datastoreItem>
 </file>
 
+<file path=customXml/itemProps2.xml><?xml version="1.0" encoding="utf-8"?>
+<ds:datastoreItem xmlns:ds="http://schemas.openxmlformats.org/officeDocument/2006/customXml" ds:itemID="{B83796DB-86E9-4D44-9BCB-A762264A5AFE}">
+  <ds:schemaRefs>
+    <ds:schemaRef ds:uri="http://schemas.microsoft.com/sharepoint/v3/contenttype/forms"/>
+  </ds:schemaRefs>
+</ds:datastoreItem>
+</file>
+
 <file path=customXml/itemProps3.xml><?xml version="1.0" encoding="utf-8"?>
 <ds:datastoreItem xmlns:ds="http://schemas.openxmlformats.org/officeDocument/2006/customXml" ds:itemID="{A396EFD4-1250-457A-AB4B-16A5266B50A5}">
   <ds:schemaRefs>

--- a/ClassMaterials/Encapsulation/Slides/Part2-SETechniques-Principle3.pptx
+++ b/ClassMaterials/Encapsulation/Slides/Part2-SETechniques-Principle3.pptx
@@ -5,10 +5,10 @@
     <p:sldMasterId id="2147483648" r:id="rId4"/>
   </p:sldMasterIdLst>
   <p:notesMasterIdLst>
-    <p:notesMasterId r:id="rId12"/>
+    <p:notesMasterId r:id="rId15"/>
   </p:notesMasterIdLst>
   <p:handoutMasterIdLst>
-    <p:handoutMasterId r:id="rId13"/>
+    <p:handoutMasterId r:id="rId16"/>
   </p:handoutMasterIdLst>
   <p:sldIdLst>
     <p:sldId id="284" r:id="rId5"/>
@@ -18,6 +18,9 @@
     <p:sldId id="424" r:id="rId9"/>
     <p:sldId id="425" r:id="rId10"/>
     <p:sldId id="437" r:id="rId11"/>
+    <p:sldId id="441" r:id="rId12"/>
+    <p:sldId id="439" r:id="rId13"/>
+    <p:sldId id="440" r:id="rId14"/>
   </p:sldIdLst>
   <p:sldSz cx="9144000" cy="6858000" type="screen4x3"/>
   <p:notesSz cx="6858000" cy="9144000"/>
@@ -142,6 +145,154 @@
 </p:cmAuthorLst>
 </file>
 
+<file path=ppt/revisionInfo.xml><?xml version="1.0" encoding="utf-8"?>
+<p1510:revInfo xmlns:a="http://schemas.openxmlformats.org/drawingml/2006/main" xmlns:r="http://schemas.openxmlformats.org/officeDocument/2006/relationships" xmlns:p1510="http://schemas.microsoft.com/office/powerpoint/2015/10/main">
+  <p1510:revLst>
+    <p1510:client id="{3459D056-F848-4B5F-8AE9-9CFC4FE531EF}" v="6" dt="2023-09-13T20:02:03.709"/>
+  </p1510:revLst>
+</p1510:revInfo>
+</file>
+
+<file path=ppt/changesInfos/changesInfo1.xml><?xml version="1.0" encoding="utf-8"?>
+<pc:chgInfo xmlns:a="http://schemas.openxmlformats.org/drawingml/2006/main" xmlns:r="http://schemas.openxmlformats.org/officeDocument/2006/relationships" xmlns:ac="http://schemas.microsoft.com/office/drawing/2013/main/command" xmlns:pc="http://schemas.microsoft.com/office/powerpoint/2013/main/command">
+  <pc:docChgLst>
+    <pc:chgData name="Yoder, Jason" userId="28f4d4d8-da04-4f86-b14d-a21675737bc5" providerId="ADAL" clId="{3459D056-F848-4B5F-8AE9-9CFC4FE531EF}"/>
+    <pc:docChg chg="custSel modSld">
+      <pc:chgData name="Yoder, Jason" userId="28f4d4d8-da04-4f86-b14d-a21675737bc5" providerId="ADAL" clId="{3459D056-F848-4B5F-8AE9-9CFC4FE531EF}" dt="2023-09-13T20:03:20.870" v="559" actId="20577"/>
+      <pc:docMkLst>
+        <pc:docMk/>
+      </pc:docMkLst>
+      <pc:sldChg chg="addSp modSp mod">
+        <pc:chgData name="Yoder, Jason" userId="28f4d4d8-da04-4f86-b14d-a21675737bc5" providerId="ADAL" clId="{3459D056-F848-4B5F-8AE9-9CFC4FE531EF}" dt="2023-09-13T20:03:20.870" v="559" actId="20577"/>
+        <pc:sldMkLst>
+          <pc:docMk/>
+          <pc:sldMk cId="2854757972" sldId="439"/>
+        </pc:sldMkLst>
+        <pc:spChg chg="mod">
+          <ac:chgData name="Yoder, Jason" userId="28f4d4d8-da04-4f86-b14d-a21675737bc5" providerId="ADAL" clId="{3459D056-F848-4B5F-8AE9-9CFC4FE531EF}" dt="2023-09-13T20:03:20.870" v="559" actId="20577"/>
+          <ac:spMkLst>
+            <pc:docMk/>
+            <pc:sldMk cId="2854757972" sldId="439"/>
+            <ac:spMk id="3" creationId="{BE6B0DA1-A430-2382-18E5-F760FCB88155}"/>
+          </ac:spMkLst>
+        </pc:spChg>
+        <pc:picChg chg="add mod">
+          <ac:chgData name="Yoder, Jason" userId="28f4d4d8-da04-4f86-b14d-a21675737bc5" providerId="ADAL" clId="{3459D056-F848-4B5F-8AE9-9CFC4FE531EF}" dt="2023-09-13T19:58:02.084" v="392" actId="1076"/>
+          <ac:picMkLst>
+            <pc:docMk/>
+            <pc:sldMk cId="2854757972" sldId="439"/>
+            <ac:picMk id="5" creationId="{022ACA23-93A2-25A4-F26B-191EE5F635E0}"/>
+          </ac:picMkLst>
+        </pc:picChg>
+      </pc:sldChg>
+      <pc:sldChg chg="addSp delSp modSp mod">
+        <pc:chgData name="Yoder, Jason" userId="28f4d4d8-da04-4f86-b14d-a21675737bc5" providerId="ADAL" clId="{3459D056-F848-4B5F-8AE9-9CFC4FE531EF}" dt="2023-09-13T20:02:26.671" v="525" actId="20577"/>
+        <pc:sldMkLst>
+          <pc:docMk/>
+          <pc:sldMk cId="525849186" sldId="440"/>
+        </pc:sldMkLst>
+        <pc:spChg chg="del">
+          <ac:chgData name="Yoder, Jason" userId="28f4d4d8-da04-4f86-b14d-a21675737bc5" providerId="ADAL" clId="{3459D056-F848-4B5F-8AE9-9CFC4FE531EF}" dt="2023-09-13T19:58:07.446" v="393" actId="478"/>
+          <ac:spMkLst>
+            <pc:docMk/>
+            <pc:sldMk cId="525849186" sldId="440"/>
+            <ac:spMk id="2" creationId="{827B5C49-109D-2C3D-8EAD-A854596C0FF8}"/>
+          </ac:spMkLst>
+        </pc:spChg>
+        <pc:spChg chg="del">
+          <ac:chgData name="Yoder, Jason" userId="28f4d4d8-da04-4f86-b14d-a21675737bc5" providerId="ADAL" clId="{3459D056-F848-4B5F-8AE9-9CFC4FE531EF}" dt="2023-09-13T19:58:10.143" v="394" actId="478"/>
+          <ac:spMkLst>
+            <pc:docMk/>
+            <pc:sldMk cId="525849186" sldId="440"/>
+            <ac:spMk id="3" creationId="{94F0513C-EF11-0195-7033-17A54FC99631}"/>
+          </ac:spMkLst>
+        </pc:spChg>
+        <pc:spChg chg="add mod">
+          <ac:chgData name="Yoder, Jason" userId="28f4d4d8-da04-4f86-b14d-a21675737bc5" providerId="ADAL" clId="{3459D056-F848-4B5F-8AE9-9CFC4FE531EF}" dt="2023-09-13T20:02:26.671" v="525" actId="20577"/>
+          <ac:spMkLst>
+            <pc:docMk/>
+            <pc:sldMk cId="525849186" sldId="440"/>
+            <ac:spMk id="10" creationId="{7F156DD5-6BFD-C6F9-8D05-F90173985E9C}"/>
+          </ac:spMkLst>
+        </pc:spChg>
+        <pc:spChg chg="add mod">
+          <ac:chgData name="Yoder, Jason" userId="28f4d4d8-da04-4f86-b14d-a21675737bc5" providerId="ADAL" clId="{3459D056-F848-4B5F-8AE9-9CFC4FE531EF}" dt="2023-09-13T20:01:33.029" v="486" actId="1076"/>
+          <ac:spMkLst>
+            <pc:docMk/>
+            <pc:sldMk cId="525849186" sldId="440"/>
+            <ac:spMk id="12" creationId="{09D4A83C-90A6-CCC5-CF18-B5B5E52611DC}"/>
+          </ac:spMkLst>
+        </pc:spChg>
+        <pc:spChg chg="add mod">
+          <ac:chgData name="Yoder, Jason" userId="28f4d4d8-da04-4f86-b14d-a21675737bc5" providerId="ADAL" clId="{3459D056-F848-4B5F-8AE9-9CFC4FE531EF}" dt="2023-09-13T20:01:26.940" v="485" actId="1076"/>
+          <ac:spMkLst>
+            <pc:docMk/>
+            <pc:sldMk cId="525849186" sldId="440"/>
+            <ac:spMk id="13" creationId="{069E3E2C-59E0-A35D-10D0-F57B60634526}"/>
+          </ac:spMkLst>
+        </pc:spChg>
+        <pc:spChg chg="add mod">
+          <ac:chgData name="Yoder, Jason" userId="28f4d4d8-da04-4f86-b14d-a21675737bc5" providerId="ADAL" clId="{3459D056-F848-4B5F-8AE9-9CFC4FE531EF}" dt="2023-09-13T20:01:21.245" v="484" actId="1076"/>
+          <ac:spMkLst>
+            <pc:docMk/>
+            <pc:sldMk cId="525849186" sldId="440"/>
+            <ac:spMk id="14" creationId="{48ADB038-8D35-D0F9-51C3-856FF40C44DB}"/>
+          </ac:spMkLst>
+        </pc:spChg>
+        <pc:spChg chg="add mod">
+          <ac:chgData name="Yoder, Jason" userId="28f4d4d8-da04-4f86-b14d-a21675737bc5" providerId="ADAL" clId="{3459D056-F848-4B5F-8AE9-9CFC4FE531EF}" dt="2023-09-13T20:02:11.802" v="520" actId="1076"/>
+          <ac:spMkLst>
+            <pc:docMk/>
+            <pc:sldMk cId="525849186" sldId="440"/>
+            <ac:spMk id="15" creationId="{9444B3C0-9C10-E5B2-9595-3F1330BE9680}"/>
+          </ac:spMkLst>
+        </pc:spChg>
+        <pc:picChg chg="mod">
+          <ac:chgData name="Yoder, Jason" userId="28f4d4d8-da04-4f86-b14d-a21675737bc5" providerId="ADAL" clId="{3459D056-F848-4B5F-8AE9-9CFC4FE531EF}" dt="2023-09-13T19:59:32.500" v="417" actId="1076"/>
+          <ac:picMkLst>
+            <pc:docMk/>
+            <pc:sldMk cId="525849186" sldId="440"/>
+            <ac:picMk id="5" creationId="{4D8C92A8-A9E0-0E69-1CC6-90A4B52D3AA9}"/>
+          </ac:picMkLst>
+        </pc:picChg>
+        <pc:picChg chg="add mod">
+          <ac:chgData name="Yoder, Jason" userId="28f4d4d8-da04-4f86-b14d-a21675737bc5" providerId="ADAL" clId="{3459D056-F848-4B5F-8AE9-9CFC4FE531EF}" dt="2023-09-13T19:58:57.849" v="401" actId="208"/>
+          <ac:picMkLst>
+            <pc:docMk/>
+            <pc:sldMk cId="525849186" sldId="440"/>
+            <ac:picMk id="6" creationId="{F09A0873-E500-AF80-108E-3DE93A906B17}"/>
+          </ac:picMkLst>
+        </pc:picChg>
+        <pc:picChg chg="del mod">
+          <ac:chgData name="Yoder, Jason" userId="28f4d4d8-da04-4f86-b14d-a21675737bc5" providerId="ADAL" clId="{3459D056-F848-4B5F-8AE9-9CFC4FE531EF}" dt="2023-09-13T20:01:06.557" v="481" actId="478"/>
+          <ac:picMkLst>
+            <pc:docMk/>
+            <pc:sldMk cId="525849186" sldId="440"/>
+            <ac:picMk id="7" creationId="{4B8DF447-73CB-5E5A-15BC-767E94E634C8}"/>
+          </ac:picMkLst>
+        </pc:picChg>
+        <pc:picChg chg="mod">
+          <ac:chgData name="Yoder, Jason" userId="28f4d4d8-da04-4f86-b14d-a21675737bc5" providerId="ADAL" clId="{3459D056-F848-4B5F-8AE9-9CFC4FE531EF}" dt="2023-09-13T20:01:09.259" v="482" actId="1076"/>
+          <ac:picMkLst>
+            <pc:docMk/>
+            <pc:sldMk cId="525849186" sldId="440"/>
+            <ac:picMk id="9" creationId="{CB8106F0-55E3-B892-53A2-A48C07A0D2B6}"/>
+          </ac:picMkLst>
+        </pc:picChg>
+        <pc:picChg chg="add mod">
+          <ac:chgData name="Yoder, Jason" userId="28f4d4d8-da04-4f86-b14d-a21675737bc5" providerId="ADAL" clId="{3459D056-F848-4B5F-8AE9-9CFC4FE531EF}" dt="2023-09-13T20:00:29.796" v="465" actId="1076"/>
+          <ac:picMkLst>
+            <pc:docMk/>
+            <pc:sldMk cId="525849186" sldId="440"/>
+            <ac:picMk id="11" creationId="{9C635F62-B74F-E40A-0DA1-3081AC7B4253}"/>
+          </ac:picMkLst>
+        </pc:picChg>
+      </pc:sldChg>
+    </pc:docChg>
+  </pc:docChgLst>
+</pc:chgInfo>
+</file>
+
 <file path=ppt/handoutMasters/handoutMaster1.xml><?xml version="1.0" encoding="utf-8"?>
 <p:handoutMaster xmlns:a="http://schemas.openxmlformats.org/drawingml/2006/main" xmlns:r="http://schemas.openxmlformats.org/officeDocument/2006/relationships" xmlns:p="http://schemas.openxmlformats.org/presentationml/2006/main">
   <p:cSld>
@@ -224,7 +375,7 @@
           <a:p>
             <a:fld id="{4F942F4A-6994-3A49-9461-EE810FAF072D}" type="datetimeFigureOut">
               <a:rPr lang="en-US" smtClean="0"/>
-              <a:t>8/11/2023</a:t>
+              <a:t>9/13/2023</a:t>
             </a:fld>
             <a:endParaRPr lang="en-US"/>
           </a:p>
@@ -305,6 +456,93 @@
   </p:cSld>
   <p:clrMap bg1="lt1" tx1="dk1" bg2="lt2" tx2="dk2" accent1="accent1" accent2="accent2" accent3="accent3" accent4="accent4" accent5="accent5" accent6="accent6" hlink="hlink" folHlink="folHlink"/>
 </p:handoutMaster>
+</file>
+
+<file path=ppt/ink/ink1.xml><?xml version="1.0" encoding="utf-8"?>
+<inkml:ink xmlns:inkml="http://www.w3.org/2003/InkML">
+  <inkml:definitions>
+    <inkml:context xml:id="ctx0">
+      <inkml:inkSource xml:id="inkSrc0">
+        <inkml:traceFormat>
+          <inkml:channel name="X" type="integer" min="-2.14748E9" max="2.14748E9" units="cm"/>
+          <inkml:channel name="Y" type="integer" min="-2.14748E9" max="2.14748E9" units="cm"/>
+        </inkml:traceFormat>
+        <inkml:channelProperties>
+          <inkml:channelProperty channel="X" name="resolution" value="1000" units="1/cm"/>
+          <inkml:channelProperty channel="Y" name="resolution" value="1000" units="1/cm"/>
+        </inkml:channelProperties>
+      </inkml:inkSource>
+      <inkml:timestamp xml:id="ts0" timeString="2023-09-12T17:41:16.483"/>
+    </inkml:context>
+    <inkml:brush xml:id="br0">
+      <inkml:brushProperty name="width" value="0.3" units="cm"/>
+      <inkml:brushProperty name="height" value="0.6" units="cm"/>
+      <inkml:brushProperty name="color" value="#FFFC00"/>
+      <inkml:brushProperty name="tip" value="rectangle"/>
+      <inkml:brushProperty name="rasterOp" value="maskPen"/>
+      <inkml:brushProperty name="ignorePressure" value="1"/>
+    </inkml:brush>
+  </inkml:definitions>
+  <inkml:trace contextRef="#ctx0" brushRef="#br0">7344 2,'-172'-2,"-182"5,226 11,-34 0,59-15,33 0,1 2,-100 14,35 11,-2-6,-194 3,142-11,3 2,-3483-16,3379-11,28-1,197 14,22 1,0-2,-68-10,41 2,-124-2,-25-2,56 2,136 11</inkml:trace>
+</inkml:ink>
+</file>
+
+<file path=ppt/ink/ink2.xml><?xml version="1.0" encoding="utf-8"?>
+<inkml:ink xmlns:inkml="http://www.w3.org/2003/InkML">
+  <inkml:definitions>
+    <inkml:context xml:id="ctx0">
+      <inkml:inkSource xml:id="inkSrc0">
+        <inkml:traceFormat>
+          <inkml:channel name="X" type="integer" min="-2.14748E9" max="2.14748E9" units="cm"/>
+          <inkml:channel name="Y" type="integer" min="-2.14748E9" max="2.14748E9" units="cm"/>
+        </inkml:traceFormat>
+        <inkml:channelProperties>
+          <inkml:channelProperty channel="X" name="resolution" value="1000" units="1/cm"/>
+          <inkml:channelProperty channel="Y" name="resolution" value="1000" units="1/cm"/>
+        </inkml:channelProperties>
+      </inkml:inkSource>
+      <inkml:timestamp xml:id="ts0" timeString="2023-09-12T17:41:18.710"/>
+    </inkml:context>
+    <inkml:brush xml:id="br0">
+      <inkml:brushProperty name="width" value="0.3" units="cm"/>
+      <inkml:brushProperty name="height" value="0.6" units="cm"/>
+      <inkml:brushProperty name="color" value="#FFFC00"/>
+      <inkml:brushProperty name="tip" value="rectangle"/>
+      <inkml:brushProperty name="rasterOp" value="maskPen"/>
+      <inkml:brushProperty name="ignorePressure" value="1"/>
+    </inkml:brush>
+  </inkml:definitions>
+  <inkml:trace contextRef="#ctx0" brushRef="#br0">1964 136,'-769'0,"740"-3,0 0,1-2,0-1,-46-16,-26-5,28 16,1 4,-1 3,-102 7,38 0,94-3,1-2,-72-13,-49-18,138 30</inkml:trace>
+</inkml:ink>
+</file>
+
+<file path=ppt/ink/ink3.xml><?xml version="1.0" encoding="utf-8"?>
+<inkml:ink xmlns:inkml="http://www.w3.org/2003/InkML">
+  <inkml:definitions>
+    <inkml:context xml:id="ctx0">
+      <inkml:inkSource xml:id="inkSrc0">
+        <inkml:traceFormat>
+          <inkml:channel name="X" type="integer" min="-2.14748E9" max="2.14748E9" units="cm"/>
+          <inkml:channel name="Y" type="integer" min="-2.14748E9" max="2.14748E9" units="cm"/>
+        </inkml:traceFormat>
+        <inkml:channelProperties>
+          <inkml:channelProperty channel="X" name="resolution" value="1000" units="1/cm"/>
+          <inkml:channelProperty channel="Y" name="resolution" value="1000" units="1/cm"/>
+        </inkml:channelProperties>
+      </inkml:inkSource>
+      <inkml:timestamp xml:id="ts0" timeString="2023-09-12T17:41:26.364"/>
+    </inkml:context>
+    <inkml:brush xml:id="br0">
+      <inkml:brushProperty name="width" value="0.3" units="cm"/>
+      <inkml:brushProperty name="height" value="0.6" units="cm"/>
+      <inkml:brushProperty name="color" value="#FFFC00"/>
+      <inkml:brushProperty name="tip" value="rectangle"/>
+      <inkml:brushProperty name="rasterOp" value="maskPen"/>
+      <inkml:brushProperty name="ignorePressure" value="1"/>
+    </inkml:brush>
+  </inkml:definitions>
+  <inkml:trace contextRef="#ctx0" brushRef="#br0">1 358,'38'-11,"1"2,0 1,57-4,-10 2,1657-217,-1216 153,-135 67,-222 10,-95-3,28-1,157 18,-47 27,-163-33,1-3,72 2,59 10,-92-6,147 4,96-20,-121-1,1439 3,-1649 2,-11 3,-28 11,-56 15,-65 6,-1-7,-325 18,63-24,308-15,-224 9,-1044-19,1113 15,-14 0,61-17,-316 6,370 10,-54 2,-52-17,-198 4,323 11,-40 1,158-14</inkml:trace>
+</inkml:ink>
 </file>
 
 <file path=ppt/notesMasters/notesMaster1.xml><?xml version="1.0" encoding="utf-8"?>
@@ -389,7 +627,7 @@
           <a:p>
             <a:fld id="{11374350-B736-4AC1-A1E7-19777DF1B0E1}" type="datetimeFigureOut">
               <a:rPr lang="en-US" smtClean="0"/>
-              <a:t>8/11/2023</a:t>
+              <a:t>9/13/2023</a:t>
             </a:fld>
             <a:endParaRPr lang="en-US"/>
           </a:p>
@@ -1138,30 +1376,30 @@
           <a:lstStyle/>
           <a:p>
             <a:r>
-              <a:rPr lang="en-US"/>
+              <a:rPr lang="en-US" dirty="0"/>
               <a:t>Makes it harder to know what is</a:t>
             </a:r>
             <a:r>
-              <a:rPr lang="en-US" baseline="0"/>
+              <a:rPr lang="en-US" baseline="0" dirty="0"/>
               <a:t> meant when you have a function say “add”  or length</a:t>
             </a:r>
           </a:p>
           <a:p>
             <a:r>
-              <a:rPr lang="en-US" baseline="0"/>
-              <a:t>Means you are loading more things that you might actually need</a:t>
-            </a:r>
-          </a:p>
-          <a:p>
-            <a:r>
-              <a:rPr lang="en-US"/>
+              <a:rPr lang="en-US" baseline="0" dirty="0"/>
+              <a:t>Means you are loading more things than you might actually need</a:t>
+            </a:r>
+          </a:p>
+          <a:p>
+            <a:r>
+              <a:rPr lang="en-US" dirty="0"/>
               <a:t>Try to keep conceptual</a:t>
             </a:r>
             <a:r>
-              <a:rPr lang="en-US" baseline="0"/>
+              <a:rPr lang="en-US" baseline="0" dirty="0"/>
               <a:t> separation!</a:t>
             </a:r>
-            <a:endParaRPr lang="en-US"/>
+            <a:endParaRPr lang="en-US" dirty="0"/>
           </a:p>
         </p:txBody>
       </p:sp>
@@ -1380,7 +1618,7 @@
           <a:p>
             <a:fld id="{50A519B0-864F-436F-AD10-563B5AD2C023}" type="datetimeFigureOut">
               <a:rPr lang="en-US" smtClean="0"/>
-              <a:t>8/11/2023</a:t>
+              <a:t>9/13/2023</a:t>
             </a:fld>
             <a:endParaRPr lang="en-US"/>
           </a:p>
@@ -1548,7 +1786,7 @@
           <a:p>
             <a:fld id="{50A519B0-864F-436F-AD10-563B5AD2C023}" type="datetimeFigureOut">
               <a:rPr lang="en-US" smtClean="0"/>
-              <a:t>8/11/2023</a:t>
+              <a:t>9/13/2023</a:t>
             </a:fld>
             <a:endParaRPr lang="en-US"/>
           </a:p>
@@ -1726,7 +1964,7 @@
           <a:p>
             <a:fld id="{50A519B0-864F-436F-AD10-563B5AD2C023}" type="datetimeFigureOut">
               <a:rPr lang="en-US" smtClean="0"/>
-              <a:t>8/11/2023</a:t>
+              <a:t>9/13/2023</a:t>
             </a:fld>
             <a:endParaRPr lang="en-US"/>
           </a:p>
@@ -1894,7 +2132,7 @@
           <a:p>
             <a:fld id="{50A519B0-864F-436F-AD10-563B5AD2C023}" type="datetimeFigureOut">
               <a:rPr lang="en-US" smtClean="0"/>
-              <a:t>8/11/2023</a:t>
+              <a:t>9/13/2023</a:t>
             </a:fld>
             <a:endParaRPr lang="en-US"/>
           </a:p>
@@ -2139,7 +2377,7 @@
           <a:p>
             <a:fld id="{50A519B0-864F-436F-AD10-563B5AD2C023}" type="datetimeFigureOut">
               <a:rPr lang="en-US" smtClean="0"/>
-              <a:t>8/11/2023</a:t>
+              <a:t>9/13/2023</a:t>
             </a:fld>
             <a:endParaRPr lang="en-US"/>
           </a:p>
@@ -2424,7 +2662,7 @@
           <a:p>
             <a:fld id="{50A519B0-864F-436F-AD10-563B5AD2C023}" type="datetimeFigureOut">
               <a:rPr lang="en-US" smtClean="0"/>
-              <a:t>8/11/2023</a:t>
+              <a:t>9/13/2023</a:t>
             </a:fld>
             <a:endParaRPr lang="en-US"/>
           </a:p>
@@ -2843,7 +3081,7 @@
           <a:p>
             <a:fld id="{50A519B0-864F-436F-AD10-563B5AD2C023}" type="datetimeFigureOut">
               <a:rPr lang="en-US" smtClean="0"/>
-              <a:t>8/11/2023</a:t>
+              <a:t>9/13/2023</a:t>
             </a:fld>
             <a:endParaRPr lang="en-US"/>
           </a:p>
@@ -2960,7 +3198,7 @@
           <a:p>
             <a:fld id="{50A519B0-864F-436F-AD10-563B5AD2C023}" type="datetimeFigureOut">
               <a:rPr lang="en-US" smtClean="0"/>
-              <a:t>8/11/2023</a:t>
+              <a:t>9/13/2023</a:t>
             </a:fld>
             <a:endParaRPr lang="en-US"/>
           </a:p>
@@ -3055,7 +3293,7 @@
           <a:p>
             <a:fld id="{50A519B0-864F-436F-AD10-563B5AD2C023}" type="datetimeFigureOut">
               <a:rPr lang="en-US" smtClean="0"/>
-              <a:t>8/11/2023</a:t>
+              <a:t>9/13/2023</a:t>
             </a:fld>
             <a:endParaRPr lang="en-US"/>
           </a:p>
@@ -3330,7 +3568,7 @@
           <a:p>
             <a:fld id="{50A519B0-864F-436F-AD10-563B5AD2C023}" type="datetimeFigureOut">
               <a:rPr lang="en-US" smtClean="0"/>
-              <a:t>8/11/2023</a:t>
+              <a:t>9/13/2023</a:t>
             </a:fld>
             <a:endParaRPr lang="en-US"/>
           </a:p>
@@ -3582,7 +3820,7 @@
           <a:p>
             <a:fld id="{50A519B0-864F-436F-AD10-563B5AD2C023}" type="datetimeFigureOut">
               <a:rPr lang="en-US" smtClean="0"/>
-              <a:t>8/11/2023</a:t>
+              <a:t>9/13/2023</a:t>
             </a:fld>
             <a:endParaRPr lang="en-US"/>
           </a:p>
@@ -3793,7 +4031,7 @@
           <a:p>
             <a:fld id="{50A519B0-864F-436F-AD10-563B5AD2C023}" type="datetimeFigureOut">
               <a:rPr lang="en-US" smtClean="0"/>
-              <a:t>8/11/2023</a:t>
+              <a:t>9/13/2023</a:t>
             </a:fld>
             <a:endParaRPr lang="en-US"/>
           </a:p>
@@ -4261,6 +4499,384 @@
 </p:sld>
 </file>
 
+<file path=ppt/slides/slide10.xml><?xml version="1.0" encoding="utf-8"?>
+<p:sld xmlns:a="http://schemas.openxmlformats.org/drawingml/2006/main" xmlns:r="http://schemas.openxmlformats.org/officeDocument/2006/relationships" xmlns:p="http://schemas.openxmlformats.org/presentationml/2006/main">
+  <p:cSld>
+    <p:spTree>
+      <p:nvGrpSpPr>
+        <p:cNvPr id="1" name=""/>
+        <p:cNvGrpSpPr/>
+        <p:nvPr/>
+      </p:nvGrpSpPr>
+      <p:grpSpPr>
+        <a:xfrm>
+          <a:off x="0" y="0"/>
+          <a:ext cx="0" cy="0"/>
+          <a:chOff x="0" y="0"/>
+          <a:chExt cx="0" cy="0"/>
+        </a:xfrm>
+      </p:grpSpPr>
+      <p:pic>
+        <p:nvPicPr>
+          <p:cNvPr id="5" name="Picture 4">
+            <a:extLst>
+              <a:ext uri="{FF2B5EF4-FFF2-40B4-BE49-F238E27FC236}">
+                <a16:creationId xmlns:a16="http://schemas.microsoft.com/office/drawing/2014/main" id="{4D8C92A8-A9E0-0E69-1CC6-90A4B52D3AA9}"/>
+              </a:ext>
+            </a:extLst>
+          </p:cNvPr>
+          <p:cNvPicPr>
+            <a:picLocks noChangeAspect="1"/>
+          </p:cNvPicPr>
+          <p:nvPr/>
+        </p:nvPicPr>
+        <p:blipFill>
+          <a:blip r:embed="rId2"/>
+          <a:stretch>
+            <a:fillRect/>
+          </a:stretch>
+        </p:blipFill>
+        <p:spPr>
+          <a:xfrm>
+            <a:off x="1256935" y="43580"/>
+            <a:ext cx="5220429" cy="2743583"/>
+          </a:xfrm>
+          <a:prstGeom prst="rect">
+            <a:avLst/>
+          </a:prstGeom>
+          <a:ln>
+            <a:solidFill>
+              <a:schemeClr val="tx1"/>
+            </a:solidFill>
+          </a:ln>
+        </p:spPr>
+      </p:pic>
+      <p:pic>
+        <p:nvPicPr>
+          <p:cNvPr id="9" name="Picture 8">
+            <a:extLst>
+              <a:ext uri="{FF2B5EF4-FFF2-40B4-BE49-F238E27FC236}">
+                <a16:creationId xmlns:a16="http://schemas.microsoft.com/office/drawing/2014/main" id="{CB8106F0-55E3-B892-53A2-A48C07A0D2B6}"/>
+              </a:ext>
+            </a:extLst>
+          </p:cNvPr>
+          <p:cNvPicPr>
+            <a:picLocks noChangeAspect="1"/>
+          </p:cNvPicPr>
+          <p:nvPr/>
+        </p:nvPicPr>
+        <p:blipFill>
+          <a:blip r:embed="rId3"/>
+          <a:stretch>
+            <a:fillRect/>
+          </a:stretch>
+        </p:blipFill>
+        <p:spPr>
+          <a:xfrm>
+            <a:off x="3114674" y="2764354"/>
+            <a:ext cx="4963248" cy="1752600"/>
+          </a:xfrm>
+          <a:prstGeom prst="rect">
+            <a:avLst/>
+          </a:prstGeom>
+          <a:ln>
+            <a:solidFill>
+              <a:schemeClr val="tx1"/>
+            </a:solidFill>
+          </a:ln>
+        </p:spPr>
+      </p:pic>
+      <p:pic>
+        <p:nvPicPr>
+          <p:cNvPr id="6" name="Picture 5">
+            <a:extLst>
+              <a:ext uri="{FF2B5EF4-FFF2-40B4-BE49-F238E27FC236}">
+                <a16:creationId xmlns:a16="http://schemas.microsoft.com/office/drawing/2014/main" id="{F09A0873-E500-AF80-108E-3DE93A906B17}"/>
+              </a:ext>
+            </a:extLst>
+          </p:cNvPr>
+          <p:cNvPicPr>
+            <a:picLocks noChangeAspect="1"/>
+          </p:cNvPicPr>
+          <p:nvPr/>
+        </p:nvPicPr>
+        <p:blipFill>
+          <a:blip r:embed="rId4"/>
+          <a:stretch>
+            <a:fillRect/>
+          </a:stretch>
+        </p:blipFill>
+        <p:spPr>
+          <a:xfrm>
+            <a:off x="1" y="1"/>
+            <a:ext cx="929054" cy="2787162"/>
+          </a:xfrm>
+          <a:prstGeom prst="rect">
+            <a:avLst/>
+          </a:prstGeom>
+          <a:ln>
+            <a:solidFill>
+              <a:schemeClr val="tx1"/>
+            </a:solidFill>
+          </a:ln>
+        </p:spPr>
+      </p:pic>
+      <p:sp>
+        <p:nvSpPr>
+          <p:cNvPr id="10" name="TextBox 9">
+            <a:extLst>
+              <a:ext uri="{FF2B5EF4-FFF2-40B4-BE49-F238E27FC236}">
+                <a16:creationId xmlns:a16="http://schemas.microsoft.com/office/drawing/2014/main" id="{7F156DD5-6BFD-C6F9-8D05-F90173985E9C}"/>
+              </a:ext>
+            </a:extLst>
+          </p:cNvPr>
+          <p:cNvSpPr txBox="1"/>
+          <p:nvPr/>
+        </p:nvSpPr>
+        <p:spPr>
+          <a:xfrm>
+            <a:off x="-471487" y="4770280"/>
+            <a:ext cx="8549409" cy="1569660"/>
+          </a:xfrm>
+          <a:prstGeom prst="rect">
+            <a:avLst/>
+          </a:prstGeom>
+          <a:noFill/>
+        </p:spPr>
+        <p:txBody>
+          <a:bodyPr wrap="square">
+            <a:spAutoFit/>
+          </a:bodyPr>
+          <a:lstStyle/>
+          <a:p>
+            <a:pPr lvl="1"/>
+            <a:r>
+              <a:rPr lang="en-US" sz="2400" dirty="0"/>
+              <a:t>1. Eclipse File-&gt;Import</a:t>
+            </a:r>
+          </a:p>
+          <a:p>
+            <a:pPr lvl="1"/>
+            <a:r>
+              <a:rPr lang="en-US" sz="2400" dirty="0"/>
+              <a:t>2. Import -&gt; General -&gt;Existing Projects into Workspace -&gt; Next</a:t>
+            </a:r>
+          </a:p>
+          <a:p>
+            <a:pPr lvl="1"/>
+            <a:r>
+              <a:rPr lang="en-US" sz="2400" dirty="0"/>
+              <a:t>3. Select archive file:   ….. HWVaporSalesManager.zip </a:t>
+            </a:r>
+          </a:p>
+          <a:p>
+            <a:pPr lvl="1"/>
+            <a:r>
+              <a:rPr lang="en-US" sz="2400" dirty="0"/>
+              <a:t>4. Select Working set</a:t>
+            </a:r>
+          </a:p>
+        </p:txBody>
+      </p:sp>
+      <p:pic>
+        <p:nvPicPr>
+          <p:cNvPr id="11" name="Picture 10">
+            <a:extLst>
+              <a:ext uri="{FF2B5EF4-FFF2-40B4-BE49-F238E27FC236}">
+                <a16:creationId xmlns:a16="http://schemas.microsoft.com/office/drawing/2014/main" id="{9C635F62-B74F-E40A-0DA1-3081AC7B4253}"/>
+              </a:ext>
+            </a:extLst>
+          </p:cNvPr>
+          <p:cNvPicPr>
+            <a:picLocks noChangeAspect="1"/>
+          </p:cNvPicPr>
+          <p:nvPr/>
+        </p:nvPicPr>
+        <p:blipFill>
+          <a:blip r:embed="rId5"/>
+          <a:stretch>
+            <a:fillRect/>
+          </a:stretch>
+        </p:blipFill>
+        <p:spPr>
+          <a:xfrm>
+            <a:off x="4021015" y="6037975"/>
+            <a:ext cx="4912698" cy="820025"/>
+          </a:xfrm>
+          <a:prstGeom prst="rect">
+            <a:avLst/>
+          </a:prstGeom>
+        </p:spPr>
+      </p:pic>
+      <p:sp>
+        <p:nvSpPr>
+          <p:cNvPr id="12" name="TextBox 11">
+            <a:extLst>
+              <a:ext uri="{FF2B5EF4-FFF2-40B4-BE49-F238E27FC236}">
+                <a16:creationId xmlns:a16="http://schemas.microsoft.com/office/drawing/2014/main" id="{09D4A83C-90A6-CCC5-CF18-B5B5E52611DC}"/>
+              </a:ext>
+            </a:extLst>
+          </p:cNvPr>
+          <p:cNvSpPr txBox="1"/>
+          <p:nvPr/>
+        </p:nvSpPr>
+        <p:spPr>
+          <a:xfrm>
+            <a:off x="119515" y="2734686"/>
+            <a:ext cx="417102" cy="369332"/>
+          </a:xfrm>
+          <a:prstGeom prst="rect">
+            <a:avLst/>
+          </a:prstGeom>
+          <a:noFill/>
+        </p:spPr>
+        <p:txBody>
+          <a:bodyPr wrap="none" rtlCol="0">
+            <a:spAutoFit/>
+          </a:bodyPr>
+          <a:lstStyle/>
+          <a:p>
+            <a:r>
+              <a:rPr lang="en-US" b="1" dirty="0">
+                <a:solidFill>
+                  <a:srgbClr val="FF0000"/>
+                </a:solidFill>
+              </a:rPr>
+              <a:t>#1</a:t>
+            </a:r>
+          </a:p>
+        </p:txBody>
+      </p:sp>
+      <p:sp>
+        <p:nvSpPr>
+          <p:cNvPr id="13" name="TextBox 12">
+            <a:extLst>
+              <a:ext uri="{FF2B5EF4-FFF2-40B4-BE49-F238E27FC236}">
+                <a16:creationId xmlns:a16="http://schemas.microsoft.com/office/drawing/2014/main" id="{069E3E2C-59E0-A35D-10D0-F57B60634526}"/>
+              </a:ext>
+            </a:extLst>
+          </p:cNvPr>
+          <p:cNvSpPr txBox="1"/>
+          <p:nvPr/>
+        </p:nvSpPr>
+        <p:spPr>
+          <a:xfrm>
+            <a:off x="1312232" y="1803916"/>
+            <a:ext cx="417102" cy="369332"/>
+          </a:xfrm>
+          <a:prstGeom prst="rect">
+            <a:avLst/>
+          </a:prstGeom>
+          <a:noFill/>
+        </p:spPr>
+        <p:txBody>
+          <a:bodyPr wrap="none" rtlCol="0">
+            <a:spAutoFit/>
+          </a:bodyPr>
+          <a:lstStyle/>
+          <a:p>
+            <a:r>
+              <a:rPr lang="en-US" b="1" dirty="0">
+                <a:solidFill>
+                  <a:srgbClr val="FF0000"/>
+                </a:solidFill>
+              </a:rPr>
+              <a:t>#2</a:t>
+            </a:r>
+          </a:p>
+        </p:txBody>
+      </p:sp>
+      <p:sp>
+        <p:nvSpPr>
+          <p:cNvPr id="14" name="TextBox 13">
+            <a:extLst>
+              <a:ext uri="{FF2B5EF4-FFF2-40B4-BE49-F238E27FC236}">
+                <a16:creationId xmlns:a16="http://schemas.microsoft.com/office/drawing/2014/main" id="{48ADB038-8D35-D0F9-51C3-856FF40C44DB}"/>
+              </a:ext>
+            </a:extLst>
+          </p:cNvPr>
+          <p:cNvSpPr txBox="1"/>
+          <p:nvPr/>
+        </p:nvSpPr>
+        <p:spPr>
+          <a:xfrm>
+            <a:off x="2759869" y="3640654"/>
+            <a:ext cx="417102" cy="369332"/>
+          </a:xfrm>
+          <a:prstGeom prst="rect">
+            <a:avLst/>
+          </a:prstGeom>
+          <a:noFill/>
+        </p:spPr>
+        <p:txBody>
+          <a:bodyPr wrap="none" rtlCol="0">
+            <a:spAutoFit/>
+          </a:bodyPr>
+          <a:lstStyle/>
+          <a:p>
+            <a:r>
+              <a:rPr lang="en-US" b="1" dirty="0">
+                <a:solidFill>
+                  <a:srgbClr val="FF0000"/>
+                </a:solidFill>
+              </a:rPr>
+              <a:t>#3</a:t>
+            </a:r>
+          </a:p>
+        </p:txBody>
+      </p:sp>
+      <p:sp>
+        <p:nvSpPr>
+          <p:cNvPr id="15" name="TextBox 14">
+            <a:extLst>
+              <a:ext uri="{FF2B5EF4-FFF2-40B4-BE49-F238E27FC236}">
+                <a16:creationId xmlns:a16="http://schemas.microsoft.com/office/drawing/2014/main" id="{9444B3C0-9C10-E5B2-9595-3F1330BE9680}"/>
+              </a:ext>
+            </a:extLst>
+          </p:cNvPr>
+          <p:cNvSpPr txBox="1"/>
+          <p:nvPr/>
+        </p:nvSpPr>
+        <p:spPr>
+          <a:xfrm>
+            <a:off x="6004576" y="6037975"/>
+            <a:ext cx="417102" cy="369332"/>
+          </a:xfrm>
+          <a:prstGeom prst="rect">
+            <a:avLst/>
+          </a:prstGeom>
+          <a:noFill/>
+        </p:spPr>
+        <p:txBody>
+          <a:bodyPr wrap="none" rtlCol="0">
+            <a:spAutoFit/>
+          </a:bodyPr>
+          <a:lstStyle/>
+          <a:p>
+            <a:r>
+              <a:rPr lang="en-US" b="1" dirty="0">
+                <a:solidFill>
+                  <a:srgbClr val="FF0000"/>
+                </a:solidFill>
+              </a:rPr>
+              <a:t>#4</a:t>
+            </a:r>
+          </a:p>
+        </p:txBody>
+      </p:sp>
+    </p:spTree>
+    <p:extLst>
+      <p:ext uri="{BB962C8B-B14F-4D97-AF65-F5344CB8AC3E}">
+        <p14:creationId xmlns:p14="http://schemas.microsoft.com/office/powerpoint/2010/main" val="525849186"/>
+      </p:ext>
+    </p:extLst>
+  </p:cSld>
+  <p:clrMapOvr>
+    <a:masterClrMapping/>
+  </p:clrMapOvr>
+</p:sld>
+</file>
+
 <file path=ppt/slides/slide2.xml><?xml version="1.0" encoding="utf-8"?>
 <p:sld xmlns:a="http://schemas.openxmlformats.org/drawingml/2006/main" xmlns:r="http://schemas.openxmlformats.org/officeDocument/2006/relationships" xmlns:p="http://schemas.openxmlformats.org/presentationml/2006/main">
   <p:cSld>
@@ -5150,19 +5766,19 @@
               </a:tabLst>
             </a:pPr>
             <a:r>
-              <a:rPr lang="en-US">
+              <a:rPr lang="en-US" dirty="0">
                 <a:latin typeface="Consolas" panose="020B0609020204030204" pitchFamily="49" charset="0"/>
               </a:rPr>
-              <a:t>String stringName1 = "</a:t>
-            </a:r>
-            <a:r>
-              <a:rPr lang="en-US" err="1">
+              <a:t>String stringName1 = “</a:t>
+            </a:r>
+            <a:r>
+              <a:rPr lang="en-US" dirty="0" err="1">
                 <a:latin typeface="Consolas" panose="020B0609020204030204" pitchFamily="49" charset="0"/>
               </a:rPr>
-              <a:t>jason</a:t>
-            </a:r>
-            <a:r>
-              <a:rPr lang="en-US">
+              <a:t>ian</a:t>
+            </a:r>
+            <a:r>
+              <a:rPr lang="en-US" dirty="0">
                 <a:latin typeface="Consolas" panose="020B0609020204030204" pitchFamily="49" charset="0"/>
               </a:rPr>
               <a:t>";</a:t>
@@ -5178,19 +5794,19 @@
               </a:tabLst>
             </a:pPr>
             <a:r>
-              <a:rPr lang="en-US">
+              <a:rPr lang="en-US" dirty="0">
                 <a:latin typeface="Consolas" panose="020B0609020204030204" pitchFamily="49" charset="0"/>
               </a:rPr>
-              <a:t>String stringName2 = "</a:t>
-            </a:r>
-            <a:r>
-              <a:rPr lang="en-US" err="1">
+              <a:t>String stringName2 = “</a:t>
+            </a:r>
+            <a:r>
+              <a:rPr lang="en-US" dirty="0" err="1">
                 <a:latin typeface="Consolas" panose="020B0609020204030204" pitchFamily="49" charset="0"/>
               </a:rPr>
-              <a:t>yoder</a:t>
-            </a:r>
-            <a:r>
-              <a:rPr lang="en-US">
+              <a:t>ludden</a:t>
+            </a:r>
+            <a:r>
+              <a:rPr lang="en-US" dirty="0">
                 <a:latin typeface="Consolas" panose="020B0609020204030204" pitchFamily="49" charset="0"/>
               </a:rPr>
               <a:t>";</a:t>
@@ -5206,19 +5822,19 @@
               </a:tabLst>
             </a:pPr>
             <a:r>
-              <a:rPr lang="en-US">
+              <a:rPr lang="en-US" dirty="0">
                 <a:latin typeface="Consolas" panose="020B0609020204030204" pitchFamily="49" charset="0"/>
               </a:rPr>
               <a:t>String </a:t>
             </a:r>
             <a:r>
-              <a:rPr lang="en-US" err="1">
+              <a:rPr lang="en-US" dirty="0" err="1">
                 <a:latin typeface="Consolas" panose="020B0609020204030204" pitchFamily="49" charset="0"/>
               </a:rPr>
               <a:t>stringConcat</a:t>
             </a:r>
             <a:r>
-              <a:rPr lang="en-US">
+              <a:rPr lang="en-US" dirty="0">
                 <a:latin typeface="Consolas" panose="020B0609020204030204" pitchFamily="49" charset="0"/>
               </a:rPr>
               <a:t> = stringName1.concat( stringName2 );</a:t>
@@ -5234,25 +5850,25 @@
               </a:tabLst>
             </a:pPr>
             <a:r>
-              <a:rPr lang="en-US" err="1">
+              <a:rPr lang="en-US" dirty="0" err="1">
                 <a:latin typeface="Consolas" panose="020B0609020204030204" pitchFamily="49" charset="0"/>
               </a:rPr>
               <a:t>System.out.println</a:t>
             </a:r>
             <a:r>
-              <a:rPr lang="en-US">
+              <a:rPr lang="en-US" dirty="0">
                 <a:latin typeface="Consolas" panose="020B0609020204030204" pitchFamily="49" charset="0"/>
               </a:rPr>
               <a:t>(  </a:t>
             </a:r>
             <a:r>
-              <a:rPr lang="en-US" err="1">
+              <a:rPr lang="en-US" dirty="0" err="1">
                 <a:latin typeface="Consolas" panose="020B0609020204030204" pitchFamily="49" charset="0"/>
               </a:rPr>
               <a:t>stringConcat</a:t>
             </a:r>
             <a:r>
-              <a:rPr lang="en-US">
+              <a:rPr lang="en-US" dirty="0">
                 <a:latin typeface="Consolas" panose="020B0609020204030204" pitchFamily="49" charset="0"/>
               </a:rPr>
               <a:t> );</a:t>
@@ -5268,7 +5884,7 @@
               </a:tabLst>
             </a:pPr>
             <a:r>
-              <a:rPr lang="en-US">
+              <a:rPr lang="en-US" dirty="0">
                 <a:latin typeface="Consolas" panose="020B0609020204030204" pitchFamily="49" charset="0"/>
               </a:rPr>
               <a:t>----------------------------------------------------------</a:t>
@@ -5284,10 +5900,10 @@
               </a:tabLst>
             </a:pPr>
             <a:r>
-              <a:rPr lang="pt-BR">
+              <a:rPr lang="pt-BR" dirty="0">
                 <a:latin typeface="Consolas" panose="020B0609020204030204" pitchFamily="49" charset="0"/>
               </a:rPr>
-              <a:t>char[] charName1 = {'j','a','s','o','n'};</a:t>
+              <a:t>char[] charName1 = {'i','a','n'};</a:t>
             </a:r>
           </a:p>
           <a:p>
@@ -5300,19 +5916,19 @@
               </a:tabLst>
             </a:pPr>
             <a:r>
-              <a:rPr lang="en-US">
+              <a:rPr lang="en-US" dirty="0">
                 <a:latin typeface="Consolas" panose="020B0609020204030204" pitchFamily="49" charset="0"/>
               </a:rPr>
               <a:t>char[] charName2 = {'</a:t>
             </a:r>
             <a:r>
-              <a:rPr lang="en-US" err="1">
+              <a:rPr lang="en-US" dirty="0" err="1">
                 <a:latin typeface="Consolas" panose="020B0609020204030204" pitchFamily="49" charset="0"/>
               </a:rPr>
-              <a:t>y','o','d','e','r</a:t>
-            </a:r>
-            <a:r>
-              <a:rPr lang="en-US">
+              <a:t>l','u','d','d','e','n</a:t>
+            </a:r>
+            <a:r>
+              <a:rPr lang="en-US" dirty="0">
                 <a:latin typeface="Consolas" panose="020B0609020204030204" pitchFamily="49" charset="0"/>
               </a:rPr>
               <a:t>'};</a:t>
@@ -5328,19 +5944,19 @@
               </a:tabLst>
             </a:pPr>
             <a:r>
-              <a:rPr lang="en-US">
+              <a:rPr lang="en-US" dirty="0">
                 <a:latin typeface="Consolas" panose="020B0609020204030204" pitchFamily="49" charset="0"/>
               </a:rPr>
               <a:t>char[] </a:t>
             </a:r>
             <a:r>
-              <a:rPr lang="en-US" err="1">
+              <a:rPr lang="en-US" dirty="0" err="1">
                 <a:latin typeface="Consolas" panose="020B0609020204030204" pitchFamily="49" charset="0"/>
               </a:rPr>
               <a:t>charConcat</a:t>
             </a:r>
             <a:r>
-              <a:rPr lang="en-US">
+              <a:rPr lang="en-US" dirty="0">
                 <a:latin typeface="Consolas" panose="020B0609020204030204" pitchFamily="49" charset="0"/>
               </a:rPr>
               <a:t> = </a:t>
@@ -5356,19 +5972,19 @@
               </a:tabLst>
             </a:pPr>
             <a:r>
-              <a:rPr lang="en-US">
+              <a:rPr lang="en-US" dirty="0">
                 <a:latin typeface="Consolas" panose="020B0609020204030204" pitchFamily="49" charset="0"/>
               </a:rPr>
               <a:t>	</a:t>
             </a:r>
             <a:r>
-              <a:rPr lang="en-US" b="1">
+              <a:rPr lang="en-US" b="1" dirty="0">
                 <a:latin typeface="Consolas" panose="020B0609020204030204" pitchFamily="49" charset="0"/>
               </a:rPr>
               <a:t>new</a:t>
             </a:r>
             <a:r>
-              <a:rPr lang="en-US">
+              <a:rPr lang="en-US" dirty="0">
                 <a:latin typeface="Consolas" panose="020B0609020204030204" pitchFamily="49" charset="0"/>
               </a:rPr>
               <a:t> char[charName1.length + charName2.length];</a:t>
@@ -5383,7 +5999,7 @@
                 <a:tab pos="1020763" algn="l"/>
               </a:tabLst>
             </a:pPr>
-            <a:endParaRPr lang="en-US">
+            <a:endParaRPr lang="en-US" dirty="0">
               <a:latin typeface="Consolas" panose="020B0609020204030204" pitchFamily="49" charset="0"/>
             </a:endParaRPr>
           </a:p>
@@ -5397,28 +6013,16 @@
               </a:tabLst>
             </a:pPr>
             <a:r>
-              <a:rPr lang="nn-NO" b="1">
+              <a:rPr lang="nn-NO" b="1" dirty="0">
                 <a:latin typeface="Consolas" panose="020B0609020204030204" pitchFamily="49" charset="0"/>
               </a:rPr>
               <a:t>for</a:t>
             </a:r>
             <a:r>
-              <a:rPr lang="nn-NO">
+              <a:rPr lang="nn-NO" dirty="0">
                 <a:latin typeface="Consolas" panose="020B0609020204030204" pitchFamily="49" charset="0"/>
               </a:rPr>
-              <a:t> (</a:t>
-            </a:r>
-            <a:r>
-              <a:rPr lang="nn-NO" err="1">
-                <a:latin typeface="Consolas" panose="020B0609020204030204" pitchFamily="49" charset="0"/>
-              </a:rPr>
-              <a:t>int</a:t>
-            </a:r>
-            <a:r>
-              <a:rPr lang="nn-NO">
-                <a:latin typeface="Consolas" panose="020B0609020204030204" pitchFamily="49" charset="0"/>
-              </a:rPr>
-              <a:t> i = 0; i &lt; charName1.length; i++) {</a:t>
+              <a:t> (int i = 0; i &lt; charName1.length; i++) {</a:t>
             </a:r>
           </a:p>
           <a:p>
@@ -5431,43 +6035,43 @@
               </a:tabLst>
             </a:pPr>
             <a:r>
-              <a:rPr lang="en-US">
+              <a:rPr lang="en-US" dirty="0">
                 <a:latin typeface="Consolas" panose="020B0609020204030204" pitchFamily="49" charset="0"/>
               </a:rPr>
               <a:t>	</a:t>
             </a:r>
             <a:r>
-              <a:rPr lang="en-US" err="1">
+              <a:rPr lang="en-US" dirty="0" err="1">
                 <a:latin typeface="Consolas" panose="020B0609020204030204" pitchFamily="49" charset="0"/>
               </a:rPr>
               <a:t>charConcat</a:t>
             </a:r>
             <a:r>
-              <a:rPr lang="en-US">
+              <a:rPr lang="en-US" dirty="0">
                 <a:latin typeface="Consolas" panose="020B0609020204030204" pitchFamily="49" charset="0"/>
               </a:rPr>
               <a:t>[</a:t>
             </a:r>
             <a:r>
-              <a:rPr lang="en-US" err="1">
+              <a:rPr lang="en-US" dirty="0" err="1">
                 <a:latin typeface="Consolas" panose="020B0609020204030204" pitchFamily="49" charset="0"/>
               </a:rPr>
               <a:t>i</a:t>
             </a:r>
             <a:r>
-              <a:rPr lang="en-US">
+              <a:rPr lang="en-US" dirty="0">
                 <a:latin typeface="Consolas" panose="020B0609020204030204" pitchFamily="49" charset="0"/>
               </a:rPr>
               <a:t>] = charName1[</a:t>
             </a:r>
             <a:r>
-              <a:rPr lang="en-US" err="1">
+              <a:rPr lang="en-US" dirty="0" err="1">
                 <a:latin typeface="Consolas" panose="020B0609020204030204" pitchFamily="49" charset="0"/>
               </a:rPr>
               <a:t>i</a:t>
             </a:r>
             <a:r>
-              <a:rPr lang="en-US">
+              <a:rPr lang="en-US" dirty="0">
                 <a:latin typeface="Consolas" panose="020B0609020204030204" pitchFamily="49" charset="0"/>
               </a:rPr>
               <a:t>];</a:t>
@@ -5483,7 +6087,7 @@
               </a:tabLst>
             </a:pPr>
             <a:r>
-              <a:rPr lang="en-US">
+              <a:rPr lang="en-US" dirty="0">
                 <a:latin typeface="Consolas" panose="020B0609020204030204" pitchFamily="49" charset="0"/>
               </a:rPr>
               <a:t>}</a:t>
@@ -5499,28 +6103,16 @@
               </a:tabLst>
             </a:pPr>
             <a:r>
-              <a:rPr lang="nn-NO" b="1">
+              <a:rPr lang="nn-NO" b="1" dirty="0">
                 <a:latin typeface="Consolas" panose="020B0609020204030204" pitchFamily="49" charset="0"/>
               </a:rPr>
               <a:t>for</a:t>
             </a:r>
             <a:r>
-              <a:rPr lang="nn-NO">
+              <a:rPr lang="nn-NO" dirty="0">
                 <a:latin typeface="Consolas" panose="020B0609020204030204" pitchFamily="49" charset="0"/>
               </a:rPr>
-              <a:t> (</a:t>
-            </a:r>
-            <a:r>
-              <a:rPr lang="nn-NO" err="1">
-                <a:latin typeface="Consolas" panose="020B0609020204030204" pitchFamily="49" charset="0"/>
-              </a:rPr>
-              <a:t>int</a:t>
-            </a:r>
-            <a:r>
-              <a:rPr lang="nn-NO">
-                <a:latin typeface="Consolas" panose="020B0609020204030204" pitchFamily="49" charset="0"/>
-              </a:rPr>
-              <a:t> i = 0; i &lt; charName2.length; i++) {</a:t>
+              <a:t> (int i = 0; i &lt; charName2.length; i++) {</a:t>
             </a:r>
           </a:p>
           <a:p>
@@ -5533,43 +6125,43 @@
               </a:tabLst>
             </a:pPr>
             <a:r>
-              <a:rPr lang="en-US">
+              <a:rPr lang="en-US" dirty="0">
                 <a:latin typeface="Consolas" panose="020B0609020204030204" pitchFamily="49" charset="0"/>
               </a:rPr>
               <a:t>	</a:t>
             </a:r>
             <a:r>
-              <a:rPr lang="en-US" err="1">
+              <a:rPr lang="en-US" dirty="0" err="1">
                 <a:latin typeface="Consolas" panose="020B0609020204030204" pitchFamily="49" charset="0"/>
               </a:rPr>
               <a:t>charConcat</a:t>
             </a:r>
             <a:r>
-              <a:rPr lang="en-US">
+              <a:rPr lang="en-US" dirty="0">
                 <a:latin typeface="Consolas" panose="020B0609020204030204" pitchFamily="49" charset="0"/>
               </a:rPr>
               <a:t>[charName1.length + </a:t>
             </a:r>
             <a:r>
-              <a:rPr lang="en-US" err="1">
+              <a:rPr lang="en-US" dirty="0" err="1">
                 <a:latin typeface="Consolas" panose="020B0609020204030204" pitchFamily="49" charset="0"/>
               </a:rPr>
               <a:t>i</a:t>
             </a:r>
             <a:r>
-              <a:rPr lang="en-US">
+              <a:rPr lang="en-US" dirty="0">
                 <a:latin typeface="Consolas" panose="020B0609020204030204" pitchFamily="49" charset="0"/>
               </a:rPr>
               <a:t>] = charName2[</a:t>
             </a:r>
             <a:r>
-              <a:rPr lang="en-US" err="1">
+              <a:rPr lang="en-US" dirty="0" err="1">
                 <a:latin typeface="Consolas" panose="020B0609020204030204" pitchFamily="49" charset="0"/>
               </a:rPr>
               <a:t>i</a:t>
             </a:r>
             <a:r>
-              <a:rPr lang="en-US">
+              <a:rPr lang="en-US" dirty="0">
                 <a:latin typeface="Consolas" panose="020B0609020204030204" pitchFamily="49" charset="0"/>
               </a:rPr>
               <a:t>];</a:t>
@@ -5585,7 +6177,7 @@
               </a:tabLst>
             </a:pPr>
             <a:r>
-              <a:rPr lang="en-US">
+              <a:rPr lang="en-US" dirty="0">
                 <a:latin typeface="Consolas" panose="020B0609020204030204" pitchFamily="49" charset="0"/>
               </a:rPr>
               <a:t>}</a:t>
@@ -5601,37 +6193,37 @@
               </a:tabLst>
             </a:pPr>
             <a:r>
-              <a:rPr lang="en-US" err="1">
+              <a:rPr lang="en-US" dirty="0" err="1">
                 <a:latin typeface="Consolas" panose="020B0609020204030204" pitchFamily="49" charset="0"/>
               </a:rPr>
               <a:t>System.out.println</a:t>
             </a:r>
             <a:r>
-              <a:rPr lang="en-US">
+              <a:rPr lang="en-US" dirty="0">
                 <a:latin typeface="Consolas" panose="020B0609020204030204" pitchFamily="49" charset="0"/>
               </a:rPr>
               <a:t>( </a:t>
             </a:r>
             <a:r>
-              <a:rPr lang="en-US" err="1">
+              <a:rPr lang="en-US" dirty="0" err="1">
                 <a:latin typeface="Consolas" panose="020B0609020204030204" pitchFamily="49" charset="0"/>
               </a:rPr>
               <a:t>Arrays.toString</a:t>
             </a:r>
             <a:r>
-              <a:rPr lang="en-US">
+              <a:rPr lang="en-US" dirty="0">
                 <a:latin typeface="Consolas" panose="020B0609020204030204" pitchFamily="49" charset="0"/>
               </a:rPr>
               <a:t>(</a:t>
             </a:r>
             <a:r>
-              <a:rPr lang="en-US" err="1">
+              <a:rPr lang="en-US" dirty="0" err="1">
                 <a:latin typeface="Consolas" panose="020B0609020204030204" pitchFamily="49" charset="0"/>
               </a:rPr>
               <a:t>charConcat</a:t>
             </a:r>
             <a:r>
-              <a:rPr lang="en-US">
+              <a:rPr lang="en-US" dirty="0">
                 <a:latin typeface="Consolas" panose="020B0609020204030204" pitchFamily="49" charset="0"/>
               </a:rPr>
               <a:t>)  );</a:t>
@@ -6017,10 +6609,10 @@
       </p:sp>
       <p:pic>
         <p:nvPicPr>
-          <p:cNvPr id="5" name="Picture 4">
+          <p:cNvPr id="8" name="Picture 7">
             <a:extLst>
               <a:ext uri="{FF2B5EF4-FFF2-40B4-BE49-F238E27FC236}">
-                <a16:creationId xmlns:a16="http://schemas.microsoft.com/office/drawing/2014/main" id="{16BACA23-C1B5-056B-407D-8E2DC5682418}"/>
+                <a16:creationId xmlns:a16="http://schemas.microsoft.com/office/drawing/2014/main" id="{33162D26-D0F3-D7C8-AD82-A833E681DCFF}"/>
               </a:ext>
             </a:extLst>
           </p:cNvPr>
@@ -6029,15 +6621,484 @@
           </p:cNvPicPr>
           <p:nvPr/>
         </p:nvPicPr>
-        <p:blipFill rotWithShape="1">
+        <p:blipFill>
           <a:blip r:embed="rId2"/>
-          <a:srcRect b="6404"/>
-          <a:stretch/>
+          <a:stretch>
+            <a:fillRect/>
+          </a:stretch>
         </p:blipFill>
         <p:spPr>
           <a:xfrm>
-            <a:off x="419100" y="4425615"/>
-            <a:ext cx="8229600" cy="2432385"/>
+            <a:off x="54549" y="4570880"/>
+            <a:ext cx="9034902" cy="1983439"/>
+          </a:xfrm>
+          <a:prstGeom prst="rect">
+            <a:avLst/>
+          </a:prstGeom>
+        </p:spPr>
+      </p:pic>
+      <mc:AlternateContent xmlns:mc="http://schemas.openxmlformats.org/markup-compatibility/2006" xmlns:p14="http://schemas.microsoft.com/office/powerpoint/2010/main">
+        <mc:Choice Requires="p14">
+          <p:contentPart p14:bwMode="auto" r:id="rId3">
+            <p14:nvContentPartPr>
+              <p14:cNvPr id="9" name="Ink 8">
+                <a:extLst>
+                  <a:ext uri="{FF2B5EF4-FFF2-40B4-BE49-F238E27FC236}">
+                    <a16:creationId xmlns:a16="http://schemas.microsoft.com/office/drawing/2014/main" id="{A62A13ED-0676-5670-79E4-906EEB25F66E}"/>
+                  </a:ext>
+                </a:extLst>
+              </p14:cNvPr>
+              <p14:cNvContentPartPr/>
+              <p14:nvPr/>
+            </p14:nvContentPartPr>
+            <p14:xfrm>
+              <a:off x="6146199" y="6124661"/>
+              <a:ext cx="2643840" cy="50400"/>
+            </p14:xfrm>
+          </p:contentPart>
+        </mc:Choice>
+        <mc:Fallback xmlns="">
+          <p:pic>
+            <p:nvPicPr>
+              <p:cNvPr id="9" name="Ink 8">
+                <a:extLst>
+                  <a:ext uri="{FF2B5EF4-FFF2-40B4-BE49-F238E27FC236}">
+                    <a16:creationId xmlns:a16="http://schemas.microsoft.com/office/drawing/2014/main" id="{A62A13ED-0676-5670-79E4-906EEB25F66E}"/>
+                  </a:ext>
+                </a:extLst>
+              </p:cNvPr>
+              <p:cNvPicPr/>
+              <p:nvPr/>
+            </p:nvPicPr>
+            <p:blipFill>
+              <a:blip r:embed="rId4"/>
+              <a:stretch>
+                <a:fillRect/>
+              </a:stretch>
+            </p:blipFill>
+            <p:spPr>
+              <a:xfrm>
+                <a:off x="6092199" y="6016661"/>
+                <a:ext cx="2751480" cy="266040"/>
+              </a:xfrm>
+              <a:prstGeom prst="rect">
+                <a:avLst/>
+              </a:prstGeom>
+            </p:spPr>
+          </p:pic>
+        </mc:Fallback>
+      </mc:AlternateContent>
+      <mc:AlternateContent xmlns:mc="http://schemas.openxmlformats.org/markup-compatibility/2006" xmlns:p14="http://schemas.microsoft.com/office/powerpoint/2010/main">
+        <mc:Choice Requires="p14">
+          <p:contentPart p14:bwMode="auto" r:id="rId5">
+            <p14:nvContentPartPr>
+              <p14:cNvPr id="10" name="Ink 9">
+                <a:extLst>
+                  <a:ext uri="{FF2B5EF4-FFF2-40B4-BE49-F238E27FC236}">
+                    <a16:creationId xmlns:a16="http://schemas.microsoft.com/office/drawing/2014/main" id="{6F848A8F-779B-73D6-91AC-50A5E3EF4208}"/>
+                  </a:ext>
+                </a:extLst>
+              </p14:cNvPr>
+              <p14:cNvContentPartPr/>
+              <p14:nvPr/>
+            </p14:nvContentPartPr>
+            <p14:xfrm>
+              <a:off x="1918359" y="6056981"/>
+              <a:ext cx="707040" cy="48960"/>
+            </p14:xfrm>
+          </p:contentPart>
+        </mc:Choice>
+        <mc:Fallback xmlns="">
+          <p:pic>
+            <p:nvPicPr>
+              <p:cNvPr id="10" name="Ink 9">
+                <a:extLst>
+                  <a:ext uri="{FF2B5EF4-FFF2-40B4-BE49-F238E27FC236}">
+                    <a16:creationId xmlns:a16="http://schemas.microsoft.com/office/drawing/2014/main" id="{6F848A8F-779B-73D6-91AC-50A5E3EF4208}"/>
+                  </a:ext>
+                </a:extLst>
+              </p:cNvPr>
+              <p:cNvPicPr/>
+              <p:nvPr/>
+            </p:nvPicPr>
+            <p:blipFill>
+              <a:blip r:embed="rId6"/>
+              <a:stretch>
+                <a:fillRect/>
+              </a:stretch>
+            </p:blipFill>
+            <p:spPr>
+              <a:xfrm>
+                <a:off x="1864359" y="5949341"/>
+                <a:ext cx="814680" cy="264600"/>
+              </a:xfrm>
+              <a:prstGeom prst="rect">
+                <a:avLst/>
+              </a:prstGeom>
+            </p:spPr>
+          </p:pic>
+        </mc:Fallback>
+      </mc:AlternateContent>
+      <mc:AlternateContent xmlns:mc="http://schemas.openxmlformats.org/markup-compatibility/2006" xmlns:p14="http://schemas.microsoft.com/office/powerpoint/2010/main">
+        <mc:Choice Requires="p14">
+          <p:contentPart p14:bwMode="auto" r:id="rId7">
+            <p14:nvContentPartPr>
+              <p14:cNvPr id="11" name="Ink 10">
+                <a:extLst>
+                  <a:ext uri="{FF2B5EF4-FFF2-40B4-BE49-F238E27FC236}">
+                    <a16:creationId xmlns:a16="http://schemas.microsoft.com/office/drawing/2014/main" id="{0D2440E6-9604-7D49-31DC-A5D01DFD5180}"/>
+                  </a:ext>
+                </a:extLst>
+              </p14:cNvPr>
+              <p14:cNvContentPartPr/>
+              <p14:nvPr/>
+            </p14:nvContentPartPr>
+            <p14:xfrm>
+              <a:off x="599679" y="6203141"/>
+              <a:ext cx="2416680" cy="159120"/>
+            </p14:xfrm>
+          </p:contentPart>
+        </mc:Choice>
+        <mc:Fallback xmlns="">
+          <p:pic>
+            <p:nvPicPr>
+              <p:cNvPr id="11" name="Ink 10">
+                <a:extLst>
+                  <a:ext uri="{FF2B5EF4-FFF2-40B4-BE49-F238E27FC236}">
+                    <a16:creationId xmlns:a16="http://schemas.microsoft.com/office/drawing/2014/main" id="{0D2440E6-9604-7D49-31DC-A5D01DFD5180}"/>
+                  </a:ext>
+                </a:extLst>
+              </p:cNvPr>
+              <p:cNvPicPr/>
+              <p:nvPr/>
+            </p:nvPicPr>
+            <p:blipFill>
+              <a:blip r:embed="rId8"/>
+              <a:stretch>
+                <a:fillRect/>
+              </a:stretch>
+            </p:blipFill>
+            <p:spPr>
+              <a:xfrm>
+                <a:off x="546039" y="6095141"/>
+                <a:ext cx="2524320" cy="374760"/>
+              </a:xfrm>
+              <a:prstGeom prst="rect">
+                <a:avLst/>
+              </a:prstGeom>
+            </p:spPr>
+          </p:pic>
+        </mc:Fallback>
+      </mc:AlternateContent>
+    </p:spTree>
+    <p:extLst>
+      <p:ext uri="{BB962C8B-B14F-4D97-AF65-F5344CB8AC3E}">
+        <p14:creationId xmlns:p14="http://schemas.microsoft.com/office/powerpoint/2010/main" val="1008441309"/>
+      </p:ext>
+    </p:extLst>
+  </p:cSld>
+  <p:clrMapOvr>
+    <a:masterClrMapping/>
+  </p:clrMapOvr>
+</p:sld>
+</file>
+
+<file path=ppt/slides/slide8.xml><?xml version="1.0" encoding="utf-8"?>
+<p:sld xmlns:a="http://schemas.openxmlformats.org/drawingml/2006/main" xmlns:r="http://schemas.openxmlformats.org/officeDocument/2006/relationships" xmlns:p="http://schemas.openxmlformats.org/presentationml/2006/main">
+  <p:cSld>
+    <p:spTree>
+      <p:nvGrpSpPr>
+        <p:cNvPr id="1" name=""/>
+        <p:cNvGrpSpPr/>
+        <p:nvPr/>
+      </p:nvGrpSpPr>
+      <p:grpSpPr>
+        <a:xfrm>
+          <a:off x="0" y="0"/>
+          <a:ext cx="0" cy="0"/>
+          <a:chOff x="0" y="0"/>
+          <a:chExt cx="0" cy="0"/>
+        </a:xfrm>
+      </p:grpSpPr>
+      <p:sp>
+        <p:nvSpPr>
+          <p:cNvPr id="2" name="Title 1">
+            <a:extLst>
+              <a:ext uri="{FF2B5EF4-FFF2-40B4-BE49-F238E27FC236}">
+                <a16:creationId xmlns:a16="http://schemas.microsoft.com/office/drawing/2014/main" id="{11CDB7FB-9CF5-CB52-26F4-273D4CCA8E73}"/>
+              </a:ext>
+            </a:extLst>
+          </p:cNvPr>
+          <p:cNvSpPr>
+            <a:spLocks noGrp="1"/>
+          </p:cNvSpPr>
+          <p:nvPr>
+            <p:ph type="title"/>
+          </p:nvPr>
+        </p:nvSpPr>
+        <p:spPr/>
+        <p:txBody>
+          <a:bodyPr/>
+          <a:lstStyle/>
+          <a:p>
+            <a:r>
+              <a:rPr lang="en-US" dirty="0" err="1"/>
+              <a:t>HWVaporSalesManager</a:t>
+            </a:r>
+            <a:endParaRPr lang="en-US" dirty="0"/>
+          </a:p>
+        </p:txBody>
+      </p:sp>
+      <p:sp>
+        <p:nvSpPr>
+          <p:cNvPr id="3" name="Content Placeholder 2">
+            <a:extLst>
+              <a:ext uri="{FF2B5EF4-FFF2-40B4-BE49-F238E27FC236}">
+                <a16:creationId xmlns:a16="http://schemas.microsoft.com/office/drawing/2014/main" id="{77170E1C-AA8D-A9B0-FEFF-971EFD5BC00D}"/>
+              </a:ext>
+            </a:extLst>
+          </p:cNvPr>
+          <p:cNvSpPr>
+            <a:spLocks noGrp="1"/>
+          </p:cNvSpPr>
+          <p:nvPr>
+            <p:ph idx="1"/>
+          </p:nvPr>
+        </p:nvSpPr>
+        <p:spPr/>
+        <p:txBody>
+          <a:bodyPr/>
+          <a:lstStyle/>
+          <a:p>
+            <a:r>
+              <a:rPr lang="en-US" dirty="0"/>
+              <a:t>New HW this quarter!</a:t>
+            </a:r>
+          </a:p>
+          <a:p>
+            <a:r>
+              <a:rPr lang="en-US" dirty="0"/>
+              <a:t>Design Problem due </a:t>
+            </a:r>
+            <a:r>
+              <a:rPr lang="en-US" b="1" u="sng" dirty="0">
+                <a:highlight>
+                  <a:srgbClr val="FFFF00"/>
+                </a:highlight>
+              </a:rPr>
+              <a:t>Friday night</a:t>
+            </a:r>
+          </a:p>
+          <a:p>
+            <a:pPr lvl="1"/>
+            <a:r>
+              <a:rPr lang="en-US" b="1" u="sng" dirty="0">
+                <a:highlight>
+                  <a:srgbClr val="FFFF00"/>
+                </a:highlight>
+              </a:rPr>
+              <a:t>No extensions possible:</a:t>
+            </a:r>
+          </a:p>
+          <a:p>
+            <a:r>
+              <a:rPr lang="en-US" dirty="0"/>
+              <a:t>Solution shared via Piazza Sat. Morning</a:t>
+            </a:r>
+          </a:p>
+          <a:p>
+            <a:r>
+              <a:rPr lang="en-US" dirty="0"/>
+              <a:t>You have a homework to implement the solution to this design problem</a:t>
+            </a:r>
+          </a:p>
+          <a:p>
+            <a:r>
+              <a:rPr lang="en-US" b="1" dirty="0"/>
+              <a:t>We will import the new Project now…</a:t>
+            </a:r>
+          </a:p>
+          <a:p>
+            <a:endParaRPr lang="en-US" dirty="0"/>
+          </a:p>
+        </p:txBody>
+      </p:sp>
+    </p:spTree>
+    <p:extLst>
+      <p:ext uri="{BB962C8B-B14F-4D97-AF65-F5344CB8AC3E}">
+        <p14:creationId xmlns:p14="http://schemas.microsoft.com/office/powerpoint/2010/main" val="1042169310"/>
+      </p:ext>
+    </p:extLst>
+  </p:cSld>
+  <p:clrMapOvr>
+    <a:masterClrMapping/>
+  </p:clrMapOvr>
+</p:sld>
+</file>
+
+<file path=ppt/slides/slide9.xml><?xml version="1.0" encoding="utf-8"?>
+<p:sld xmlns:a="http://schemas.openxmlformats.org/drawingml/2006/main" xmlns:r="http://schemas.openxmlformats.org/officeDocument/2006/relationships" xmlns:p="http://schemas.openxmlformats.org/presentationml/2006/main">
+  <p:cSld>
+    <p:spTree>
+      <p:nvGrpSpPr>
+        <p:cNvPr id="1" name=""/>
+        <p:cNvGrpSpPr/>
+        <p:nvPr/>
+      </p:nvGrpSpPr>
+      <p:grpSpPr>
+        <a:xfrm>
+          <a:off x="0" y="0"/>
+          <a:ext cx="0" cy="0"/>
+          <a:chOff x="0" y="0"/>
+          <a:chExt cx="0" cy="0"/>
+        </a:xfrm>
+      </p:grpSpPr>
+      <p:sp>
+        <p:nvSpPr>
+          <p:cNvPr id="2" name="Title 1">
+            <a:extLst>
+              <a:ext uri="{FF2B5EF4-FFF2-40B4-BE49-F238E27FC236}">
+                <a16:creationId xmlns:a16="http://schemas.microsoft.com/office/drawing/2014/main" id="{1E4BA9A1-E60D-B6B5-E14E-BDE68F028FA3}"/>
+              </a:ext>
+            </a:extLst>
+          </p:cNvPr>
+          <p:cNvSpPr>
+            <a:spLocks noGrp="1"/>
+          </p:cNvSpPr>
+          <p:nvPr>
+            <p:ph type="title"/>
+          </p:nvPr>
+        </p:nvSpPr>
+        <p:spPr/>
+        <p:txBody>
+          <a:bodyPr/>
+          <a:lstStyle/>
+          <a:p>
+            <a:r>
+              <a:rPr lang="en-US" dirty="0"/>
+              <a:t>Importing </a:t>
+            </a:r>
+            <a:r>
+              <a:rPr lang="en-US" dirty="0" err="1"/>
+              <a:t>HWVaporSalesManager</a:t>
+            </a:r>
+            <a:endParaRPr lang="en-US" dirty="0"/>
+          </a:p>
+        </p:txBody>
+      </p:sp>
+      <p:sp>
+        <p:nvSpPr>
+          <p:cNvPr id="3" name="Content Placeholder 2">
+            <a:extLst>
+              <a:ext uri="{FF2B5EF4-FFF2-40B4-BE49-F238E27FC236}">
+                <a16:creationId xmlns:a16="http://schemas.microsoft.com/office/drawing/2014/main" id="{BE6B0DA1-A430-2382-18E5-F760FCB88155}"/>
+              </a:ext>
+            </a:extLst>
+          </p:cNvPr>
+          <p:cNvSpPr>
+            <a:spLocks noGrp="1"/>
+          </p:cNvSpPr>
+          <p:nvPr>
+            <p:ph idx="1"/>
+          </p:nvPr>
+        </p:nvSpPr>
+        <p:spPr/>
+        <p:txBody>
+          <a:bodyPr>
+            <a:normAutofit/>
+          </a:bodyPr>
+          <a:lstStyle/>
+          <a:p>
+            <a:r>
+              <a:rPr lang="en-US" sz="2000" dirty="0"/>
+              <a:t>Instructions:</a:t>
+            </a:r>
+            <a:endParaRPr lang="en-US" sz="2000" dirty="0">
+              <a:hlinkClick r:id=""/>
+            </a:endParaRPr>
+          </a:p>
+          <a:p>
+            <a:r>
+              <a:rPr lang="en-US" sz="2000" dirty="0">
+                <a:hlinkClick r:id=""/>
+              </a:rPr>
+              <a:t>https://github.com/RHIT-CSSE/csse220/tree/master/Homework/HWVaporSalesManager</a:t>
+            </a:r>
+            <a:endParaRPr lang="en-US" sz="2000" dirty="0"/>
+          </a:p>
+          <a:p>
+            <a:r>
+              <a:rPr lang="en-US" sz="2000" dirty="0"/>
+              <a:t>Download this (clicking the link will start the download):</a:t>
+            </a:r>
+          </a:p>
+          <a:p>
+            <a:r>
+              <a:rPr lang="en-US" sz="2000" dirty="0">
+                <a:hlinkClick r:id="rId2"/>
+              </a:rPr>
+              <a:t>https://github.com/RHIT-CSSE/csse220/raw/master/Homework/HWVaporSalesManager/HWVaporSalesManager.zip</a:t>
+            </a:r>
+            <a:endParaRPr lang="en-US" sz="2000" dirty="0"/>
+          </a:p>
+          <a:p>
+            <a:r>
+              <a:rPr lang="en-US" sz="2000" dirty="0"/>
+              <a:t>Save it to a place you can find easily (Downloads folder is OK)</a:t>
+            </a:r>
+          </a:p>
+          <a:p>
+            <a:r>
+              <a:rPr lang="en-US" sz="2000" dirty="0"/>
+              <a:t>Next Open Eclipse and Import it (screenshots on next slide)</a:t>
+            </a:r>
+          </a:p>
+          <a:p>
+            <a:pPr lvl="1"/>
+            <a:r>
+              <a:rPr lang="en-US" sz="1600" dirty="0"/>
+              <a:t>Import -&gt; General -&gt;Existing Projects into Workspace-&gt; Next</a:t>
+            </a:r>
+          </a:p>
+          <a:p>
+            <a:pPr lvl="1"/>
+            <a:r>
+              <a:rPr lang="en-US" sz="1600" dirty="0"/>
+              <a:t>Select archive file:   ….. HWVaporSalesManager.zip  -&gt; Finish</a:t>
+            </a:r>
+          </a:p>
+          <a:p>
+            <a:r>
+              <a:rPr lang="en-US" sz="2000" dirty="0"/>
+              <a:t>If you are using “Working sets” you may want to add it to your Homework “Working set” for easily finding it later</a:t>
+            </a:r>
+          </a:p>
+        </p:txBody>
+      </p:sp>
+      <p:pic>
+        <p:nvPicPr>
+          <p:cNvPr id="5" name="Picture 4">
+            <a:extLst>
+              <a:ext uri="{FF2B5EF4-FFF2-40B4-BE49-F238E27FC236}">
+                <a16:creationId xmlns:a16="http://schemas.microsoft.com/office/drawing/2014/main" id="{022ACA23-93A2-25A4-F26B-191EE5F635E0}"/>
+              </a:ext>
+            </a:extLst>
+          </p:cNvPr>
+          <p:cNvPicPr>
+            <a:picLocks noChangeAspect="1"/>
+          </p:cNvPicPr>
+          <p:nvPr/>
+        </p:nvPicPr>
+        <p:blipFill>
+          <a:blip r:embed="rId3"/>
+          <a:stretch>
+            <a:fillRect/>
+          </a:stretch>
+        </p:blipFill>
+        <p:spPr>
+          <a:xfrm>
+            <a:off x="1160557" y="6037975"/>
+            <a:ext cx="4912698" cy="820025"/>
           </a:xfrm>
           <a:prstGeom prst="rect">
             <a:avLst/>
@@ -6047,7 +7108,7 @@
     </p:spTree>
     <p:extLst>
       <p:ext uri="{BB962C8B-B14F-4D97-AF65-F5344CB8AC3E}">
-        <p14:creationId xmlns:p14="http://schemas.microsoft.com/office/powerpoint/2010/main" val="1008441309"/>
+        <p14:creationId xmlns:p14="http://schemas.microsoft.com/office/powerpoint/2010/main" val="2854757972"/>
       </p:ext>
     </p:extLst>
   </p:cSld>
@@ -6889,6 +7950,12 @@
 </file>
 
 <file path=customXml/item1.xml><?xml version="1.0" encoding="utf-8"?>
+<p:properties xmlns:p="http://schemas.microsoft.com/office/2006/metadata/properties" xmlns:xsi="http://www.w3.org/2001/XMLSchema-instance" xmlns:pc="http://schemas.microsoft.com/office/infopath/2007/PartnerControls">
+  <documentManagement/>
+</p:properties>
+</file>
+
+<file path=customXml/item2.xml><?xml version="1.0" encoding="utf-8"?>
 <?mso-contentType ?>
 <FormTemplates xmlns="http://schemas.microsoft.com/sharepoint/v3/contenttype/forms">
   <Display>DocumentLibraryForm</Display>
@@ -6897,7 +7964,7 @@
 </FormTemplates>
 </file>
 
-<file path=customXml/item2.xml><?xml version="1.0" encoding="utf-8"?>
+<file path=customXml/item3.xml><?xml version="1.0" encoding="utf-8"?>
 <ct:contentTypeSchema xmlns:ct="http://schemas.microsoft.com/office/2006/metadata/contentType" xmlns:ma="http://schemas.microsoft.com/office/2006/metadata/properties/metaAttributes" ct:_="" ma:_="" ma:contentTypeName="Document" ma:contentTypeID="0x0101001570BCAAD2E4294F9443DCB038A55380" ma:contentTypeVersion="8" ma:contentTypeDescription="Create a new document." ma:contentTypeScope="" ma:versionID="9523c79d6bab9e2ad858b5223ec5ed94">
   <xsd:schema xmlns:xsd="http://www.w3.org/2001/XMLSchema" xmlns:xs="http://www.w3.org/2001/XMLSchema" xmlns:p="http://schemas.microsoft.com/office/2006/metadata/properties" xmlns:ns2="201674f6-2bdd-4f13-ba1e-424e4aa70473" targetNamespace="http://schemas.microsoft.com/office/2006/metadata/properties" ma:root="true" ma:fieldsID="587afc94f70b507ec5be5f4d78229b0b" ns2:_="">
     <xsd:import namespace="201674f6-2bdd-4f13-ba1e-424e4aa70473"/>
@@ -7067,13 +8134,16 @@
 </ct:contentTypeSchema>
 </file>
 
-<file path=customXml/item3.xml><?xml version="1.0" encoding="utf-8"?>
-<p:properties xmlns:p="http://schemas.microsoft.com/office/2006/metadata/properties" xmlns:xsi="http://www.w3.org/2001/XMLSchema-instance" xmlns:pc="http://schemas.microsoft.com/office/infopath/2007/PartnerControls">
-  <documentManagement/>
-</p:properties>
+<file path=customXml/itemProps1.xml><?xml version="1.0" encoding="utf-8"?>
+<ds:datastoreItem xmlns:ds="http://schemas.openxmlformats.org/officeDocument/2006/customXml" ds:itemID="{A396EFD4-1250-457A-AB4B-16A5266B50A5}">
+  <ds:schemaRefs>
+    <ds:schemaRef ds:uri="http://schemas.microsoft.com/office/2006/metadata/properties"/>
+    <ds:schemaRef ds:uri="http://schemas.microsoft.com/office/infopath/2007/PartnerControls"/>
+  </ds:schemaRefs>
+</ds:datastoreItem>
 </file>
 
-<file path=customXml/itemProps1.xml><?xml version="1.0" encoding="utf-8"?>
+<file path=customXml/itemProps2.xml><?xml version="1.0" encoding="utf-8"?>
 <ds:datastoreItem xmlns:ds="http://schemas.openxmlformats.org/officeDocument/2006/customXml" ds:itemID="{B83796DB-86E9-4D44-9BCB-A762264A5AFE}">
   <ds:schemaRefs>
     <ds:schemaRef ds:uri="http://schemas.microsoft.com/sharepoint/v3/contenttype/forms"/>
@@ -7081,7 +8151,7 @@
 </ds:datastoreItem>
 </file>
 
-<file path=customXml/itemProps2.xml><?xml version="1.0" encoding="utf-8"?>
+<file path=customXml/itemProps3.xml><?xml version="1.0" encoding="utf-8"?>
 <ds:datastoreItem xmlns:ds="http://schemas.openxmlformats.org/officeDocument/2006/customXml" ds:itemID="{4055B637-E92D-4086-B83D-87288CBA5498}">
   <ds:schemaRefs>
     <ds:schemaRef ds:uri="http://schemas.microsoft.com/office/2006/metadata/contentType"/>
@@ -7097,13 +8167,4 @@
     <ds:schemaRef ds:uri="http://schemas.microsoft.com/internal/obd"/>
   </ds:schemaRefs>
 </ds:datastoreItem>
-</file>
-
-<file path=customXml/itemProps3.xml><?xml version="1.0" encoding="utf-8"?>
-<ds:datastoreItem xmlns:ds="http://schemas.openxmlformats.org/officeDocument/2006/customXml" ds:itemID="{A396EFD4-1250-457A-AB4B-16A5266B50A5}">
-  <ds:schemaRefs>
-    <ds:schemaRef ds:uri="http://schemas.microsoft.com/office/2006/metadata/properties"/>
-    <ds:schemaRef ds:uri="http://schemas.microsoft.com/office/infopath/2007/PartnerControls"/>
-  </ds:schemaRefs>
-</ds:datastoreItem>
 </file>
--- a/ClassMaterials/Encapsulation/Slides/Part2-SETechniques-Principle3.pptx
+++ b/ClassMaterials/Encapsulation/Slides/Part2-SETechniques-Principle3.pptx
@@ -5,10 +5,10 @@
     <p:sldMasterId id="2147483648" r:id="rId4"/>
   </p:sldMasterIdLst>
   <p:notesMasterIdLst>
-    <p:notesMasterId r:id="rId15"/>
+    <p:notesMasterId r:id="rId12"/>
   </p:notesMasterIdLst>
   <p:handoutMasterIdLst>
-    <p:handoutMasterId r:id="rId16"/>
+    <p:handoutMasterId r:id="rId13"/>
   </p:handoutMasterIdLst>
   <p:sldIdLst>
     <p:sldId id="284" r:id="rId5"/>
@@ -18,9 +18,6 @@
     <p:sldId id="424" r:id="rId9"/>
     <p:sldId id="425" r:id="rId10"/>
     <p:sldId id="437" r:id="rId11"/>
-    <p:sldId id="441" r:id="rId12"/>
-    <p:sldId id="439" r:id="rId13"/>
-    <p:sldId id="440" r:id="rId14"/>
   </p:sldIdLst>
   <p:sldSz cx="9144000" cy="6858000" type="screen4x3"/>
   <p:notesSz cx="6858000" cy="9144000"/>
@@ -145,154 +142,6 @@
 </p:cmAuthorLst>
 </file>
 
-<file path=ppt/revisionInfo.xml><?xml version="1.0" encoding="utf-8"?>
-<p1510:revInfo xmlns:a="http://schemas.openxmlformats.org/drawingml/2006/main" xmlns:r="http://schemas.openxmlformats.org/officeDocument/2006/relationships" xmlns:p1510="http://schemas.microsoft.com/office/powerpoint/2015/10/main">
-  <p1510:revLst>
-    <p1510:client id="{3459D056-F848-4B5F-8AE9-9CFC4FE531EF}" v="6" dt="2023-09-13T20:02:03.709"/>
-  </p1510:revLst>
-</p1510:revInfo>
-</file>
-
-<file path=ppt/changesInfos/changesInfo1.xml><?xml version="1.0" encoding="utf-8"?>
-<pc:chgInfo xmlns:a="http://schemas.openxmlformats.org/drawingml/2006/main" xmlns:r="http://schemas.openxmlformats.org/officeDocument/2006/relationships" xmlns:ac="http://schemas.microsoft.com/office/drawing/2013/main/command" xmlns:pc="http://schemas.microsoft.com/office/powerpoint/2013/main/command">
-  <pc:docChgLst>
-    <pc:chgData name="Yoder, Jason" userId="28f4d4d8-da04-4f86-b14d-a21675737bc5" providerId="ADAL" clId="{3459D056-F848-4B5F-8AE9-9CFC4FE531EF}"/>
-    <pc:docChg chg="custSel modSld">
-      <pc:chgData name="Yoder, Jason" userId="28f4d4d8-da04-4f86-b14d-a21675737bc5" providerId="ADAL" clId="{3459D056-F848-4B5F-8AE9-9CFC4FE531EF}" dt="2023-09-13T20:03:20.870" v="559" actId="20577"/>
-      <pc:docMkLst>
-        <pc:docMk/>
-      </pc:docMkLst>
-      <pc:sldChg chg="addSp modSp mod">
-        <pc:chgData name="Yoder, Jason" userId="28f4d4d8-da04-4f86-b14d-a21675737bc5" providerId="ADAL" clId="{3459D056-F848-4B5F-8AE9-9CFC4FE531EF}" dt="2023-09-13T20:03:20.870" v="559" actId="20577"/>
-        <pc:sldMkLst>
-          <pc:docMk/>
-          <pc:sldMk cId="2854757972" sldId="439"/>
-        </pc:sldMkLst>
-        <pc:spChg chg="mod">
-          <ac:chgData name="Yoder, Jason" userId="28f4d4d8-da04-4f86-b14d-a21675737bc5" providerId="ADAL" clId="{3459D056-F848-4B5F-8AE9-9CFC4FE531EF}" dt="2023-09-13T20:03:20.870" v="559" actId="20577"/>
-          <ac:spMkLst>
-            <pc:docMk/>
-            <pc:sldMk cId="2854757972" sldId="439"/>
-            <ac:spMk id="3" creationId="{BE6B0DA1-A430-2382-18E5-F760FCB88155}"/>
-          </ac:spMkLst>
-        </pc:spChg>
-        <pc:picChg chg="add mod">
-          <ac:chgData name="Yoder, Jason" userId="28f4d4d8-da04-4f86-b14d-a21675737bc5" providerId="ADAL" clId="{3459D056-F848-4B5F-8AE9-9CFC4FE531EF}" dt="2023-09-13T19:58:02.084" v="392" actId="1076"/>
-          <ac:picMkLst>
-            <pc:docMk/>
-            <pc:sldMk cId="2854757972" sldId="439"/>
-            <ac:picMk id="5" creationId="{022ACA23-93A2-25A4-F26B-191EE5F635E0}"/>
-          </ac:picMkLst>
-        </pc:picChg>
-      </pc:sldChg>
-      <pc:sldChg chg="addSp delSp modSp mod">
-        <pc:chgData name="Yoder, Jason" userId="28f4d4d8-da04-4f86-b14d-a21675737bc5" providerId="ADAL" clId="{3459D056-F848-4B5F-8AE9-9CFC4FE531EF}" dt="2023-09-13T20:02:26.671" v="525" actId="20577"/>
-        <pc:sldMkLst>
-          <pc:docMk/>
-          <pc:sldMk cId="525849186" sldId="440"/>
-        </pc:sldMkLst>
-        <pc:spChg chg="del">
-          <ac:chgData name="Yoder, Jason" userId="28f4d4d8-da04-4f86-b14d-a21675737bc5" providerId="ADAL" clId="{3459D056-F848-4B5F-8AE9-9CFC4FE531EF}" dt="2023-09-13T19:58:07.446" v="393" actId="478"/>
-          <ac:spMkLst>
-            <pc:docMk/>
-            <pc:sldMk cId="525849186" sldId="440"/>
-            <ac:spMk id="2" creationId="{827B5C49-109D-2C3D-8EAD-A854596C0FF8}"/>
-          </ac:spMkLst>
-        </pc:spChg>
-        <pc:spChg chg="del">
-          <ac:chgData name="Yoder, Jason" userId="28f4d4d8-da04-4f86-b14d-a21675737bc5" providerId="ADAL" clId="{3459D056-F848-4B5F-8AE9-9CFC4FE531EF}" dt="2023-09-13T19:58:10.143" v="394" actId="478"/>
-          <ac:spMkLst>
-            <pc:docMk/>
-            <pc:sldMk cId="525849186" sldId="440"/>
-            <ac:spMk id="3" creationId="{94F0513C-EF11-0195-7033-17A54FC99631}"/>
-          </ac:spMkLst>
-        </pc:spChg>
-        <pc:spChg chg="add mod">
-          <ac:chgData name="Yoder, Jason" userId="28f4d4d8-da04-4f86-b14d-a21675737bc5" providerId="ADAL" clId="{3459D056-F848-4B5F-8AE9-9CFC4FE531EF}" dt="2023-09-13T20:02:26.671" v="525" actId="20577"/>
-          <ac:spMkLst>
-            <pc:docMk/>
-            <pc:sldMk cId="525849186" sldId="440"/>
-            <ac:spMk id="10" creationId="{7F156DD5-6BFD-C6F9-8D05-F90173985E9C}"/>
-          </ac:spMkLst>
-        </pc:spChg>
-        <pc:spChg chg="add mod">
-          <ac:chgData name="Yoder, Jason" userId="28f4d4d8-da04-4f86-b14d-a21675737bc5" providerId="ADAL" clId="{3459D056-F848-4B5F-8AE9-9CFC4FE531EF}" dt="2023-09-13T20:01:33.029" v="486" actId="1076"/>
-          <ac:spMkLst>
-            <pc:docMk/>
-            <pc:sldMk cId="525849186" sldId="440"/>
-            <ac:spMk id="12" creationId="{09D4A83C-90A6-CCC5-CF18-B5B5E52611DC}"/>
-          </ac:spMkLst>
-        </pc:spChg>
-        <pc:spChg chg="add mod">
-          <ac:chgData name="Yoder, Jason" userId="28f4d4d8-da04-4f86-b14d-a21675737bc5" providerId="ADAL" clId="{3459D056-F848-4B5F-8AE9-9CFC4FE531EF}" dt="2023-09-13T20:01:26.940" v="485" actId="1076"/>
-          <ac:spMkLst>
-            <pc:docMk/>
-            <pc:sldMk cId="525849186" sldId="440"/>
-            <ac:spMk id="13" creationId="{069E3E2C-59E0-A35D-10D0-F57B60634526}"/>
-          </ac:spMkLst>
-        </pc:spChg>
-        <pc:spChg chg="add mod">
-          <ac:chgData name="Yoder, Jason" userId="28f4d4d8-da04-4f86-b14d-a21675737bc5" providerId="ADAL" clId="{3459D056-F848-4B5F-8AE9-9CFC4FE531EF}" dt="2023-09-13T20:01:21.245" v="484" actId="1076"/>
-          <ac:spMkLst>
-            <pc:docMk/>
-            <pc:sldMk cId="525849186" sldId="440"/>
-            <ac:spMk id="14" creationId="{48ADB038-8D35-D0F9-51C3-856FF40C44DB}"/>
-          </ac:spMkLst>
-        </pc:spChg>
-        <pc:spChg chg="add mod">
-          <ac:chgData name="Yoder, Jason" userId="28f4d4d8-da04-4f86-b14d-a21675737bc5" providerId="ADAL" clId="{3459D056-F848-4B5F-8AE9-9CFC4FE531EF}" dt="2023-09-13T20:02:11.802" v="520" actId="1076"/>
-          <ac:spMkLst>
-            <pc:docMk/>
-            <pc:sldMk cId="525849186" sldId="440"/>
-            <ac:spMk id="15" creationId="{9444B3C0-9C10-E5B2-9595-3F1330BE9680}"/>
-          </ac:spMkLst>
-        </pc:spChg>
-        <pc:picChg chg="mod">
-          <ac:chgData name="Yoder, Jason" userId="28f4d4d8-da04-4f86-b14d-a21675737bc5" providerId="ADAL" clId="{3459D056-F848-4B5F-8AE9-9CFC4FE531EF}" dt="2023-09-13T19:59:32.500" v="417" actId="1076"/>
-          <ac:picMkLst>
-            <pc:docMk/>
-            <pc:sldMk cId="525849186" sldId="440"/>
-            <ac:picMk id="5" creationId="{4D8C92A8-A9E0-0E69-1CC6-90A4B52D3AA9}"/>
-          </ac:picMkLst>
-        </pc:picChg>
-        <pc:picChg chg="add mod">
-          <ac:chgData name="Yoder, Jason" userId="28f4d4d8-da04-4f86-b14d-a21675737bc5" providerId="ADAL" clId="{3459D056-F848-4B5F-8AE9-9CFC4FE531EF}" dt="2023-09-13T19:58:57.849" v="401" actId="208"/>
-          <ac:picMkLst>
-            <pc:docMk/>
-            <pc:sldMk cId="525849186" sldId="440"/>
-            <ac:picMk id="6" creationId="{F09A0873-E500-AF80-108E-3DE93A906B17}"/>
-          </ac:picMkLst>
-        </pc:picChg>
-        <pc:picChg chg="del mod">
-          <ac:chgData name="Yoder, Jason" userId="28f4d4d8-da04-4f86-b14d-a21675737bc5" providerId="ADAL" clId="{3459D056-F848-4B5F-8AE9-9CFC4FE531EF}" dt="2023-09-13T20:01:06.557" v="481" actId="478"/>
-          <ac:picMkLst>
-            <pc:docMk/>
-            <pc:sldMk cId="525849186" sldId="440"/>
-            <ac:picMk id="7" creationId="{4B8DF447-73CB-5E5A-15BC-767E94E634C8}"/>
-          </ac:picMkLst>
-        </pc:picChg>
-        <pc:picChg chg="mod">
-          <ac:chgData name="Yoder, Jason" userId="28f4d4d8-da04-4f86-b14d-a21675737bc5" providerId="ADAL" clId="{3459D056-F848-4B5F-8AE9-9CFC4FE531EF}" dt="2023-09-13T20:01:09.259" v="482" actId="1076"/>
-          <ac:picMkLst>
-            <pc:docMk/>
-            <pc:sldMk cId="525849186" sldId="440"/>
-            <ac:picMk id="9" creationId="{CB8106F0-55E3-B892-53A2-A48C07A0D2B6}"/>
-          </ac:picMkLst>
-        </pc:picChg>
-        <pc:picChg chg="add mod">
-          <ac:chgData name="Yoder, Jason" userId="28f4d4d8-da04-4f86-b14d-a21675737bc5" providerId="ADAL" clId="{3459D056-F848-4B5F-8AE9-9CFC4FE531EF}" dt="2023-09-13T20:00:29.796" v="465" actId="1076"/>
-          <ac:picMkLst>
-            <pc:docMk/>
-            <pc:sldMk cId="525849186" sldId="440"/>
-            <ac:picMk id="11" creationId="{9C635F62-B74F-E40A-0DA1-3081AC7B4253}"/>
-          </ac:picMkLst>
-        </pc:picChg>
-      </pc:sldChg>
-    </pc:docChg>
-  </pc:docChgLst>
-</pc:chgInfo>
-</file>
-
 <file path=ppt/handoutMasters/handoutMaster1.xml><?xml version="1.0" encoding="utf-8"?>
 <p:handoutMaster xmlns:a="http://schemas.openxmlformats.org/drawingml/2006/main" xmlns:r="http://schemas.openxmlformats.org/officeDocument/2006/relationships" xmlns:p="http://schemas.openxmlformats.org/presentationml/2006/main">
   <p:cSld>
@@ -375,7 +224,7 @@
           <a:p>
             <a:fld id="{4F942F4A-6994-3A49-9461-EE810FAF072D}" type="datetimeFigureOut">
               <a:rPr lang="en-US" smtClean="0"/>
-              <a:t>9/13/2023</a:t>
+              <a:t>9/12/2023</a:t>
             </a:fld>
             <a:endParaRPr lang="en-US"/>
           </a:p>
@@ -627,7 +476,7 @@
           <a:p>
             <a:fld id="{11374350-B736-4AC1-A1E7-19777DF1B0E1}" type="datetimeFigureOut">
               <a:rPr lang="en-US" smtClean="0"/>
-              <a:t>9/13/2023</a:t>
+              <a:t>9/12/2023</a:t>
             </a:fld>
             <a:endParaRPr lang="en-US"/>
           </a:p>
@@ -1618,7 +1467,7 @@
           <a:p>
             <a:fld id="{50A519B0-864F-436F-AD10-563B5AD2C023}" type="datetimeFigureOut">
               <a:rPr lang="en-US" smtClean="0"/>
-              <a:t>9/13/2023</a:t>
+              <a:t>9/12/2023</a:t>
             </a:fld>
             <a:endParaRPr lang="en-US"/>
           </a:p>
@@ -1786,7 +1635,7 @@
           <a:p>
             <a:fld id="{50A519B0-864F-436F-AD10-563B5AD2C023}" type="datetimeFigureOut">
               <a:rPr lang="en-US" smtClean="0"/>
-              <a:t>9/13/2023</a:t>
+              <a:t>9/12/2023</a:t>
             </a:fld>
             <a:endParaRPr lang="en-US"/>
           </a:p>
@@ -1964,7 +1813,7 @@
           <a:p>
             <a:fld id="{50A519B0-864F-436F-AD10-563B5AD2C023}" type="datetimeFigureOut">
               <a:rPr lang="en-US" smtClean="0"/>
-              <a:t>9/13/2023</a:t>
+              <a:t>9/12/2023</a:t>
             </a:fld>
             <a:endParaRPr lang="en-US"/>
           </a:p>
@@ -2132,7 +1981,7 @@
           <a:p>
             <a:fld id="{50A519B0-864F-436F-AD10-563B5AD2C023}" type="datetimeFigureOut">
               <a:rPr lang="en-US" smtClean="0"/>
-              <a:t>9/13/2023</a:t>
+              <a:t>9/12/2023</a:t>
             </a:fld>
             <a:endParaRPr lang="en-US"/>
           </a:p>
@@ -2377,7 +2226,7 @@
           <a:p>
             <a:fld id="{50A519B0-864F-436F-AD10-563B5AD2C023}" type="datetimeFigureOut">
               <a:rPr lang="en-US" smtClean="0"/>
-              <a:t>9/13/2023</a:t>
+              <a:t>9/12/2023</a:t>
             </a:fld>
             <a:endParaRPr lang="en-US"/>
           </a:p>
@@ -2662,7 +2511,7 @@
           <a:p>
             <a:fld id="{50A519B0-864F-436F-AD10-563B5AD2C023}" type="datetimeFigureOut">
               <a:rPr lang="en-US" smtClean="0"/>
-              <a:t>9/13/2023</a:t>
+              <a:t>9/12/2023</a:t>
             </a:fld>
             <a:endParaRPr lang="en-US"/>
           </a:p>
@@ -3081,7 +2930,7 @@
           <a:p>
             <a:fld id="{50A519B0-864F-436F-AD10-563B5AD2C023}" type="datetimeFigureOut">
               <a:rPr lang="en-US" smtClean="0"/>
-              <a:t>9/13/2023</a:t>
+              <a:t>9/12/2023</a:t>
             </a:fld>
             <a:endParaRPr lang="en-US"/>
           </a:p>
@@ -3198,7 +3047,7 @@
           <a:p>
             <a:fld id="{50A519B0-864F-436F-AD10-563B5AD2C023}" type="datetimeFigureOut">
               <a:rPr lang="en-US" smtClean="0"/>
-              <a:t>9/13/2023</a:t>
+              <a:t>9/12/2023</a:t>
             </a:fld>
             <a:endParaRPr lang="en-US"/>
           </a:p>
@@ -3293,7 +3142,7 @@
           <a:p>
             <a:fld id="{50A519B0-864F-436F-AD10-563B5AD2C023}" type="datetimeFigureOut">
               <a:rPr lang="en-US" smtClean="0"/>
-              <a:t>9/13/2023</a:t>
+              <a:t>9/12/2023</a:t>
             </a:fld>
             <a:endParaRPr lang="en-US"/>
           </a:p>
@@ -3568,7 +3417,7 @@
           <a:p>
             <a:fld id="{50A519B0-864F-436F-AD10-563B5AD2C023}" type="datetimeFigureOut">
               <a:rPr lang="en-US" smtClean="0"/>
-              <a:t>9/13/2023</a:t>
+              <a:t>9/12/2023</a:t>
             </a:fld>
             <a:endParaRPr lang="en-US"/>
           </a:p>
@@ -3820,7 +3669,7 @@
           <a:p>
             <a:fld id="{50A519B0-864F-436F-AD10-563B5AD2C023}" type="datetimeFigureOut">
               <a:rPr lang="en-US" smtClean="0"/>
-              <a:t>9/13/2023</a:t>
+              <a:t>9/12/2023</a:t>
             </a:fld>
             <a:endParaRPr lang="en-US"/>
           </a:p>
@@ -4031,7 +3880,7 @@
           <a:p>
             <a:fld id="{50A519B0-864F-436F-AD10-563B5AD2C023}" type="datetimeFigureOut">
               <a:rPr lang="en-US" smtClean="0"/>
-              <a:t>9/13/2023</a:t>
+              <a:t>9/12/2023</a:t>
             </a:fld>
             <a:endParaRPr lang="en-US"/>
           </a:p>
@@ -4499,384 +4348,6 @@
 </p:sld>
 </file>
 
-<file path=ppt/slides/slide10.xml><?xml version="1.0" encoding="utf-8"?>
-<p:sld xmlns:a="http://schemas.openxmlformats.org/drawingml/2006/main" xmlns:r="http://schemas.openxmlformats.org/officeDocument/2006/relationships" xmlns:p="http://schemas.openxmlformats.org/presentationml/2006/main">
-  <p:cSld>
-    <p:spTree>
-      <p:nvGrpSpPr>
-        <p:cNvPr id="1" name=""/>
-        <p:cNvGrpSpPr/>
-        <p:nvPr/>
-      </p:nvGrpSpPr>
-      <p:grpSpPr>
-        <a:xfrm>
-          <a:off x="0" y="0"/>
-          <a:ext cx="0" cy="0"/>
-          <a:chOff x="0" y="0"/>
-          <a:chExt cx="0" cy="0"/>
-        </a:xfrm>
-      </p:grpSpPr>
-      <p:pic>
-        <p:nvPicPr>
-          <p:cNvPr id="5" name="Picture 4">
-            <a:extLst>
-              <a:ext uri="{FF2B5EF4-FFF2-40B4-BE49-F238E27FC236}">
-                <a16:creationId xmlns:a16="http://schemas.microsoft.com/office/drawing/2014/main" id="{4D8C92A8-A9E0-0E69-1CC6-90A4B52D3AA9}"/>
-              </a:ext>
-            </a:extLst>
-          </p:cNvPr>
-          <p:cNvPicPr>
-            <a:picLocks noChangeAspect="1"/>
-          </p:cNvPicPr>
-          <p:nvPr/>
-        </p:nvPicPr>
-        <p:blipFill>
-          <a:blip r:embed="rId2"/>
-          <a:stretch>
-            <a:fillRect/>
-          </a:stretch>
-        </p:blipFill>
-        <p:spPr>
-          <a:xfrm>
-            <a:off x="1256935" y="43580"/>
-            <a:ext cx="5220429" cy="2743583"/>
-          </a:xfrm>
-          <a:prstGeom prst="rect">
-            <a:avLst/>
-          </a:prstGeom>
-          <a:ln>
-            <a:solidFill>
-              <a:schemeClr val="tx1"/>
-            </a:solidFill>
-          </a:ln>
-        </p:spPr>
-      </p:pic>
-      <p:pic>
-        <p:nvPicPr>
-          <p:cNvPr id="9" name="Picture 8">
-            <a:extLst>
-              <a:ext uri="{FF2B5EF4-FFF2-40B4-BE49-F238E27FC236}">
-                <a16:creationId xmlns:a16="http://schemas.microsoft.com/office/drawing/2014/main" id="{CB8106F0-55E3-B892-53A2-A48C07A0D2B6}"/>
-              </a:ext>
-            </a:extLst>
-          </p:cNvPr>
-          <p:cNvPicPr>
-            <a:picLocks noChangeAspect="1"/>
-          </p:cNvPicPr>
-          <p:nvPr/>
-        </p:nvPicPr>
-        <p:blipFill>
-          <a:blip r:embed="rId3"/>
-          <a:stretch>
-            <a:fillRect/>
-          </a:stretch>
-        </p:blipFill>
-        <p:spPr>
-          <a:xfrm>
-            <a:off x="3114674" y="2764354"/>
-            <a:ext cx="4963248" cy="1752600"/>
-          </a:xfrm>
-          <a:prstGeom prst="rect">
-            <a:avLst/>
-          </a:prstGeom>
-          <a:ln>
-            <a:solidFill>
-              <a:schemeClr val="tx1"/>
-            </a:solidFill>
-          </a:ln>
-        </p:spPr>
-      </p:pic>
-      <p:pic>
-        <p:nvPicPr>
-          <p:cNvPr id="6" name="Picture 5">
-            <a:extLst>
-              <a:ext uri="{FF2B5EF4-FFF2-40B4-BE49-F238E27FC236}">
-                <a16:creationId xmlns:a16="http://schemas.microsoft.com/office/drawing/2014/main" id="{F09A0873-E500-AF80-108E-3DE93A906B17}"/>
-              </a:ext>
-            </a:extLst>
-          </p:cNvPr>
-          <p:cNvPicPr>
-            <a:picLocks noChangeAspect="1"/>
-          </p:cNvPicPr>
-          <p:nvPr/>
-        </p:nvPicPr>
-        <p:blipFill>
-          <a:blip r:embed="rId4"/>
-          <a:stretch>
-            <a:fillRect/>
-          </a:stretch>
-        </p:blipFill>
-        <p:spPr>
-          <a:xfrm>
-            <a:off x="1" y="1"/>
-            <a:ext cx="929054" cy="2787162"/>
-          </a:xfrm>
-          <a:prstGeom prst="rect">
-            <a:avLst/>
-          </a:prstGeom>
-          <a:ln>
-            <a:solidFill>
-              <a:schemeClr val="tx1"/>
-            </a:solidFill>
-          </a:ln>
-        </p:spPr>
-      </p:pic>
-      <p:sp>
-        <p:nvSpPr>
-          <p:cNvPr id="10" name="TextBox 9">
-            <a:extLst>
-              <a:ext uri="{FF2B5EF4-FFF2-40B4-BE49-F238E27FC236}">
-                <a16:creationId xmlns:a16="http://schemas.microsoft.com/office/drawing/2014/main" id="{7F156DD5-6BFD-C6F9-8D05-F90173985E9C}"/>
-              </a:ext>
-            </a:extLst>
-          </p:cNvPr>
-          <p:cNvSpPr txBox="1"/>
-          <p:nvPr/>
-        </p:nvSpPr>
-        <p:spPr>
-          <a:xfrm>
-            <a:off x="-471487" y="4770280"/>
-            <a:ext cx="8549409" cy="1569660"/>
-          </a:xfrm>
-          <a:prstGeom prst="rect">
-            <a:avLst/>
-          </a:prstGeom>
-          <a:noFill/>
-        </p:spPr>
-        <p:txBody>
-          <a:bodyPr wrap="square">
-            <a:spAutoFit/>
-          </a:bodyPr>
-          <a:lstStyle/>
-          <a:p>
-            <a:pPr lvl="1"/>
-            <a:r>
-              <a:rPr lang="en-US" sz="2400" dirty="0"/>
-              <a:t>1. Eclipse File-&gt;Import</a:t>
-            </a:r>
-          </a:p>
-          <a:p>
-            <a:pPr lvl="1"/>
-            <a:r>
-              <a:rPr lang="en-US" sz="2400" dirty="0"/>
-              <a:t>2. Import -&gt; General -&gt;Existing Projects into Workspace -&gt; Next</a:t>
-            </a:r>
-          </a:p>
-          <a:p>
-            <a:pPr lvl="1"/>
-            <a:r>
-              <a:rPr lang="en-US" sz="2400" dirty="0"/>
-              <a:t>3. Select archive file:   ….. HWVaporSalesManager.zip </a:t>
-            </a:r>
-          </a:p>
-          <a:p>
-            <a:pPr lvl="1"/>
-            <a:r>
-              <a:rPr lang="en-US" sz="2400" dirty="0"/>
-              <a:t>4. Select Working set</a:t>
-            </a:r>
-          </a:p>
-        </p:txBody>
-      </p:sp>
-      <p:pic>
-        <p:nvPicPr>
-          <p:cNvPr id="11" name="Picture 10">
-            <a:extLst>
-              <a:ext uri="{FF2B5EF4-FFF2-40B4-BE49-F238E27FC236}">
-                <a16:creationId xmlns:a16="http://schemas.microsoft.com/office/drawing/2014/main" id="{9C635F62-B74F-E40A-0DA1-3081AC7B4253}"/>
-              </a:ext>
-            </a:extLst>
-          </p:cNvPr>
-          <p:cNvPicPr>
-            <a:picLocks noChangeAspect="1"/>
-          </p:cNvPicPr>
-          <p:nvPr/>
-        </p:nvPicPr>
-        <p:blipFill>
-          <a:blip r:embed="rId5"/>
-          <a:stretch>
-            <a:fillRect/>
-          </a:stretch>
-        </p:blipFill>
-        <p:spPr>
-          <a:xfrm>
-            <a:off x="4021015" y="6037975"/>
-            <a:ext cx="4912698" cy="820025"/>
-          </a:xfrm>
-          <a:prstGeom prst="rect">
-            <a:avLst/>
-          </a:prstGeom>
-        </p:spPr>
-      </p:pic>
-      <p:sp>
-        <p:nvSpPr>
-          <p:cNvPr id="12" name="TextBox 11">
-            <a:extLst>
-              <a:ext uri="{FF2B5EF4-FFF2-40B4-BE49-F238E27FC236}">
-                <a16:creationId xmlns:a16="http://schemas.microsoft.com/office/drawing/2014/main" id="{09D4A83C-90A6-CCC5-CF18-B5B5E52611DC}"/>
-              </a:ext>
-            </a:extLst>
-          </p:cNvPr>
-          <p:cNvSpPr txBox="1"/>
-          <p:nvPr/>
-        </p:nvSpPr>
-        <p:spPr>
-          <a:xfrm>
-            <a:off x="119515" y="2734686"/>
-            <a:ext cx="417102" cy="369332"/>
-          </a:xfrm>
-          <a:prstGeom prst="rect">
-            <a:avLst/>
-          </a:prstGeom>
-          <a:noFill/>
-        </p:spPr>
-        <p:txBody>
-          <a:bodyPr wrap="none" rtlCol="0">
-            <a:spAutoFit/>
-          </a:bodyPr>
-          <a:lstStyle/>
-          <a:p>
-            <a:r>
-              <a:rPr lang="en-US" b="1" dirty="0">
-                <a:solidFill>
-                  <a:srgbClr val="FF0000"/>
-                </a:solidFill>
-              </a:rPr>
-              <a:t>#1</a:t>
-            </a:r>
-          </a:p>
-        </p:txBody>
-      </p:sp>
-      <p:sp>
-        <p:nvSpPr>
-          <p:cNvPr id="13" name="TextBox 12">
-            <a:extLst>
-              <a:ext uri="{FF2B5EF4-FFF2-40B4-BE49-F238E27FC236}">
-                <a16:creationId xmlns:a16="http://schemas.microsoft.com/office/drawing/2014/main" id="{069E3E2C-59E0-A35D-10D0-F57B60634526}"/>
-              </a:ext>
-            </a:extLst>
-          </p:cNvPr>
-          <p:cNvSpPr txBox="1"/>
-          <p:nvPr/>
-        </p:nvSpPr>
-        <p:spPr>
-          <a:xfrm>
-            <a:off x="1312232" y="1803916"/>
-            <a:ext cx="417102" cy="369332"/>
-          </a:xfrm>
-          <a:prstGeom prst="rect">
-            <a:avLst/>
-          </a:prstGeom>
-          <a:noFill/>
-        </p:spPr>
-        <p:txBody>
-          <a:bodyPr wrap="none" rtlCol="0">
-            <a:spAutoFit/>
-          </a:bodyPr>
-          <a:lstStyle/>
-          <a:p>
-            <a:r>
-              <a:rPr lang="en-US" b="1" dirty="0">
-                <a:solidFill>
-                  <a:srgbClr val="FF0000"/>
-                </a:solidFill>
-              </a:rPr>
-              <a:t>#2</a:t>
-            </a:r>
-          </a:p>
-        </p:txBody>
-      </p:sp>
-      <p:sp>
-        <p:nvSpPr>
-          <p:cNvPr id="14" name="TextBox 13">
-            <a:extLst>
-              <a:ext uri="{FF2B5EF4-FFF2-40B4-BE49-F238E27FC236}">
-                <a16:creationId xmlns:a16="http://schemas.microsoft.com/office/drawing/2014/main" id="{48ADB038-8D35-D0F9-51C3-856FF40C44DB}"/>
-              </a:ext>
-            </a:extLst>
-          </p:cNvPr>
-          <p:cNvSpPr txBox="1"/>
-          <p:nvPr/>
-        </p:nvSpPr>
-        <p:spPr>
-          <a:xfrm>
-            <a:off x="2759869" y="3640654"/>
-            <a:ext cx="417102" cy="369332"/>
-          </a:xfrm>
-          <a:prstGeom prst="rect">
-            <a:avLst/>
-          </a:prstGeom>
-          <a:noFill/>
-        </p:spPr>
-        <p:txBody>
-          <a:bodyPr wrap="none" rtlCol="0">
-            <a:spAutoFit/>
-          </a:bodyPr>
-          <a:lstStyle/>
-          <a:p>
-            <a:r>
-              <a:rPr lang="en-US" b="1" dirty="0">
-                <a:solidFill>
-                  <a:srgbClr val="FF0000"/>
-                </a:solidFill>
-              </a:rPr>
-              <a:t>#3</a:t>
-            </a:r>
-          </a:p>
-        </p:txBody>
-      </p:sp>
-      <p:sp>
-        <p:nvSpPr>
-          <p:cNvPr id="15" name="TextBox 14">
-            <a:extLst>
-              <a:ext uri="{FF2B5EF4-FFF2-40B4-BE49-F238E27FC236}">
-                <a16:creationId xmlns:a16="http://schemas.microsoft.com/office/drawing/2014/main" id="{9444B3C0-9C10-E5B2-9595-3F1330BE9680}"/>
-              </a:ext>
-            </a:extLst>
-          </p:cNvPr>
-          <p:cNvSpPr txBox="1"/>
-          <p:nvPr/>
-        </p:nvSpPr>
-        <p:spPr>
-          <a:xfrm>
-            <a:off x="6004576" y="6037975"/>
-            <a:ext cx="417102" cy="369332"/>
-          </a:xfrm>
-          <a:prstGeom prst="rect">
-            <a:avLst/>
-          </a:prstGeom>
-          <a:noFill/>
-        </p:spPr>
-        <p:txBody>
-          <a:bodyPr wrap="none" rtlCol="0">
-            <a:spAutoFit/>
-          </a:bodyPr>
-          <a:lstStyle/>
-          <a:p>
-            <a:r>
-              <a:rPr lang="en-US" b="1" dirty="0">
-                <a:solidFill>
-                  <a:srgbClr val="FF0000"/>
-                </a:solidFill>
-              </a:rPr>
-              <a:t>#4</a:t>
-            </a:r>
-          </a:p>
-        </p:txBody>
-      </p:sp>
-    </p:spTree>
-    <p:extLst>
-      <p:ext uri="{BB962C8B-B14F-4D97-AF65-F5344CB8AC3E}">
-        <p14:creationId xmlns:p14="http://schemas.microsoft.com/office/powerpoint/2010/main" val="525849186"/>
-      </p:ext>
-    </p:extLst>
-  </p:cSld>
-  <p:clrMapOvr>
-    <a:masterClrMapping/>
-  </p:clrMapOvr>
-</p:sld>
-</file>
-
 <file path=ppt/slides/slide2.xml><?xml version="1.0" encoding="utf-8"?>
 <p:sld xmlns:a="http://schemas.openxmlformats.org/drawingml/2006/main" xmlns:r="http://schemas.openxmlformats.org/officeDocument/2006/relationships" xmlns:p="http://schemas.openxmlformats.org/presentationml/2006/main">
   <p:cSld>
@@ -6637,8 +6108,8 @@
           </a:prstGeom>
         </p:spPr>
       </p:pic>
-      <mc:AlternateContent xmlns:mc="http://schemas.openxmlformats.org/markup-compatibility/2006" xmlns:p14="http://schemas.microsoft.com/office/powerpoint/2010/main">
-        <mc:Choice Requires="p14">
+      <mc:AlternateContent xmlns:mc="http://schemas.openxmlformats.org/markup-compatibility/2006">
+        <mc:Choice xmlns:p14="http://schemas.microsoft.com/office/powerpoint/2010/main" Requires="p14">
           <p:contentPart p14:bwMode="auto" r:id="rId3">
             <p14:nvContentPartPr>
               <p14:cNvPr id="9" name="Ink 8">
@@ -6657,7 +6128,7 @@
             </p14:xfrm>
           </p:contentPart>
         </mc:Choice>
-        <mc:Fallback xmlns="">
+        <mc:Fallback>
           <p:pic>
             <p:nvPicPr>
               <p:cNvPr id="9" name="Ink 8">
@@ -6688,8 +6159,8 @@
           </p:pic>
         </mc:Fallback>
       </mc:AlternateContent>
-      <mc:AlternateContent xmlns:mc="http://schemas.openxmlformats.org/markup-compatibility/2006" xmlns:p14="http://schemas.microsoft.com/office/powerpoint/2010/main">
-        <mc:Choice Requires="p14">
+      <mc:AlternateContent xmlns:mc="http://schemas.openxmlformats.org/markup-compatibility/2006">
+        <mc:Choice xmlns:p14="http://schemas.microsoft.com/office/powerpoint/2010/main" Requires="p14">
           <p:contentPart p14:bwMode="auto" r:id="rId5">
             <p14:nvContentPartPr>
               <p14:cNvPr id="10" name="Ink 9">
@@ -6708,7 +6179,7 @@
             </p14:xfrm>
           </p:contentPart>
         </mc:Choice>
-        <mc:Fallback xmlns="">
+        <mc:Fallback>
           <p:pic>
             <p:nvPicPr>
               <p:cNvPr id="10" name="Ink 9">
@@ -6739,8 +6210,8 @@
           </p:pic>
         </mc:Fallback>
       </mc:AlternateContent>
-      <mc:AlternateContent xmlns:mc="http://schemas.openxmlformats.org/markup-compatibility/2006" xmlns:p14="http://schemas.microsoft.com/office/powerpoint/2010/main">
-        <mc:Choice Requires="p14">
+      <mc:AlternateContent xmlns:mc="http://schemas.openxmlformats.org/markup-compatibility/2006">
+        <mc:Choice xmlns:p14="http://schemas.microsoft.com/office/powerpoint/2010/main" Requires="p14">
           <p:contentPart p14:bwMode="auto" r:id="rId7">
             <p14:nvContentPartPr>
               <p14:cNvPr id="11" name="Ink 10">
@@ -6759,7 +6230,7 @@
             </p14:xfrm>
           </p:contentPart>
         </mc:Choice>
-        <mc:Fallback xmlns="">
+        <mc:Fallback>
           <p:pic>
             <p:nvPicPr>
               <p:cNvPr id="11" name="Ink 10">
@@ -6794,321 +6265,6 @@
     <p:extLst>
       <p:ext uri="{BB962C8B-B14F-4D97-AF65-F5344CB8AC3E}">
         <p14:creationId xmlns:p14="http://schemas.microsoft.com/office/powerpoint/2010/main" val="1008441309"/>
-      </p:ext>
-    </p:extLst>
-  </p:cSld>
-  <p:clrMapOvr>
-    <a:masterClrMapping/>
-  </p:clrMapOvr>
-</p:sld>
-</file>
-
-<file path=ppt/slides/slide8.xml><?xml version="1.0" encoding="utf-8"?>
-<p:sld xmlns:a="http://schemas.openxmlformats.org/drawingml/2006/main" xmlns:r="http://schemas.openxmlformats.org/officeDocument/2006/relationships" xmlns:p="http://schemas.openxmlformats.org/presentationml/2006/main">
-  <p:cSld>
-    <p:spTree>
-      <p:nvGrpSpPr>
-        <p:cNvPr id="1" name=""/>
-        <p:cNvGrpSpPr/>
-        <p:nvPr/>
-      </p:nvGrpSpPr>
-      <p:grpSpPr>
-        <a:xfrm>
-          <a:off x="0" y="0"/>
-          <a:ext cx="0" cy="0"/>
-          <a:chOff x="0" y="0"/>
-          <a:chExt cx="0" cy="0"/>
-        </a:xfrm>
-      </p:grpSpPr>
-      <p:sp>
-        <p:nvSpPr>
-          <p:cNvPr id="2" name="Title 1">
-            <a:extLst>
-              <a:ext uri="{FF2B5EF4-FFF2-40B4-BE49-F238E27FC236}">
-                <a16:creationId xmlns:a16="http://schemas.microsoft.com/office/drawing/2014/main" id="{11CDB7FB-9CF5-CB52-26F4-273D4CCA8E73}"/>
-              </a:ext>
-            </a:extLst>
-          </p:cNvPr>
-          <p:cNvSpPr>
-            <a:spLocks noGrp="1"/>
-          </p:cNvSpPr>
-          <p:nvPr>
-            <p:ph type="title"/>
-          </p:nvPr>
-        </p:nvSpPr>
-        <p:spPr/>
-        <p:txBody>
-          <a:bodyPr/>
-          <a:lstStyle/>
-          <a:p>
-            <a:r>
-              <a:rPr lang="en-US" dirty="0" err="1"/>
-              <a:t>HWVaporSalesManager</a:t>
-            </a:r>
-            <a:endParaRPr lang="en-US" dirty="0"/>
-          </a:p>
-        </p:txBody>
-      </p:sp>
-      <p:sp>
-        <p:nvSpPr>
-          <p:cNvPr id="3" name="Content Placeholder 2">
-            <a:extLst>
-              <a:ext uri="{FF2B5EF4-FFF2-40B4-BE49-F238E27FC236}">
-                <a16:creationId xmlns:a16="http://schemas.microsoft.com/office/drawing/2014/main" id="{77170E1C-AA8D-A9B0-FEFF-971EFD5BC00D}"/>
-              </a:ext>
-            </a:extLst>
-          </p:cNvPr>
-          <p:cNvSpPr>
-            <a:spLocks noGrp="1"/>
-          </p:cNvSpPr>
-          <p:nvPr>
-            <p:ph idx="1"/>
-          </p:nvPr>
-        </p:nvSpPr>
-        <p:spPr/>
-        <p:txBody>
-          <a:bodyPr/>
-          <a:lstStyle/>
-          <a:p>
-            <a:r>
-              <a:rPr lang="en-US" dirty="0"/>
-              <a:t>New HW this quarter!</a:t>
-            </a:r>
-          </a:p>
-          <a:p>
-            <a:r>
-              <a:rPr lang="en-US" dirty="0"/>
-              <a:t>Design Problem due </a:t>
-            </a:r>
-            <a:r>
-              <a:rPr lang="en-US" b="1" u="sng" dirty="0">
-                <a:highlight>
-                  <a:srgbClr val="FFFF00"/>
-                </a:highlight>
-              </a:rPr>
-              <a:t>Friday night</a:t>
-            </a:r>
-          </a:p>
-          <a:p>
-            <a:pPr lvl="1"/>
-            <a:r>
-              <a:rPr lang="en-US" b="1" u="sng" dirty="0">
-                <a:highlight>
-                  <a:srgbClr val="FFFF00"/>
-                </a:highlight>
-              </a:rPr>
-              <a:t>No extensions possible:</a:t>
-            </a:r>
-          </a:p>
-          <a:p>
-            <a:r>
-              <a:rPr lang="en-US" dirty="0"/>
-              <a:t>Solution shared via Piazza Sat. Morning</a:t>
-            </a:r>
-          </a:p>
-          <a:p>
-            <a:r>
-              <a:rPr lang="en-US" dirty="0"/>
-              <a:t>You have a homework to implement the solution to this design problem</a:t>
-            </a:r>
-          </a:p>
-          <a:p>
-            <a:r>
-              <a:rPr lang="en-US" b="1" dirty="0"/>
-              <a:t>We will import the new Project now…</a:t>
-            </a:r>
-          </a:p>
-          <a:p>
-            <a:endParaRPr lang="en-US" dirty="0"/>
-          </a:p>
-        </p:txBody>
-      </p:sp>
-    </p:spTree>
-    <p:extLst>
-      <p:ext uri="{BB962C8B-B14F-4D97-AF65-F5344CB8AC3E}">
-        <p14:creationId xmlns:p14="http://schemas.microsoft.com/office/powerpoint/2010/main" val="1042169310"/>
-      </p:ext>
-    </p:extLst>
-  </p:cSld>
-  <p:clrMapOvr>
-    <a:masterClrMapping/>
-  </p:clrMapOvr>
-</p:sld>
-</file>
-
-<file path=ppt/slides/slide9.xml><?xml version="1.0" encoding="utf-8"?>
-<p:sld xmlns:a="http://schemas.openxmlformats.org/drawingml/2006/main" xmlns:r="http://schemas.openxmlformats.org/officeDocument/2006/relationships" xmlns:p="http://schemas.openxmlformats.org/presentationml/2006/main">
-  <p:cSld>
-    <p:spTree>
-      <p:nvGrpSpPr>
-        <p:cNvPr id="1" name=""/>
-        <p:cNvGrpSpPr/>
-        <p:nvPr/>
-      </p:nvGrpSpPr>
-      <p:grpSpPr>
-        <a:xfrm>
-          <a:off x="0" y="0"/>
-          <a:ext cx="0" cy="0"/>
-          <a:chOff x="0" y="0"/>
-          <a:chExt cx="0" cy="0"/>
-        </a:xfrm>
-      </p:grpSpPr>
-      <p:sp>
-        <p:nvSpPr>
-          <p:cNvPr id="2" name="Title 1">
-            <a:extLst>
-              <a:ext uri="{FF2B5EF4-FFF2-40B4-BE49-F238E27FC236}">
-                <a16:creationId xmlns:a16="http://schemas.microsoft.com/office/drawing/2014/main" id="{1E4BA9A1-E60D-B6B5-E14E-BDE68F028FA3}"/>
-              </a:ext>
-            </a:extLst>
-          </p:cNvPr>
-          <p:cNvSpPr>
-            <a:spLocks noGrp="1"/>
-          </p:cNvSpPr>
-          <p:nvPr>
-            <p:ph type="title"/>
-          </p:nvPr>
-        </p:nvSpPr>
-        <p:spPr/>
-        <p:txBody>
-          <a:bodyPr/>
-          <a:lstStyle/>
-          <a:p>
-            <a:r>
-              <a:rPr lang="en-US" dirty="0"/>
-              <a:t>Importing </a:t>
-            </a:r>
-            <a:r>
-              <a:rPr lang="en-US" dirty="0" err="1"/>
-              <a:t>HWVaporSalesManager</a:t>
-            </a:r>
-            <a:endParaRPr lang="en-US" dirty="0"/>
-          </a:p>
-        </p:txBody>
-      </p:sp>
-      <p:sp>
-        <p:nvSpPr>
-          <p:cNvPr id="3" name="Content Placeholder 2">
-            <a:extLst>
-              <a:ext uri="{FF2B5EF4-FFF2-40B4-BE49-F238E27FC236}">
-                <a16:creationId xmlns:a16="http://schemas.microsoft.com/office/drawing/2014/main" id="{BE6B0DA1-A430-2382-18E5-F760FCB88155}"/>
-              </a:ext>
-            </a:extLst>
-          </p:cNvPr>
-          <p:cNvSpPr>
-            <a:spLocks noGrp="1"/>
-          </p:cNvSpPr>
-          <p:nvPr>
-            <p:ph idx="1"/>
-          </p:nvPr>
-        </p:nvSpPr>
-        <p:spPr/>
-        <p:txBody>
-          <a:bodyPr>
-            <a:normAutofit/>
-          </a:bodyPr>
-          <a:lstStyle/>
-          <a:p>
-            <a:r>
-              <a:rPr lang="en-US" sz="2000" dirty="0"/>
-              <a:t>Instructions:</a:t>
-            </a:r>
-            <a:endParaRPr lang="en-US" sz="2000" dirty="0">
-              <a:hlinkClick r:id=""/>
-            </a:endParaRPr>
-          </a:p>
-          <a:p>
-            <a:r>
-              <a:rPr lang="en-US" sz="2000" dirty="0">
-                <a:hlinkClick r:id=""/>
-              </a:rPr>
-              <a:t>https://github.com/RHIT-CSSE/csse220/tree/master/Homework/HWVaporSalesManager</a:t>
-            </a:r>
-            <a:endParaRPr lang="en-US" sz="2000" dirty="0"/>
-          </a:p>
-          <a:p>
-            <a:r>
-              <a:rPr lang="en-US" sz="2000" dirty="0"/>
-              <a:t>Download this (clicking the link will start the download):</a:t>
-            </a:r>
-          </a:p>
-          <a:p>
-            <a:r>
-              <a:rPr lang="en-US" sz="2000" dirty="0">
-                <a:hlinkClick r:id="rId2"/>
-              </a:rPr>
-              <a:t>https://github.com/RHIT-CSSE/csse220/raw/master/Homework/HWVaporSalesManager/HWVaporSalesManager.zip</a:t>
-            </a:r>
-            <a:endParaRPr lang="en-US" sz="2000" dirty="0"/>
-          </a:p>
-          <a:p>
-            <a:r>
-              <a:rPr lang="en-US" sz="2000" dirty="0"/>
-              <a:t>Save it to a place you can find easily (Downloads folder is OK)</a:t>
-            </a:r>
-          </a:p>
-          <a:p>
-            <a:r>
-              <a:rPr lang="en-US" sz="2000" dirty="0"/>
-              <a:t>Next Open Eclipse and Import it (screenshots on next slide)</a:t>
-            </a:r>
-          </a:p>
-          <a:p>
-            <a:pPr lvl="1"/>
-            <a:r>
-              <a:rPr lang="en-US" sz="1600" dirty="0"/>
-              <a:t>Import -&gt; General -&gt;Existing Projects into Workspace-&gt; Next</a:t>
-            </a:r>
-          </a:p>
-          <a:p>
-            <a:pPr lvl="1"/>
-            <a:r>
-              <a:rPr lang="en-US" sz="1600" dirty="0"/>
-              <a:t>Select archive file:   ….. HWVaporSalesManager.zip  -&gt; Finish</a:t>
-            </a:r>
-          </a:p>
-          <a:p>
-            <a:r>
-              <a:rPr lang="en-US" sz="2000" dirty="0"/>
-              <a:t>If you are using “Working sets” you may want to add it to your Homework “Working set” for easily finding it later</a:t>
-            </a:r>
-          </a:p>
-        </p:txBody>
-      </p:sp>
-      <p:pic>
-        <p:nvPicPr>
-          <p:cNvPr id="5" name="Picture 4">
-            <a:extLst>
-              <a:ext uri="{FF2B5EF4-FFF2-40B4-BE49-F238E27FC236}">
-                <a16:creationId xmlns:a16="http://schemas.microsoft.com/office/drawing/2014/main" id="{022ACA23-93A2-25A4-F26B-191EE5F635E0}"/>
-              </a:ext>
-            </a:extLst>
-          </p:cNvPr>
-          <p:cNvPicPr>
-            <a:picLocks noChangeAspect="1"/>
-          </p:cNvPicPr>
-          <p:nvPr/>
-        </p:nvPicPr>
-        <p:blipFill>
-          <a:blip r:embed="rId3"/>
-          <a:stretch>
-            <a:fillRect/>
-          </a:stretch>
-        </p:blipFill>
-        <p:spPr>
-          <a:xfrm>
-            <a:off x="1160557" y="6037975"/>
-            <a:ext cx="4912698" cy="820025"/>
-          </a:xfrm>
-          <a:prstGeom prst="rect">
-            <a:avLst/>
-          </a:prstGeom>
-        </p:spPr>
-      </p:pic>
-    </p:spTree>
-    <p:extLst>
-      <p:ext uri="{BB962C8B-B14F-4D97-AF65-F5344CB8AC3E}">
-        <p14:creationId xmlns:p14="http://schemas.microsoft.com/office/powerpoint/2010/main" val="2854757972"/>
       </p:ext>
     </p:extLst>
   </p:cSld>
@@ -7950,21 +7106,6 @@
 </file>
 
 <file path=customXml/item1.xml><?xml version="1.0" encoding="utf-8"?>
-<p:properties xmlns:p="http://schemas.microsoft.com/office/2006/metadata/properties" xmlns:xsi="http://www.w3.org/2001/XMLSchema-instance" xmlns:pc="http://schemas.microsoft.com/office/infopath/2007/PartnerControls">
-  <documentManagement/>
-</p:properties>
-</file>
-
-<file path=customXml/item2.xml><?xml version="1.0" encoding="utf-8"?>
-<?mso-contentType ?>
-<FormTemplates xmlns="http://schemas.microsoft.com/sharepoint/v3/contenttype/forms">
-  <Display>DocumentLibraryForm</Display>
-  <Edit>DocumentLibraryForm</Edit>
-  <New>DocumentLibraryForm</New>
-</FormTemplates>
-</file>
-
-<file path=customXml/item3.xml><?xml version="1.0" encoding="utf-8"?>
 <ct:contentTypeSchema xmlns:ct="http://schemas.microsoft.com/office/2006/metadata/contentType" xmlns:ma="http://schemas.microsoft.com/office/2006/metadata/properties/metaAttributes" ct:_="" ma:_="" ma:contentTypeName="Document" ma:contentTypeID="0x0101001570BCAAD2E4294F9443DCB038A55380" ma:contentTypeVersion="8" ma:contentTypeDescription="Create a new document." ma:contentTypeScope="" ma:versionID="9523c79d6bab9e2ad858b5223ec5ed94">
   <xsd:schema xmlns:xsd="http://www.w3.org/2001/XMLSchema" xmlns:xs="http://www.w3.org/2001/XMLSchema" xmlns:p="http://schemas.microsoft.com/office/2006/metadata/properties" xmlns:ns2="201674f6-2bdd-4f13-ba1e-424e4aa70473" targetNamespace="http://schemas.microsoft.com/office/2006/metadata/properties" ma:root="true" ma:fieldsID="587afc94f70b507ec5be5f4d78229b0b" ns2:_="">
     <xsd:import namespace="201674f6-2bdd-4f13-ba1e-424e4aa70473"/>
@@ -8134,24 +7275,22 @@
 </ct:contentTypeSchema>
 </file>
 
-<file path=customXml/itemProps1.xml><?xml version="1.0" encoding="utf-8"?>
-<ds:datastoreItem xmlns:ds="http://schemas.openxmlformats.org/officeDocument/2006/customXml" ds:itemID="{A396EFD4-1250-457A-AB4B-16A5266B50A5}">
-  <ds:schemaRefs>
-    <ds:schemaRef ds:uri="http://schemas.microsoft.com/office/2006/metadata/properties"/>
-    <ds:schemaRef ds:uri="http://schemas.microsoft.com/office/infopath/2007/PartnerControls"/>
-  </ds:schemaRefs>
-</ds:datastoreItem>
+<file path=customXml/item2.xml><?xml version="1.0" encoding="utf-8"?>
+<?mso-contentType ?>
+<FormTemplates xmlns="http://schemas.microsoft.com/sharepoint/v3/contenttype/forms">
+  <Display>DocumentLibraryForm</Display>
+  <Edit>DocumentLibraryForm</Edit>
+  <New>DocumentLibraryForm</New>
+</FormTemplates>
 </file>
 
-<file path=customXml/itemProps2.xml><?xml version="1.0" encoding="utf-8"?>
-<ds:datastoreItem xmlns:ds="http://schemas.openxmlformats.org/officeDocument/2006/customXml" ds:itemID="{B83796DB-86E9-4D44-9BCB-A762264A5AFE}">
-  <ds:schemaRefs>
-    <ds:schemaRef ds:uri="http://schemas.microsoft.com/sharepoint/v3/contenttype/forms"/>
-  </ds:schemaRefs>
-</ds:datastoreItem>
+<file path=customXml/item3.xml><?xml version="1.0" encoding="utf-8"?>
+<p:properties xmlns:p="http://schemas.microsoft.com/office/2006/metadata/properties" xmlns:xsi="http://www.w3.org/2001/XMLSchema-instance" xmlns:pc="http://schemas.microsoft.com/office/infopath/2007/PartnerControls">
+  <documentManagement/>
+</p:properties>
 </file>
 
-<file path=customXml/itemProps3.xml><?xml version="1.0" encoding="utf-8"?>
+<file path=customXml/itemProps1.xml><?xml version="1.0" encoding="utf-8"?>
 <ds:datastoreItem xmlns:ds="http://schemas.openxmlformats.org/officeDocument/2006/customXml" ds:itemID="{4055B637-E92D-4086-B83D-87288CBA5498}">
   <ds:schemaRefs>
     <ds:schemaRef ds:uri="http://schemas.microsoft.com/office/2006/metadata/contentType"/>
@@ -8167,4 +7306,21 @@
     <ds:schemaRef ds:uri="http://schemas.microsoft.com/internal/obd"/>
   </ds:schemaRefs>
 </ds:datastoreItem>
+</file>
+
+<file path=customXml/itemProps2.xml><?xml version="1.0" encoding="utf-8"?>
+<ds:datastoreItem xmlns:ds="http://schemas.openxmlformats.org/officeDocument/2006/customXml" ds:itemID="{B83796DB-86E9-4D44-9BCB-A762264A5AFE}">
+  <ds:schemaRefs>
+    <ds:schemaRef ds:uri="http://schemas.microsoft.com/sharepoint/v3/contenttype/forms"/>
+  </ds:schemaRefs>
+</ds:datastoreItem>
+</file>
+
+<file path=customXml/itemProps3.xml><?xml version="1.0" encoding="utf-8"?>
+<ds:datastoreItem xmlns:ds="http://schemas.openxmlformats.org/officeDocument/2006/customXml" ds:itemID="{A396EFD4-1250-457A-AB4B-16A5266B50A5}">
+  <ds:schemaRefs>
+    <ds:schemaRef ds:uri="http://schemas.microsoft.com/office/2006/metadata/properties"/>
+    <ds:schemaRef ds:uri="http://schemas.microsoft.com/office/infopath/2007/PartnerControls"/>
+  </ds:schemaRefs>
+</ds:datastoreItem>
 </file>
--- a/ClassMaterials/Encapsulation/Slides/Part2-SETechniques-Principle3.pptx
+++ b/ClassMaterials/Encapsulation/Slides/Part2-SETechniques-Principle3.pptx
@@ -17,7 +17,7 @@
     <p:sldId id="423" r:id="rId8"/>
     <p:sldId id="424" r:id="rId9"/>
     <p:sldId id="425" r:id="rId10"/>
-    <p:sldId id="437" r:id="rId11"/>
+    <p:sldId id="258" r:id="rId11"/>
   </p:sldIdLst>
   <p:sldSz cx="9144000" cy="6858000" type="screen4x3"/>
   <p:notesSz cx="6858000" cy="9144000"/>
@@ -224,7 +224,7 @@
           <a:p>
             <a:fld id="{4F942F4A-6994-3A49-9461-EE810FAF072D}" type="datetimeFigureOut">
               <a:rPr lang="en-US" smtClean="0"/>
-              <a:t>9/12/2023</a:t>
+              <a:t>2/25/2024</a:t>
             </a:fld>
             <a:endParaRPr lang="en-US"/>
           </a:p>
@@ -321,7 +321,7 @@
           <inkml:channelProperty channel="Y" name="resolution" value="1000" units="1/cm"/>
         </inkml:channelProperties>
       </inkml:inkSource>
-      <inkml:timestamp xml:id="ts0" timeString="2023-09-12T17:41:16.483"/>
+      <inkml:timestamp xml:id="ts0" timeString="2023-12-10T21:16:15.937"/>
     </inkml:context>
     <inkml:brush xml:id="br0">
       <inkml:brushProperty name="width" value="0.3" units="cm"/>
@@ -332,7 +332,7 @@
       <inkml:brushProperty name="ignorePressure" value="1"/>
     </inkml:brush>
   </inkml:definitions>
-  <inkml:trace contextRef="#ctx0" brushRef="#br0">7344 2,'-172'-2,"-182"5,226 11,-34 0,59-15,33 0,1 2,-100 14,35 11,-2-6,-194 3,142-11,3 2,-3483-16,3379-11,28-1,197 14,22 1,0-2,-68-10,41 2,-124-2,-25-2,56 2,136 11</inkml:trace>
+  <inkml:trace contextRef="#ctx0" brushRef="#br0">1964 136,'-769'0,"740"-3,0 0,1-2,0-1,-46-16,-26-5,28 16,1 4,-1 3,-102 7,38 0,94-3,1-2,-72-13,-49-18,138 30</inkml:trace>
 </inkml:ink>
 </file>
 
@@ -350,36 +350,7 @@
           <inkml:channelProperty channel="Y" name="resolution" value="1000" units="1/cm"/>
         </inkml:channelProperties>
       </inkml:inkSource>
-      <inkml:timestamp xml:id="ts0" timeString="2023-09-12T17:41:18.710"/>
-    </inkml:context>
-    <inkml:brush xml:id="br0">
-      <inkml:brushProperty name="width" value="0.3" units="cm"/>
-      <inkml:brushProperty name="height" value="0.6" units="cm"/>
-      <inkml:brushProperty name="color" value="#FFFC00"/>
-      <inkml:brushProperty name="tip" value="rectangle"/>
-      <inkml:brushProperty name="rasterOp" value="maskPen"/>
-      <inkml:brushProperty name="ignorePressure" value="1"/>
-    </inkml:brush>
-  </inkml:definitions>
-  <inkml:trace contextRef="#ctx0" brushRef="#br0">1964 136,'-769'0,"740"-3,0 0,1-2,0-1,-46-16,-26-5,28 16,1 4,-1 3,-102 7,38 0,94-3,1-2,-72-13,-49-18,138 30</inkml:trace>
-</inkml:ink>
-</file>
-
-<file path=ppt/ink/ink3.xml><?xml version="1.0" encoding="utf-8"?>
-<inkml:ink xmlns:inkml="http://www.w3.org/2003/InkML">
-  <inkml:definitions>
-    <inkml:context xml:id="ctx0">
-      <inkml:inkSource xml:id="inkSrc0">
-        <inkml:traceFormat>
-          <inkml:channel name="X" type="integer" min="-2.14748E9" max="2.14748E9" units="cm"/>
-          <inkml:channel name="Y" type="integer" min="-2.14748E9" max="2.14748E9" units="cm"/>
-        </inkml:traceFormat>
-        <inkml:channelProperties>
-          <inkml:channelProperty channel="X" name="resolution" value="1000" units="1/cm"/>
-          <inkml:channelProperty channel="Y" name="resolution" value="1000" units="1/cm"/>
-        </inkml:channelProperties>
-      </inkml:inkSource>
-      <inkml:timestamp xml:id="ts0" timeString="2023-09-12T17:41:26.364"/>
+      <inkml:timestamp xml:id="ts0" timeString="2023-12-10T21:16:15.938"/>
     </inkml:context>
     <inkml:brush xml:id="br0">
       <inkml:brushProperty name="width" value="0.3" units="cm"/>
@@ -476,7 +447,7 @@
           <a:p>
             <a:fld id="{11374350-B736-4AC1-A1E7-19777DF1B0E1}" type="datetimeFigureOut">
               <a:rPr lang="en-US" smtClean="0"/>
-              <a:t>9/12/2023</a:t>
+              <a:t>2/25/2024</a:t>
             </a:fld>
             <a:endParaRPr lang="en-US"/>
           </a:p>
@@ -1288,6 +1259,99 @@
 </p:notes>
 </file>
 
+<file path=ppt/notesSlides/notesSlide6.xml><?xml version="1.0" encoding="utf-8"?>
+<p:notes xmlns:a="http://schemas.openxmlformats.org/drawingml/2006/main" xmlns:r="http://schemas.openxmlformats.org/officeDocument/2006/relationships" xmlns:p="http://schemas.openxmlformats.org/presentationml/2006/main">
+  <p:cSld>
+    <p:spTree>
+      <p:nvGrpSpPr>
+        <p:cNvPr id="1" name=""/>
+        <p:cNvGrpSpPr/>
+        <p:nvPr/>
+      </p:nvGrpSpPr>
+      <p:grpSpPr>
+        <a:xfrm>
+          <a:off x="0" y="0"/>
+          <a:ext cx="0" cy="0"/>
+          <a:chOff x="0" y="0"/>
+          <a:chExt cx="0" cy="0"/>
+        </a:xfrm>
+      </p:grpSpPr>
+      <p:sp>
+        <p:nvSpPr>
+          <p:cNvPr id="2" name="Slide Image Placeholder 1"/>
+          <p:cNvSpPr>
+            <a:spLocks noGrp="1" noRot="1" noChangeAspect="1"/>
+          </p:cNvSpPr>
+          <p:nvPr>
+            <p:ph type="sldImg"/>
+          </p:nvPr>
+        </p:nvSpPr>
+        <p:spPr/>
+      </p:sp>
+      <p:sp>
+        <p:nvSpPr>
+          <p:cNvPr id="3" name="Notes Placeholder 2"/>
+          <p:cNvSpPr>
+            <a:spLocks noGrp="1"/>
+          </p:cNvSpPr>
+          <p:nvPr>
+            <p:ph type="body" idx="1"/>
+          </p:nvPr>
+        </p:nvSpPr>
+        <p:spPr/>
+        <p:txBody>
+          <a:bodyPr/>
+          <a:lstStyle/>
+          <a:p>
+            <a:r>
+              <a:rPr lang="en-US" dirty="0"/>
+              <a:t>TAs can handle this with a form or something else if they prefer</a:t>
+            </a:r>
+          </a:p>
+        </p:txBody>
+      </p:sp>
+      <p:sp>
+        <p:nvSpPr>
+          <p:cNvPr id="4" name="Slide Number Placeholder 3"/>
+          <p:cNvSpPr>
+            <a:spLocks noGrp="1"/>
+          </p:cNvSpPr>
+          <p:nvPr>
+            <p:ph type="sldNum" sz="quarter" idx="10"/>
+          </p:nvPr>
+        </p:nvSpPr>
+        <p:spPr/>
+        <p:txBody>
+          <a:bodyPr/>
+          <a:lstStyle/>
+          <a:p>
+            <a:pPr>
+              <a:defRPr/>
+            </a:pPr>
+            <a:fld id="{F3BF035C-C190-4FBE-9474-8535FCFBFED8}" type="slidenum">
+              <a:rPr lang="en-US" smtClean="0"/>
+              <a:pPr>
+                <a:defRPr/>
+              </a:pPr>
+              <a:t>7</a:t>
+            </a:fld>
+            <a:endParaRPr lang="en-US"/>
+          </a:p>
+        </p:txBody>
+      </p:sp>
+    </p:spTree>
+    <p:extLst>
+      <p:ext uri="{BB962C8B-B14F-4D97-AF65-F5344CB8AC3E}">
+        <p14:creationId xmlns:p14="http://schemas.microsoft.com/office/powerpoint/2010/main" val="1339247438"/>
+      </p:ext>
+    </p:extLst>
+  </p:cSld>
+  <p:clrMapOvr>
+    <a:masterClrMapping/>
+  </p:clrMapOvr>
+</p:notes>
+</file>
+
 <file path=ppt/slideLayouts/slideLayout1.xml><?xml version="1.0" encoding="utf-8"?>
 <p:sldLayout xmlns:a="http://schemas.openxmlformats.org/drawingml/2006/main" xmlns:r="http://schemas.openxmlformats.org/officeDocument/2006/relationships" xmlns:p="http://schemas.openxmlformats.org/presentationml/2006/main" type="title" preserve="1">
   <p:cSld name="Title Slide">
@@ -1467,7 +1531,7 @@
           <a:p>
             <a:fld id="{50A519B0-864F-436F-AD10-563B5AD2C023}" type="datetimeFigureOut">
               <a:rPr lang="en-US" smtClean="0"/>
-              <a:t>9/12/2023</a:t>
+              <a:t>2/25/2024</a:t>
             </a:fld>
             <a:endParaRPr lang="en-US"/>
           </a:p>
@@ -1635,7 +1699,7 @@
           <a:p>
             <a:fld id="{50A519B0-864F-436F-AD10-563B5AD2C023}" type="datetimeFigureOut">
               <a:rPr lang="en-US" smtClean="0"/>
-              <a:t>9/12/2023</a:t>
+              <a:t>2/25/2024</a:t>
             </a:fld>
             <a:endParaRPr lang="en-US"/>
           </a:p>
@@ -1813,7 +1877,7 @@
           <a:p>
             <a:fld id="{50A519B0-864F-436F-AD10-563B5AD2C023}" type="datetimeFigureOut">
               <a:rPr lang="en-US" smtClean="0"/>
-              <a:t>9/12/2023</a:t>
+              <a:t>2/25/2024</a:t>
             </a:fld>
             <a:endParaRPr lang="en-US"/>
           </a:p>
@@ -1981,7 +2045,7 @@
           <a:p>
             <a:fld id="{50A519B0-864F-436F-AD10-563B5AD2C023}" type="datetimeFigureOut">
               <a:rPr lang="en-US" smtClean="0"/>
-              <a:t>9/12/2023</a:t>
+              <a:t>2/25/2024</a:t>
             </a:fld>
             <a:endParaRPr lang="en-US"/>
           </a:p>
@@ -2226,7 +2290,7 @@
           <a:p>
             <a:fld id="{50A519B0-864F-436F-AD10-563B5AD2C023}" type="datetimeFigureOut">
               <a:rPr lang="en-US" smtClean="0"/>
-              <a:t>9/12/2023</a:t>
+              <a:t>2/25/2024</a:t>
             </a:fld>
             <a:endParaRPr lang="en-US"/>
           </a:p>
@@ -2511,7 +2575,7 @@
           <a:p>
             <a:fld id="{50A519B0-864F-436F-AD10-563B5AD2C023}" type="datetimeFigureOut">
               <a:rPr lang="en-US" smtClean="0"/>
-              <a:t>9/12/2023</a:t>
+              <a:t>2/25/2024</a:t>
             </a:fld>
             <a:endParaRPr lang="en-US"/>
           </a:p>
@@ -2930,7 +2994,7 @@
           <a:p>
             <a:fld id="{50A519B0-864F-436F-AD10-563B5AD2C023}" type="datetimeFigureOut">
               <a:rPr lang="en-US" smtClean="0"/>
-              <a:t>9/12/2023</a:t>
+              <a:t>2/25/2024</a:t>
             </a:fld>
             <a:endParaRPr lang="en-US"/>
           </a:p>
@@ -3047,7 +3111,7 @@
           <a:p>
             <a:fld id="{50A519B0-864F-436F-AD10-563B5AD2C023}" type="datetimeFigureOut">
               <a:rPr lang="en-US" smtClean="0"/>
-              <a:t>9/12/2023</a:t>
+              <a:t>2/25/2024</a:t>
             </a:fld>
             <a:endParaRPr lang="en-US"/>
           </a:p>
@@ -3142,7 +3206,7 @@
           <a:p>
             <a:fld id="{50A519B0-864F-436F-AD10-563B5AD2C023}" type="datetimeFigureOut">
               <a:rPr lang="en-US" smtClean="0"/>
-              <a:t>9/12/2023</a:t>
+              <a:t>2/25/2024</a:t>
             </a:fld>
             <a:endParaRPr lang="en-US"/>
           </a:p>
@@ -3417,7 +3481,7 @@
           <a:p>
             <a:fld id="{50A519B0-864F-436F-AD10-563B5AD2C023}" type="datetimeFigureOut">
               <a:rPr lang="en-US" smtClean="0"/>
-              <a:t>9/12/2023</a:t>
+              <a:t>2/25/2024</a:t>
             </a:fld>
             <a:endParaRPr lang="en-US"/>
           </a:p>
@@ -3669,7 +3733,7 @@
           <a:p>
             <a:fld id="{50A519B0-864F-436F-AD10-563B5AD2C023}" type="datetimeFigureOut">
               <a:rPr lang="en-US" smtClean="0"/>
-              <a:t>9/12/2023</a:t>
+              <a:t>2/25/2024</a:t>
             </a:fld>
             <a:endParaRPr lang="en-US"/>
           </a:p>
@@ -3880,7 +3944,7 @@
           <a:p>
             <a:fld id="{50A519B0-864F-436F-AD10-563B5AD2C023}" type="datetimeFigureOut">
               <a:rPr lang="en-US" smtClean="0"/>
-              <a:t>9/12/2023</a:t>
+              <a:t>2/25/2024</a:t>
             </a:fld>
             <a:endParaRPr lang="en-US"/>
           </a:p>
@@ -5980,110 +6044,197 @@
       </p:grpSpPr>
       <p:sp>
         <p:nvSpPr>
-          <p:cNvPr id="2" name="Title 1">
+          <p:cNvPr id="2" name="Title 1"/>
+          <p:cNvSpPr>
+            <a:spLocks noGrp="1"/>
+          </p:cNvSpPr>
+          <p:nvPr>
+            <p:ph type="title"/>
+          </p:nvPr>
+        </p:nvSpPr>
+        <p:spPr>
+          <a:xfrm>
+            <a:off x="445103" y="0"/>
+            <a:ext cx="8229600" cy="640700"/>
+          </a:xfrm>
+        </p:spPr>
+        <p:txBody>
+          <a:bodyPr>
+            <a:normAutofit fontScale="90000"/>
+          </a:bodyPr>
+          <a:lstStyle/>
+          <a:p>
+            <a:r>
+              <a:rPr lang="en-US" dirty="0" err="1"/>
+              <a:t>HWVaporSalesManager</a:t>
+            </a:r>
+            <a:endParaRPr lang="en-US" dirty="0"/>
+          </a:p>
+        </p:txBody>
+      </p:sp>
+      <p:sp>
+        <p:nvSpPr>
+          <p:cNvPr id="3" name="Content Placeholder 2"/>
+          <p:cNvSpPr>
+            <a:spLocks noGrp="1"/>
+          </p:cNvSpPr>
+          <p:nvPr>
+            <p:ph idx="1"/>
+          </p:nvPr>
+        </p:nvSpPr>
+        <p:spPr>
+          <a:xfrm>
+            <a:off x="249340" y="2956653"/>
+            <a:ext cx="8425363" cy="1242720"/>
+          </a:xfrm>
+        </p:spPr>
+        <p:txBody>
+          <a:bodyPr>
+            <a:normAutofit/>
+          </a:bodyPr>
+          <a:lstStyle/>
+          <a:p>
+            <a:r>
+              <a:rPr lang="en-US" sz="2000" dirty="0"/>
+              <a:t>Can collaborate with a partner on </a:t>
+            </a:r>
+            <a:r>
+              <a:rPr lang="en-US" sz="2000" u="sng" dirty="0"/>
+              <a:t>Paired Part</a:t>
+            </a:r>
+            <a:r>
+              <a:rPr lang="en-US" sz="2000" dirty="0"/>
+              <a:t> only!</a:t>
+            </a:r>
+            <a:endParaRPr lang="en-US" sz="2000" u="sng" dirty="0"/>
+          </a:p>
+          <a:p>
+            <a:r>
+              <a:rPr lang="en-US" sz="2000" dirty="0"/>
+              <a:t>Each list the other’s name in </a:t>
+            </a:r>
+            <a:r>
+              <a:rPr lang="en-US" sz="2000" i="1" dirty="0"/>
+              <a:t>Help Citation</a:t>
+            </a:r>
+            <a:r>
+              <a:rPr lang="en-US" sz="2000" dirty="0"/>
+              <a:t> at top of file</a:t>
+            </a:r>
+          </a:p>
+          <a:p>
+            <a:r>
+              <a:rPr lang="en-US" sz="2000" dirty="0"/>
+              <a:t>Both responsible for submitting own code</a:t>
+            </a:r>
+          </a:p>
+          <a:p>
+            <a:endParaRPr lang="en-US" sz="2000" i="1" dirty="0"/>
+          </a:p>
+        </p:txBody>
+      </p:sp>
+      <p:sp>
+        <p:nvSpPr>
+          <p:cNvPr id="5" name="TextBox 4">
             <a:extLst>
               <a:ext uri="{FF2B5EF4-FFF2-40B4-BE49-F238E27FC236}">
-                <a16:creationId xmlns:a16="http://schemas.microsoft.com/office/drawing/2014/main" id="{F4761ED5-DCF7-4A3B-A898-D639C99A4C2D}"/>
+                <a16:creationId xmlns:a16="http://schemas.microsoft.com/office/drawing/2014/main" id="{B38A22DE-EAA2-2A6E-6B36-6CB57326C225}"/>
               </a:ext>
             </a:extLst>
           </p:cNvPr>
-          <p:cNvSpPr>
-            <a:spLocks noGrp="1"/>
-          </p:cNvSpPr>
-          <p:nvPr>
-            <p:ph type="title"/>
-          </p:nvPr>
-        </p:nvSpPr>
-        <p:spPr/>
-        <p:txBody>
-          <a:bodyPr/>
+          <p:cNvSpPr txBox="1"/>
+          <p:nvPr/>
+        </p:nvSpPr>
+        <p:spPr>
+          <a:xfrm>
+            <a:off x="152400" y="4380637"/>
+            <a:ext cx="8839200" cy="2031325"/>
+          </a:xfrm>
+          <a:prstGeom prst="rect">
+            <a:avLst/>
+          </a:prstGeom>
+          <a:solidFill>
+            <a:srgbClr val="92D050"/>
+          </a:solidFill>
+          <a:ln>
+            <a:solidFill>
+              <a:schemeClr val="tx1"/>
+            </a:solidFill>
+          </a:ln>
+        </p:spPr>
+        <p:txBody>
+          <a:bodyPr wrap="square" rtlCol="0">
+            <a:spAutoFit/>
+          </a:bodyPr>
           <a:lstStyle/>
           <a:p>
             <a:r>
               <a:rPr lang="en-US" dirty="0"/>
-              <a:t>Pairing Up</a:t>
-            </a:r>
-          </a:p>
-        </p:txBody>
-      </p:sp>
-      <p:sp>
-        <p:nvSpPr>
-          <p:cNvPr id="3" name="Content Placeholder 2">
+              <a:t>Right Now: Take out a sheet of paper now and tear off a small piece.</a:t>
+            </a:r>
+          </a:p>
+          <a:p>
+            <a:pPr marL="342900" indent="-342900">
+              <a:buAutoNum type="arabicPeriod"/>
+            </a:pPr>
+            <a:r>
+              <a:rPr lang="en-US" dirty="0"/>
+              <a:t>Put your name on it</a:t>
+            </a:r>
+          </a:p>
+          <a:p>
+            <a:pPr marL="342900" indent="-342900">
+              <a:buAutoNum type="arabicPeriod"/>
+            </a:pPr>
+            <a:r>
+              <a:rPr lang="en-US" dirty="0"/>
+              <a:t>Put the name of 1 or more people you would LIKE to work with</a:t>
+            </a:r>
+          </a:p>
+          <a:p>
+            <a:pPr marL="800100" lvl="1" indent="-342900">
+              <a:buFont typeface="+mj-lt"/>
+              <a:buAutoNum type="alphaUcPeriod"/>
+            </a:pPr>
+            <a:r>
+              <a:rPr lang="en-US" dirty="0"/>
+              <a:t>You can say you don’t know anyone, but would like to work with someone</a:t>
+            </a:r>
+          </a:p>
+          <a:p>
+            <a:pPr marL="800100" lvl="1" indent="-342900">
+              <a:buFont typeface="+mj-lt"/>
+              <a:buAutoNum type="alphaUcPeriod"/>
+            </a:pPr>
+            <a:r>
+              <a:rPr lang="en-US" dirty="0"/>
+              <a:t>You can say you want to work alone</a:t>
+            </a:r>
+          </a:p>
+          <a:p>
+            <a:pPr marL="342900" indent="-342900">
+              <a:buFont typeface="+mj-lt"/>
+              <a:buAutoNum type="arabicPeriod"/>
+            </a:pPr>
+            <a:r>
+              <a:rPr lang="en-US" dirty="0"/>
+              <a:t>Put the name of anyone you would prefer NOT to work with</a:t>
+            </a:r>
+          </a:p>
+          <a:p>
+            <a:r>
+              <a:rPr lang="en-US" dirty="0"/>
+              <a:t>Hand this to our TA and they will make pairs for you to use</a:t>
+            </a:r>
+          </a:p>
+        </p:txBody>
+      </p:sp>
+      <p:pic>
+        <p:nvPicPr>
+          <p:cNvPr id="6" name="Picture 5">
             <a:extLst>
               <a:ext uri="{FF2B5EF4-FFF2-40B4-BE49-F238E27FC236}">
-                <a16:creationId xmlns:a16="http://schemas.microsoft.com/office/drawing/2014/main" id="{FA627274-300E-478D-A8F3-72B35EC25DC7}"/>
-              </a:ext>
-            </a:extLst>
-          </p:cNvPr>
-          <p:cNvSpPr>
-            <a:spLocks noGrp="1"/>
-          </p:cNvSpPr>
-          <p:nvPr>
-            <p:ph idx="1"/>
-          </p:nvPr>
-        </p:nvSpPr>
-        <p:spPr>
-          <a:xfrm>
-            <a:off x="152400" y="1295400"/>
-            <a:ext cx="8763000" cy="4525963"/>
-          </a:xfrm>
-        </p:spPr>
-        <p:txBody>
-          <a:bodyPr/>
-          <a:lstStyle/>
-          <a:p>
-            <a:r>
-              <a:rPr lang="en-US" dirty="0"/>
-              <a:t>On a small piece of paper write down either:</a:t>
-            </a:r>
-          </a:p>
-          <a:p>
-            <a:pPr lvl="1"/>
-            <a:r>
-              <a:rPr lang="en-US" dirty="0"/>
-              <a:t>A list of people you’d be interested in working with</a:t>
-            </a:r>
-          </a:p>
-          <a:p>
-            <a:pPr lvl="1"/>
-            <a:r>
-              <a:rPr lang="en-US" dirty="0"/>
-              <a:t>OR that you don’t know anyone BUT you’d like to work with </a:t>
-            </a:r>
-            <a:r>
-              <a:rPr lang="en-US" i="1" dirty="0"/>
-              <a:t>someone</a:t>
-            </a:r>
-          </a:p>
-          <a:p>
-            <a:pPr lvl="1"/>
-            <a:r>
-              <a:rPr lang="en-US" dirty="0"/>
-              <a:t>You prefer </a:t>
-            </a:r>
-            <a:r>
-              <a:rPr lang="en-US" i="1" dirty="0"/>
-              <a:t>NOT</a:t>
-            </a:r>
-            <a:r>
-              <a:rPr lang="en-US" dirty="0"/>
-              <a:t> to work with anyone</a:t>
-            </a:r>
-          </a:p>
-          <a:p>
-            <a:r>
-              <a:rPr lang="en-US" dirty="0"/>
-              <a:t>Hand these to our TA who will try to pair people:</a:t>
-            </a:r>
-          </a:p>
-        </p:txBody>
-      </p:sp>
-      <p:pic>
-        <p:nvPicPr>
-          <p:cNvPr id="8" name="Picture 7">
-            <a:extLst>
-              <a:ext uri="{FF2B5EF4-FFF2-40B4-BE49-F238E27FC236}">
-                <a16:creationId xmlns:a16="http://schemas.microsoft.com/office/drawing/2014/main" id="{33162D26-D0F3-D7C8-AD82-A833E681DCFF}"/>
+                <a16:creationId xmlns:a16="http://schemas.microsoft.com/office/drawing/2014/main" id="{B1005D82-5A23-B4C7-C7DB-4775EBAC0F33}"/>
               </a:ext>
             </a:extLst>
           </p:cNvPr>
@@ -6093,14 +6244,14 @@
           <p:nvPr/>
         </p:nvPicPr>
         <p:blipFill>
-          <a:blip r:embed="rId2"/>
+          <a:blip r:embed="rId3"/>
           <a:stretch>
             <a:fillRect/>
           </a:stretch>
         </p:blipFill>
         <p:spPr>
           <a:xfrm>
-            <a:off x="54549" y="4570880"/>
+            <a:off x="54549" y="729833"/>
             <a:ext cx="9034902" cy="1983439"/>
           </a:xfrm>
           <a:prstGeom prst="rect">
@@ -6108,14 +6259,14 @@
           </a:prstGeom>
         </p:spPr>
       </p:pic>
-      <mc:AlternateContent xmlns:mc="http://schemas.openxmlformats.org/markup-compatibility/2006">
-        <mc:Choice xmlns:p14="http://schemas.microsoft.com/office/powerpoint/2010/main" Requires="p14">
-          <p:contentPart p14:bwMode="auto" r:id="rId3">
+      <mc:AlternateContent xmlns:mc="http://schemas.openxmlformats.org/markup-compatibility/2006" xmlns:p14="http://schemas.microsoft.com/office/powerpoint/2010/main">
+        <mc:Choice Requires="p14">
+          <p:contentPart p14:bwMode="auto" r:id="rId4">
             <p14:nvContentPartPr>
-              <p14:cNvPr id="9" name="Ink 8">
+              <p14:cNvPr id="7" name="Ink 6">
                 <a:extLst>
                   <a:ext uri="{FF2B5EF4-FFF2-40B4-BE49-F238E27FC236}">
-                    <a16:creationId xmlns:a16="http://schemas.microsoft.com/office/drawing/2014/main" id="{A62A13ED-0676-5670-79E4-906EEB25F66E}"/>
+                    <a16:creationId xmlns:a16="http://schemas.microsoft.com/office/drawing/2014/main" id="{E5E52D49-3D2F-D57F-37D1-9D75172021FA}"/>
                   </a:ext>
                 </a:extLst>
               </p14:cNvPr>
@@ -6123,18 +6274,18 @@
               <p14:nvPr/>
             </p14:nvContentPartPr>
             <p14:xfrm>
-              <a:off x="6146199" y="6124661"/>
-              <a:ext cx="2643840" cy="50400"/>
+              <a:off x="1918359" y="2215934"/>
+              <a:ext cx="707040" cy="48960"/>
             </p14:xfrm>
           </p:contentPart>
         </mc:Choice>
-        <mc:Fallback>
+        <mc:Fallback xmlns="">
           <p:pic>
             <p:nvPicPr>
-              <p:cNvPr id="9" name="Ink 8">
+              <p:cNvPr id="7" name="Ink 6">
                 <a:extLst>
                   <a:ext uri="{FF2B5EF4-FFF2-40B4-BE49-F238E27FC236}">
-                    <a16:creationId xmlns:a16="http://schemas.microsoft.com/office/drawing/2014/main" id="{A62A13ED-0676-5670-79E4-906EEB25F66E}"/>
+                    <a16:creationId xmlns:a16="http://schemas.microsoft.com/office/drawing/2014/main" id="{E5E52D49-3D2F-D57F-37D1-9D75172021FA}"/>
                   </a:ext>
                 </a:extLst>
               </p:cNvPr>
@@ -6142,15 +6293,15 @@
               <p:nvPr/>
             </p:nvPicPr>
             <p:blipFill>
-              <a:blip r:embed="rId4"/>
+              <a:blip r:embed="rId5"/>
               <a:stretch>
                 <a:fillRect/>
               </a:stretch>
             </p:blipFill>
             <p:spPr>
               <a:xfrm>
-                <a:off x="6092199" y="6016661"/>
-                <a:ext cx="2751480" cy="266040"/>
+                <a:off x="1864386" y="2107934"/>
+                <a:ext cx="814625" cy="264600"/>
               </a:xfrm>
               <a:prstGeom prst="rect">
                 <a:avLst/>
@@ -6159,14 +6310,14 @@
           </p:pic>
         </mc:Fallback>
       </mc:AlternateContent>
-      <mc:AlternateContent xmlns:mc="http://schemas.openxmlformats.org/markup-compatibility/2006">
-        <mc:Choice xmlns:p14="http://schemas.microsoft.com/office/powerpoint/2010/main" Requires="p14">
-          <p:contentPart p14:bwMode="auto" r:id="rId5">
+      <mc:AlternateContent xmlns:mc="http://schemas.openxmlformats.org/markup-compatibility/2006" xmlns:p14="http://schemas.microsoft.com/office/powerpoint/2010/main">
+        <mc:Choice Requires="p14">
+          <p:contentPart p14:bwMode="auto" r:id="rId6">
             <p14:nvContentPartPr>
-              <p14:cNvPr id="10" name="Ink 9">
+              <p14:cNvPr id="8" name="Ink 7">
                 <a:extLst>
                   <a:ext uri="{FF2B5EF4-FFF2-40B4-BE49-F238E27FC236}">
-                    <a16:creationId xmlns:a16="http://schemas.microsoft.com/office/drawing/2014/main" id="{6F848A8F-779B-73D6-91AC-50A5E3EF4208}"/>
+                    <a16:creationId xmlns:a16="http://schemas.microsoft.com/office/drawing/2014/main" id="{59118192-A4C7-E650-7E95-4F1ABF38460B}"/>
                   </a:ext>
                 </a:extLst>
               </p14:cNvPr>
@@ -6174,18 +6325,18 @@
               <p14:nvPr/>
             </p14:nvContentPartPr>
             <p14:xfrm>
-              <a:off x="1918359" y="6056981"/>
-              <a:ext cx="707040" cy="48960"/>
+              <a:off x="599679" y="2362094"/>
+              <a:ext cx="2416680" cy="159120"/>
             </p14:xfrm>
           </p:contentPart>
         </mc:Choice>
-        <mc:Fallback>
+        <mc:Fallback xmlns="">
           <p:pic>
             <p:nvPicPr>
-              <p:cNvPr id="10" name="Ink 9">
+              <p:cNvPr id="8" name="Ink 7">
                 <a:extLst>
                   <a:ext uri="{FF2B5EF4-FFF2-40B4-BE49-F238E27FC236}">
-                    <a16:creationId xmlns:a16="http://schemas.microsoft.com/office/drawing/2014/main" id="{6F848A8F-779B-73D6-91AC-50A5E3EF4208}"/>
+                    <a16:creationId xmlns:a16="http://schemas.microsoft.com/office/drawing/2014/main" id="{59118192-A4C7-E650-7E95-4F1ABF38460B}"/>
                   </a:ext>
                 </a:extLst>
               </p:cNvPr>
@@ -6193,65 +6344,14 @@
               <p:nvPr/>
             </p:nvPicPr>
             <p:blipFill>
-              <a:blip r:embed="rId6"/>
+              <a:blip r:embed="rId7"/>
               <a:stretch>
                 <a:fillRect/>
               </a:stretch>
             </p:blipFill>
             <p:spPr>
               <a:xfrm>
-                <a:off x="1864359" y="5949341"/>
-                <a:ext cx="814680" cy="264600"/>
-              </a:xfrm>
-              <a:prstGeom prst="rect">
-                <a:avLst/>
-              </a:prstGeom>
-            </p:spPr>
-          </p:pic>
-        </mc:Fallback>
-      </mc:AlternateContent>
-      <mc:AlternateContent xmlns:mc="http://schemas.openxmlformats.org/markup-compatibility/2006">
-        <mc:Choice xmlns:p14="http://schemas.microsoft.com/office/powerpoint/2010/main" Requires="p14">
-          <p:contentPart p14:bwMode="auto" r:id="rId7">
-            <p14:nvContentPartPr>
-              <p14:cNvPr id="11" name="Ink 10">
-                <a:extLst>
-                  <a:ext uri="{FF2B5EF4-FFF2-40B4-BE49-F238E27FC236}">
-                    <a16:creationId xmlns:a16="http://schemas.microsoft.com/office/drawing/2014/main" id="{0D2440E6-9604-7D49-31DC-A5D01DFD5180}"/>
-                  </a:ext>
-                </a:extLst>
-              </p14:cNvPr>
-              <p14:cNvContentPartPr/>
-              <p14:nvPr/>
-            </p14:nvContentPartPr>
-            <p14:xfrm>
-              <a:off x="599679" y="6203141"/>
-              <a:ext cx="2416680" cy="159120"/>
-            </p14:xfrm>
-          </p:contentPart>
-        </mc:Choice>
-        <mc:Fallback>
-          <p:pic>
-            <p:nvPicPr>
-              <p:cNvPr id="11" name="Ink 10">
-                <a:extLst>
-                  <a:ext uri="{FF2B5EF4-FFF2-40B4-BE49-F238E27FC236}">
-                    <a16:creationId xmlns:a16="http://schemas.microsoft.com/office/drawing/2014/main" id="{0D2440E6-9604-7D49-31DC-A5D01DFD5180}"/>
-                  </a:ext>
-                </a:extLst>
-              </p:cNvPr>
-              <p:cNvPicPr/>
-              <p:nvPr/>
-            </p:nvPicPr>
-            <p:blipFill>
-              <a:blip r:embed="rId8"/>
-              <a:stretch>
-                <a:fillRect/>
-              </a:stretch>
-            </p:blipFill>
-            <p:spPr>
-              <a:xfrm>
-                <a:off x="546039" y="6095141"/>
+                <a:off x="545679" y="2254094"/>
                 <a:ext cx="2524320" cy="374760"/>
               </a:xfrm>
               <a:prstGeom prst="rect">
@@ -6264,7 +6364,7 @@
     </p:spTree>
     <p:extLst>
       <p:ext uri="{BB962C8B-B14F-4D97-AF65-F5344CB8AC3E}">
-        <p14:creationId xmlns:p14="http://schemas.microsoft.com/office/powerpoint/2010/main" val="1008441309"/>
+        <p14:creationId xmlns:p14="http://schemas.microsoft.com/office/powerpoint/2010/main" val="3490648585"/>
       </p:ext>
     </p:extLst>
   </p:cSld>
@@ -7106,6 +7206,21 @@
 </file>
 
 <file path=customXml/item1.xml><?xml version="1.0" encoding="utf-8"?>
+<p:properties xmlns:p="http://schemas.microsoft.com/office/2006/metadata/properties" xmlns:xsi="http://www.w3.org/2001/XMLSchema-instance" xmlns:pc="http://schemas.microsoft.com/office/infopath/2007/PartnerControls">
+  <documentManagement/>
+</p:properties>
+</file>
+
+<file path=customXml/item2.xml><?xml version="1.0" encoding="utf-8"?>
+<?mso-contentType ?>
+<FormTemplates xmlns="http://schemas.microsoft.com/sharepoint/v3/contenttype/forms">
+  <Display>DocumentLibraryForm</Display>
+  <Edit>DocumentLibraryForm</Edit>
+  <New>DocumentLibraryForm</New>
+</FormTemplates>
+</file>
+
+<file path=customXml/item3.xml><?xml version="1.0" encoding="utf-8"?>
 <ct:contentTypeSchema xmlns:ct="http://schemas.microsoft.com/office/2006/metadata/contentType" xmlns:ma="http://schemas.microsoft.com/office/2006/metadata/properties/metaAttributes" ct:_="" ma:_="" ma:contentTypeName="Document" ma:contentTypeID="0x0101001570BCAAD2E4294F9443DCB038A55380" ma:contentTypeVersion="8" ma:contentTypeDescription="Create a new document." ma:contentTypeScope="" ma:versionID="9523c79d6bab9e2ad858b5223ec5ed94">
   <xsd:schema xmlns:xsd="http://www.w3.org/2001/XMLSchema" xmlns:xs="http://www.w3.org/2001/XMLSchema" xmlns:p="http://schemas.microsoft.com/office/2006/metadata/properties" xmlns:ns2="201674f6-2bdd-4f13-ba1e-424e4aa70473" targetNamespace="http://schemas.microsoft.com/office/2006/metadata/properties" ma:root="true" ma:fieldsID="587afc94f70b507ec5be5f4d78229b0b" ns2:_="">
     <xsd:import namespace="201674f6-2bdd-4f13-ba1e-424e4aa70473"/>
@@ -7275,22 +7390,24 @@
 </ct:contentTypeSchema>
 </file>
 
-<file path=customXml/item2.xml><?xml version="1.0" encoding="utf-8"?>
-<?mso-contentType ?>
-<FormTemplates xmlns="http://schemas.microsoft.com/sharepoint/v3/contenttype/forms">
-  <Display>DocumentLibraryForm</Display>
-  <Edit>DocumentLibraryForm</Edit>
-  <New>DocumentLibraryForm</New>
-</FormTemplates>
+<file path=customXml/itemProps1.xml><?xml version="1.0" encoding="utf-8"?>
+<ds:datastoreItem xmlns:ds="http://schemas.openxmlformats.org/officeDocument/2006/customXml" ds:itemID="{A396EFD4-1250-457A-AB4B-16A5266B50A5}">
+  <ds:schemaRefs>
+    <ds:schemaRef ds:uri="http://schemas.microsoft.com/office/2006/metadata/properties"/>
+    <ds:schemaRef ds:uri="http://schemas.microsoft.com/office/infopath/2007/PartnerControls"/>
+  </ds:schemaRefs>
+</ds:datastoreItem>
 </file>
 
-<file path=customXml/item3.xml><?xml version="1.0" encoding="utf-8"?>
-<p:properties xmlns:p="http://schemas.microsoft.com/office/2006/metadata/properties" xmlns:xsi="http://www.w3.org/2001/XMLSchema-instance" xmlns:pc="http://schemas.microsoft.com/office/infopath/2007/PartnerControls">
-  <documentManagement/>
-</p:properties>
+<file path=customXml/itemProps2.xml><?xml version="1.0" encoding="utf-8"?>
+<ds:datastoreItem xmlns:ds="http://schemas.openxmlformats.org/officeDocument/2006/customXml" ds:itemID="{B83796DB-86E9-4D44-9BCB-A762264A5AFE}">
+  <ds:schemaRefs>
+    <ds:schemaRef ds:uri="http://schemas.microsoft.com/sharepoint/v3/contenttype/forms"/>
+  </ds:schemaRefs>
+</ds:datastoreItem>
 </file>
 
-<file path=customXml/itemProps1.xml><?xml version="1.0" encoding="utf-8"?>
+<file path=customXml/itemProps3.xml><?xml version="1.0" encoding="utf-8"?>
 <ds:datastoreItem xmlns:ds="http://schemas.openxmlformats.org/officeDocument/2006/customXml" ds:itemID="{4055B637-E92D-4086-B83D-87288CBA5498}">
   <ds:schemaRefs>
     <ds:schemaRef ds:uri="http://schemas.microsoft.com/office/2006/metadata/contentType"/>
@@ -7306,21 +7423,4 @@
     <ds:schemaRef ds:uri="http://schemas.microsoft.com/internal/obd"/>
   </ds:schemaRefs>
 </ds:datastoreItem>
-</file>
-
-<file path=customXml/itemProps2.xml><?xml version="1.0" encoding="utf-8"?>
-<ds:datastoreItem xmlns:ds="http://schemas.openxmlformats.org/officeDocument/2006/customXml" ds:itemID="{B83796DB-86E9-4D44-9BCB-A762264A5AFE}">
-  <ds:schemaRefs>
-    <ds:schemaRef ds:uri="http://schemas.microsoft.com/sharepoint/v3/contenttype/forms"/>
-  </ds:schemaRefs>
-</ds:datastoreItem>
-</file>
-
-<file path=customXml/itemProps3.xml><?xml version="1.0" encoding="utf-8"?>
-<ds:datastoreItem xmlns:ds="http://schemas.openxmlformats.org/officeDocument/2006/customXml" ds:itemID="{A396EFD4-1250-457A-AB4B-16A5266B50A5}">
-  <ds:schemaRefs>
-    <ds:schemaRef ds:uri="http://schemas.microsoft.com/office/2006/metadata/properties"/>
-    <ds:schemaRef ds:uri="http://schemas.microsoft.com/office/infopath/2007/PartnerControls"/>
-  </ds:schemaRefs>
-</ds:datastoreItem>
 </file>